--- a/07教育/02论文/论文经验分享v20161201.pptx
+++ b/07教育/02论文/论文经验分享v20161201.pptx
@@ -12658,11 +12658,7 @@
           <a:p>
             <a:r>
               <a:rPr lang="zh-CN" altLang="en-US" dirty="0" smtClean="0"/>
-              <a:t>第四章 系统</a:t>
-            </a:r>
-            <a:r>
-              <a:rPr lang="zh-CN" altLang="en-US" dirty="0" smtClean="0"/>
-              <a:t>详细设计与实现</a:t>
+              <a:t>第四章 系统详细设计与实现</a:t>
             </a:r>
             <a:endParaRPr lang="en-US" altLang="zh-CN" dirty="0" smtClean="0"/>
           </a:p>
@@ -12680,7 +12676,6 @@
               <a:rPr lang="en-US" altLang="zh-CN" dirty="0" smtClean="0"/>
               <a:t>1</a:t>
             </a:r>
-            <a:endParaRPr lang="en-US" altLang="zh-CN" dirty="0" smtClean="0"/>
           </a:p>
           <a:p>
             <a:pPr lvl="1"/>
@@ -12704,7 +12699,6 @@
               <a:rPr lang="en-US" altLang="zh-CN" dirty="0" smtClean="0"/>
               <a:t>2</a:t>
             </a:r>
-            <a:endParaRPr lang="en-US" altLang="zh-CN" dirty="0" smtClean="0"/>
           </a:p>
           <a:p>
             <a:pPr lvl="1"/>
@@ -13340,11 +13334,7 @@
             </a:r>
             <a:r>
               <a:rPr lang="zh-CN" altLang="en-US" dirty="0" smtClean="0"/>
-              <a:t>论文框架和核心工作以及创新</a:t>
-            </a:r>
-            <a:r>
-              <a:rPr lang="zh-CN" altLang="en-US" dirty="0" smtClean="0"/>
-              <a:t>点</a:t>
+              <a:t>论文框架和核心工作以及创新点</a:t>
             </a:r>
             <a:endParaRPr lang="en-US" altLang="zh-CN" dirty="0" smtClean="0"/>
           </a:p>
@@ -13508,11 +13498,7 @@
             <a:pPr lvl="1"/>
             <a:r>
               <a:rPr lang="zh-CN" altLang="en-US" dirty="0" smtClean="0"/>
-              <a:t>最后应有结论得出论文研究方向是</a:t>
-            </a:r>
-            <a:r>
-              <a:rPr lang="zh-CN" altLang="en-US" dirty="0" smtClean="0"/>
-              <a:t>趋势，论文的研究是有价值的</a:t>
+              <a:t>最后应有结论得出论文研究方向是趋势，论文的研究是有价值的</a:t>
             </a:r>
             <a:endParaRPr lang="en-US" altLang="zh-CN" dirty="0" smtClean="0"/>
           </a:p>
@@ -13632,11 +13618,7 @@
             </a:r>
             <a:r>
               <a:rPr lang="zh-CN" altLang="en-US" dirty="0" smtClean="0"/>
-              <a:t>节</a:t>
-            </a:r>
-            <a:r>
-              <a:rPr lang="zh-CN" altLang="en-US" dirty="0" smtClean="0"/>
-              <a:t>研究</a:t>
+              <a:t>节研究</a:t>
             </a:r>
             <a:r>
               <a:rPr lang="zh-CN" altLang="en-US" dirty="0"/>
@@ -13644,11 +13626,7 @@
             </a:r>
             <a:r>
               <a:rPr lang="zh-CN" altLang="en-US" dirty="0" smtClean="0"/>
-              <a:t>和</a:t>
-            </a:r>
-            <a:r>
-              <a:rPr lang="zh-CN" altLang="en-US" dirty="0" smtClean="0"/>
-              <a:t>意义</a:t>
+              <a:t>和意义</a:t>
             </a:r>
             <a:endParaRPr lang="zh-CN" altLang="en-US" dirty="0"/>
           </a:p>
@@ -13682,11 +13660,7 @@
             </a:r>
             <a:r>
               <a:rPr lang="zh-CN" altLang="en-US" dirty="0" smtClean="0"/>
-              <a:t>应</a:t>
-            </a:r>
-            <a:r>
-              <a:rPr lang="zh-CN" altLang="en-US" dirty="0" smtClean="0"/>
-              <a:t>突出虽然本文研究内容是趋势，但目前仍有许多</a:t>
+              <a:t>应突出虽然本文研究内容是趋势，但目前仍有许多</a:t>
             </a:r>
             <a:r>
               <a:rPr lang="zh-CN" altLang="en-US" dirty="0"/>
@@ -13737,11 +13711,7 @@
             </a:r>
             <a:r>
               <a:rPr lang="zh-CN" altLang="en-US" dirty="0" smtClean="0"/>
-              <a:t>应</a:t>
-            </a:r>
-            <a:r>
-              <a:rPr lang="zh-CN" altLang="en-US" dirty="0" smtClean="0"/>
-              <a:t>注明本文研究的范围和</a:t>
+              <a:t>应注明本文研究的范围和</a:t>
             </a:r>
             <a:r>
               <a:rPr lang="zh-CN" altLang="en-US" dirty="0"/>
@@ -13814,11 +13784,7 @@
             </a:r>
             <a:r>
               <a:rPr lang="zh-CN" altLang="en-US" dirty="0" smtClean="0"/>
-              <a:t>节相关</a:t>
-            </a:r>
-            <a:r>
-              <a:rPr lang="zh-CN" altLang="en-US" dirty="0" smtClean="0"/>
-              <a:t>工作研究</a:t>
+              <a:t>节相关工作研究</a:t>
             </a:r>
             <a:endParaRPr lang="zh-CN" altLang="en-US" dirty="0"/>
           </a:p>
@@ -14010,11 +13976,7 @@
             <a:pPr lvl="1"/>
             <a:r>
               <a:rPr lang="zh-CN" altLang="en-US" dirty="0" smtClean="0"/>
-              <a:t>这些专业知识是计算机无关</a:t>
-            </a:r>
-            <a:r>
-              <a:rPr lang="zh-CN" altLang="en-US" dirty="0" smtClean="0"/>
-              <a:t>的</a:t>
+              <a:t>这些专业知识是计算机无关的</a:t>
             </a:r>
             <a:endParaRPr lang="en-US" altLang="zh-CN" dirty="0" smtClean="0"/>
           </a:p>
@@ -14366,11 +14328,7 @@
             </a:r>
             <a:r>
               <a:rPr lang="zh-CN" altLang="en-US" dirty="0" smtClean="0"/>
-              <a:t>节项目</a:t>
-            </a:r>
-            <a:r>
-              <a:rPr lang="zh-CN" altLang="en-US" dirty="0" smtClean="0"/>
-              <a:t>背景介绍</a:t>
+              <a:t>节项目背景介绍</a:t>
             </a:r>
             <a:endParaRPr lang="zh-CN" altLang="en-US" dirty="0"/>
           </a:p>
@@ -14393,11 +14351,7 @@
           <a:p>
             <a:r>
               <a:rPr lang="zh-CN" altLang="en-US" dirty="0" smtClean="0"/>
-              <a:t>一般</a:t>
-            </a:r>
-            <a:r>
-              <a:rPr lang="zh-CN" altLang="en-US" dirty="0" smtClean="0"/>
-              <a:t>应分为三段</a:t>
+              <a:t>一般应分为三段</a:t>
             </a:r>
             <a:endParaRPr lang="en-US" altLang="zh-CN" dirty="0" smtClean="0"/>
           </a:p>
@@ -14413,11 +14367,7 @@
             <a:pPr lvl="1"/>
             <a:r>
               <a:rPr lang="zh-CN" altLang="en-US" dirty="0" smtClean="0"/>
-              <a:t>项目所涉及</a:t>
-            </a:r>
-            <a:r>
-              <a:rPr lang="zh-CN" altLang="en-US" dirty="0" smtClean="0"/>
-              <a:t>单位</a:t>
+              <a:t>项目所涉及单位</a:t>
             </a:r>
             <a:r>
               <a:rPr lang="en-US" altLang="zh-CN" dirty="0" smtClean="0"/>
@@ -14433,11 +14383,7 @@
             </a:r>
             <a:r>
               <a:rPr lang="zh-CN" altLang="en-US" dirty="0" smtClean="0"/>
-              <a:t>如</a:t>
-            </a:r>
-            <a:r>
-              <a:rPr lang="zh-CN" altLang="en-US" dirty="0" smtClean="0"/>
-              <a:t>该单位</a:t>
+              <a:t>如该单位</a:t>
             </a:r>
             <a:r>
               <a:rPr lang="en-US" altLang="zh-CN" dirty="0" smtClean="0"/>
@@ -14445,15 +14391,7 @@
             </a:r>
             <a:r>
               <a:rPr lang="zh-CN" altLang="en-US" dirty="0" smtClean="0"/>
-              <a:t>系统过于</a:t>
-            </a:r>
-            <a:r>
-              <a:rPr lang="zh-CN" altLang="en-US" dirty="0" smtClean="0"/>
-              <a:t>庞大，可集中介绍与本项目相关</a:t>
-            </a:r>
-            <a:r>
-              <a:rPr lang="zh-CN" altLang="en-US" dirty="0" smtClean="0"/>
-              <a:t>部分；如论文所述系统是</a:t>
+              <a:t>系统过于庞大，可集中介绍与本项目相关部分；如论文所述系统是</a:t>
             </a:r>
             <a:r>
               <a:rPr lang="en-US" altLang="zh-CN" dirty="0" smtClean="0"/>
@@ -14477,11 +14415,7 @@
             </a:r>
             <a:r>
               <a:rPr lang="zh-CN" altLang="en-US" dirty="0" smtClean="0"/>
-              <a:t>章有所</a:t>
-            </a:r>
-            <a:r>
-              <a:rPr lang="zh-CN" altLang="en-US" dirty="0" smtClean="0"/>
-              <a:t>呼应</a:t>
+              <a:t>章有所呼应</a:t>
             </a:r>
             <a:endParaRPr lang="en-US" altLang="zh-CN" dirty="0" smtClean="0"/>
           </a:p>
@@ -14546,11 +14480,7 @@
             </a:r>
             <a:r>
               <a:rPr lang="zh-CN" altLang="en-US" dirty="0" smtClean="0"/>
-              <a:t>节系统需求</a:t>
-            </a:r>
-            <a:r>
-              <a:rPr lang="zh-CN" altLang="en-US" dirty="0" smtClean="0"/>
-              <a:t>分析</a:t>
+              <a:t>节系统需求分析</a:t>
             </a:r>
             <a:endParaRPr lang="zh-CN" altLang="en-US" dirty="0"/>
           </a:p>
@@ -14596,11 +14526,7 @@
           <a:p>
             <a:r>
               <a:rPr lang="zh-CN" altLang="en-US" dirty="0" smtClean="0"/>
-              <a:t>不建议表格式，建议段落式</a:t>
-            </a:r>
-            <a:r>
-              <a:rPr lang="zh-CN" altLang="en-US" dirty="0" smtClean="0"/>
-              <a:t>论述</a:t>
+              <a:t>不建议表格式，建议段落式论述</a:t>
             </a:r>
             <a:endParaRPr lang="en-US" altLang="zh-CN" dirty="0" smtClean="0"/>
           </a:p>
@@ -14998,11 +14924,7 @@
           <a:p>
             <a:r>
               <a:rPr lang="zh-CN" altLang="en-US" dirty="0" smtClean="0"/>
-              <a:t>核心</a:t>
-            </a:r>
-            <a:r>
-              <a:rPr lang="zh-CN" altLang="en-US" dirty="0" smtClean="0"/>
-              <a:t>节五步论</a:t>
+              <a:t>核心节五步论</a:t>
             </a:r>
             <a:endParaRPr lang="zh-CN" altLang="en-US" dirty="0"/>
           </a:p>
@@ -15034,15 +14956,7 @@
             </a:pPr>
             <a:r>
               <a:rPr lang="zh-CN" altLang="en-US" dirty="0" smtClean="0"/>
-              <a:t>业务</a:t>
-            </a:r>
-            <a:r>
-              <a:rPr lang="zh-CN" altLang="en-US" dirty="0" smtClean="0"/>
-              <a:t>需求</a:t>
-            </a:r>
-            <a:r>
-              <a:rPr lang="zh-CN" altLang="en-US" dirty="0" smtClean="0"/>
-              <a:t>引入难点重点</a:t>
+              <a:t>业务需求引入难点重点</a:t>
             </a:r>
             <a:endParaRPr lang="en-US" altLang="zh-CN" dirty="0" smtClean="0"/>
           </a:p>
@@ -15053,11 +14967,7 @@
             </a:pPr>
             <a:r>
               <a:rPr lang="zh-CN" altLang="en-US" dirty="0" smtClean="0"/>
-              <a:t>难点</a:t>
-            </a:r>
-            <a:r>
-              <a:rPr lang="zh-CN" altLang="en-US" dirty="0" smtClean="0"/>
-              <a:t>解决方案选型（可选）</a:t>
+              <a:t>难点解决方案选型（可选）</a:t>
             </a:r>
             <a:endParaRPr lang="en-US" altLang="zh-CN" dirty="0" smtClean="0"/>
           </a:p>
@@ -15068,11 +14978,7 @@
             </a:pPr>
             <a:r>
               <a:rPr lang="zh-CN" altLang="en-US" dirty="0" smtClean="0"/>
-              <a:t>选中</a:t>
-            </a:r>
-            <a:r>
-              <a:rPr lang="zh-CN" altLang="en-US" dirty="0" smtClean="0"/>
-              <a:t>的</a:t>
+              <a:t>选中的</a:t>
             </a:r>
             <a:r>
               <a:rPr lang="zh-CN" altLang="en-US" dirty="0"/>
@@ -15080,11 +14986,7 @@
             </a:r>
             <a:r>
               <a:rPr lang="zh-CN" altLang="en-US" dirty="0" smtClean="0"/>
-              <a:t>方案思路总体</a:t>
-            </a:r>
-            <a:r>
-              <a:rPr lang="zh-CN" altLang="en-US" dirty="0" smtClean="0"/>
-              <a:t>论述</a:t>
+              <a:t>方案思路总体论述</a:t>
             </a:r>
             <a:endParaRPr lang="en-US" altLang="zh-CN" dirty="0" smtClean="0"/>
           </a:p>
@@ -15118,38 +15020,14 @@
             </a:pPr>
             <a:r>
               <a:rPr lang="zh-CN" altLang="en-US" dirty="0" smtClean="0"/>
-              <a:t>难点重点解决</a:t>
-            </a:r>
-            <a:r>
-              <a:rPr lang="zh-CN" altLang="en-US" dirty="0" smtClean="0"/>
-              <a:t>的</a:t>
-            </a:r>
-            <a:r>
-              <a:rPr lang="zh-CN" altLang="en-US" dirty="0" smtClean="0"/>
-              <a:t>结果论述</a:t>
+              <a:t>难点重点解决的结果论述</a:t>
             </a:r>
             <a:endParaRPr lang="en-US" altLang="zh-CN" dirty="0" smtClean="0"/>
           </a:p>
           <a:p>
             <a:r>
               <a:rPr lang="zh-CN" altLang="en-US" dirty="0" smtClean="0"/>
-              <a:t>最后应空开一行，超越简单</a:t>
-            </a:r>
-            <a:r>
-              <a:rPr lang="zh-CN" altLang="en-US" dirty="0" smtClean="0"/>
-              <a:t>的对本项目中解决结果的总结</a:t>
-            </a:r>
-            <a:r>
-              <a:rPr lang="zh-CN" altLang="en-US" dirty="0" smtClean="0"/>
-              <a:t>，提炼</a:t>
-            </a:r>
-            <a:r>
-              <a:rPr lang="zh-CN" altLang="en-US" dirty="0" smtClean="0"/>
-              <a:t>升华为更一般的、可适用更广泛场景的经验</a:t>
-            </a:r>
-            <a:r>
-              <a:rPr lang="zh-CN" altLang="en-US" dirty="0" smtClean="0"/>
-              <a:t>总结</a:t>
+              <a:t>最后应空开一行，超越简单的对本项目中解决结果的总结，提炼升华为更一般的、可适用更广泛场景的经验总结</a:t>
             </a:r>
             <a:endParaRPr lang="en-US" altLang="zh-CN" dirty="0" smtClean="0"/>
           </a:p>
@@ -15306,11 +15184,7 @@
             <a:pPr lvl="1"/>
             <a:r>
               <a:rPr lang="zh-CN" altLang="en-US" dirty="0" smtClean="0"/>
-              <a:t>第一段是论文</a:t>
-            </a:r>
-            <a:r>
-              <a:rPr lang="zh-CN" altLang="en-US" dirty="0" smtClean="0"/>
-              <a:t>研究宏观背景回顾，呼应</a:t>
+              <a:t>第一段是论文研究宏观背景回顾，呼应</a:t>
             </a:r>
             <a:r>
               <a:rPr lang="en-US" altLang="zh-CN" dirty="0" smtClean="0"/>
@@ -15329,15 +15203,7 @@
             <a:pPr lvl="1"/>
             <a:r>
               <a:rPr lang="zh-CN" altLang="en-US" dirty="0" smtClean="0"/>
-              <a:t>第二段是论文</a:t>
-            </a:r>
-            <a:r>
-              <a:rPr lang="zh-CN" altLang="en-US" dirty="0" smtClean="0"/>
-              <a:t>主要研究内容，呼应第四</a:t>
-            </a:r>
-            <a:r>
-              <a:rPr lang="zh-CN" altLang="en-US" dirty="0" smtClean="0"/>
-              <a:t>章</a:t>
+              <a:t>第二段是论文主要研究内容，呼应第四章</a:t>
             </a:r>
             <a:endParaRPr lang="en-US" altLang="zh-CN" dirty="0" smtClean="0"/>
           </a:p>
@@ -15373,11 +15239,7 @@
             <a:pPr lvl="1"/>
             <a:r>
               <a:rPr lang="zh-CN" altLang="en-US" dirty="0" smtClean="0"/>
-              <a:t>第三段是论文</a:t>
-            </a:r>
-            <a:r>
-              <a:rPr lang="zh-CN" altLang="en-US" dirty="0" smtClean="0"/>
-              <a:t>依托系统现状</a:t>
+              <a:t>第三段是论文依托系统现状</a:t>
             </a:r>
             <a:endParaRPr lang="en-US" altLang="zh-CN" dirty="0" smtClean="0"/>
           </a:p>
@@ -15409,11 +15271,7 @@
             <a:pPr lvl="2"/>
             <a:r>
               <a:rPr lang="zh-CN" altLang="en-US" dirty="0" smtClean="0"/>
-              <a:t>其次应体现用户对系统是满意</a:t>
-            </a:r>
-            <a:r>
-              <a:rPr lang="zh-CN" altLang="en-US" dirty="0" smtClean="0"/>
-              <a:t>的</a:t>
+              <a:t>其次应体现用户对系统是满意的</a:t>
             </a:r>
             <a:endParaRPr lang="en-US" altLang="zh-CN" dirty="0" smtClean="0"/>
           </a:p>
@@ -15642,15 +15500,7 @@
             <a:pPr lvl="1"/>
             <a:r>
               <a:rPr lang="zh-CN" altLang="en-US" dirty="0" smtClean="0"/>
-              <a:t>实在</a:t>
-            </a:r>
-            <a:r>
-              <a:rPr lang="zh-CN" altLang="en-US" dirty="0" smtClean="0"/>
-              <a:t>不够可以有其他有借鉴意义但不出现引用点的文献，放在最后作为</a:t>
-            </a:r>
-            <a:r>
-              <a:rPr lang="zh-CN" altLang="en-US" dirty="0" smtClean="0"/>
-              <a:t>补充，一般以书籍为主</a:t>
+              <a:t>实在不够可以有其他有借鉴意义但不出现引用点的文献，放在最后作为补充，一般以书籍为主</a:t>
             </a:r>
             <a:endParaRPr lang="en-US" altLang="zh-CN" dirty="0" smtClean="0"/>
           </a:p>
@@ -17270,11 +17120,7 @@
             </a:r>
             <a:r>
               <a:rPr lang="zh-CN" altLang="en-US" dirty="0" smtClean="0"/>
-              <a:t>课题</a:t>
-            </a:r>
-            <a:r>
-              <a:rPr lang="zh-CN" altLang="en-US" dirty="0" smtClean="0"/>
-              <a:t>研究</a:t>
+              <a:t>课题研究</a:t>
             </a:r>
             <a:r>
               <a:rPr lang="zh-CN" altLang="en-US" dirty="0"/>
@@ -17282,11 +17128,7 @@
             </a:r>
             <a:r>
               <a:rPr lang="zh-CN" altLang="en-US" dirty="0" smtClean="0"/>
-              <a:t>与</a:t>
-            </a:r>
-            <a:r>
-              <a:rPr lang="zh-CN" altLang="en-US" dirty="0" smtClean="0"/>
-              <a:t>意义（有必要）</a:t>
+              <a:t>与意义（有必要）</a:t>
             </a:r>
             <a:endParaRPr lang="en-US" altLang="zh-CN" dirty="0" smtClean="0"/>
           </a:p>
@@ -17397,11 +17239,7 @@
             </a:r>
             <a:r>
               <a:rPr lang="zh-CN" altLang="en-US" dirty="0" smtClean="0"/>
-              <a:t>业务</a:t>
-            </a:r>
-            <a:r>
-              <a:rPr lang="zh-CN" altLang="en-US" dirty="0" smtClean="0"/>
-              <a:t>背景简介（可选）</a:t>
+              <a:t>业务背景简介（可选）</a:t>
             </a:r>
             <a:endParaRPr lang="en-US" altLang="zh-CN" dirty="0" smtClean="0"/>
           </a:p>
@@ -17413,11 +17251,7 @@
             </a:r>
             <a:r>
               <a:rPr lang="zh-CN" altLang="en-US" dirty="0" smtClean="0"/>
-              <a:t>关键</a:t>
-            </a:r>
-            <a:r>
-              <a:rPr lang="zh-CN" altLang="en-US" dirty="0" smtClean="0"/>
-              <a:t>技术研究（侧重选型角度）</a:t>
+              <a:t>关键技术研究（侧重选型角度）</a:t>
             </a:r>
             <a:endParaRPr lang="en-US" altLang="zh-CN" dirty="0" smtClean="0"/>
           </a:p>
@@ -17516,11 +17350,7 @@
           <a:p>
             <a:r>
               <a:rPr lang="zh-CN" altLang="en-US" dirty="0" smtClean="0"/>
-              <a:t>第三章 </a:t>
-            </a:r>
-            <a:r>
-              <a:rPr lang="zh-CN" altLang="en-US" dirty="0" smtClean="0"/>
-              <a:t>系统需求分析和总体设计</a:t>
+              <a:t>第三章 系统需求分析和总体设计</a:t>
             </a:r>
             <a:endParaRPr lang="en-US" altLang="zh-CN" dirty="0" smtClean="0"/>
           </a:p>
@@ -17536,11 +17366,7 @@
             </a:r>
             <a:r>
               <a:rPr lang="zh-CN" altLang="en-US" dirty="0" smtClean="0"/>
-              <a:t>背景</a:t>
-            </a:r>
-            <a:r>
-              <a:rPr lang="zh-CN" altLang="en-US" dirty="0" smtClean="0"/>
-              <a:t>介绍</a:t>
+              <a:t>背景介绍</a:t>
             </a:r>
             <a:endParaRPr lang="en-US" altLang="zh-CN" dirty="0" smtClean="0"/>
           </a:p>

--- a/07教育/02论文/论文经验分享v20161201.pptx
+++ b/07教育/02论文/论文经验分享v20161201.pptx
@@ -202,6 +202,10 @@
 </p:presentation>
 </file>
 
+<file path=ppt/revisionInfo.xml><?xml version="1.0" encoding="utf-8"?>
+<p1510:revInfo xmlns:a="http://schemas.openxmlformats.org/drawingml/2006/main" xmlns:r="http://schemas.openxmlformats.org/officeDocument/2006/relationships" xmlns:p1510="http://schemas.microsoft.com/office/powerpoint/2015/10/main"/>
+</file>
+
 <file path=ppt/notesMasters/notesMaster1.xml><?xml version="1.0" encoding="utf-8"?>
 <p:notesMaster xmlns:a="http://schemas.openxmlformats.org/drawingml/2006/main" xmlns:r="http://schemas.openxmlformats.org/officeDocument/2006/relationships" xmlns:p="http://schemas.openxmlformats.org/presentationml/2006/main">
   <p:cSld>
@@ -486,35 +490,35 @@
           <a:p>
             <a:pPr lvl="0"/>
             <a:r>
-              <a:rPr lang="zh-CN" altLang="en-US" noProof="0" smtClean="0"/>
+              <a:rPr lang="zh-CN" altLang="en-US" noProof="0"/>
               <a:t>单击此处编辑母版文本样式</a:t>
             </a:r>
           </a:p>
           <a:p>
             <a:pPr lvl="1"/>
             <a:r>
-              <a:rPr lang="zh-CN" altLang="en-US" noProof="0" smtClean="0"/>
+              <a:rPr lang="zh-CN" altLang="en-US" noProof="0"/>
               <a:t>第二级</a:t>
             </a:r>
           </a:p>
           <a:p>
             <a:pPr lvl="2"/>
             <a:r>
-              <a:rPr lang="zh-CN" altLang="en-US" noProof="0" smtClean="0"/>
+              <a:rPr lang="zh-CN" altLang="en-US" noProof="0"/>
               <a:t>第三级</a:t>
             </a:r>
           </a:p>
           <a:p>
             <a:pPr lvl="3"/>
             <a:r>
-              <a:rPr lang="zh-CN" altLang="en-US" noProof="0" smtClean="0"/>
+              <a:rPr lang="zh-CN" altLang="en-US" noProof="0"/>
               <a:t>第四级</a:t>
             </a:r>
           </a:p>
           <a:p>
             <a:pPr lvl="4"/>
             <a:r>
-              <a:rPr lang="zh-CN" altLang="en-US" noProof="0" smtClean="0"/>
+              <a:rPr lang="zh-CN" altLang="en-US" noProof="0"/>
               <a:t>第五级</a:t>
             </a:r>
           </a:p>
@@ -991,7 +995,7 @@
           <a:lstStyle/>
           <a:p>
             <a:pPr eaLnBrk="1" hangingPunct="1"/>
-            <a:endParaRPr lang="zh-CN" altLang="zh-CN" smtClean="0"/>
+            <a:endParaRPr lang="zh-CN" altLang="zh-CN"/>
           </a:p>
         </p:txBody>
       </p:sp>
@@ -1143,10 +1147,9 @@
           <a:lstStyle/>
           <a:p>
             <a:r>
-              <a:rPr lang="zh-CN" altLang="en-US" dirty="0" smtClean="0"/>
+              <a:rPr lang="zh-CN" altLang="en-US" dirty="0"/>
               <a:t>是三年写一篇论文，而不是三个月写一篇，更不是三周写一篇</a:t>
             </a:r>
-            <a:endParaRPr lang="zh-CN" altLang="en-US" dirty="0"/>
           </a:p>
         </p:txBody>
       </p:sp>
@@ -1687,10 +1690,9 @@
           <a:lstStyle/>
           <a:p>
             <a:r>
-              <a:rPr lang="zh-CN" altLang="en-US" dirty="0" smtClean="0"/>
+              <a:rPr lang="zh-CN" altLang="en-US" dirty="0"/>
               <a:t>在开始选导师、开题、写论文之前应该有些常识，这样才能化被动为主动</a:t>
             </a:r>
-            <a:endParaRPr lang="zh-CN" altLang="en-US" dirty="0"/>
           </a:p>
         </p:txBody>
       </p:sp>
@@ -1781,10 +1783,9 @@
           <a:lstStyle/>
           <a:p>
             <a:r>
-              <a:rPr lang="zh-CN" altLang="en-US" dirty="0" smtClean="0"/>
+              <a:rPr lang="zh-CN" altLang="en-US" dirty="0"/>
               <a:t>只要学生和导师都肯投入时间，没有不过的</a:t>
             </a:r>
-            <a:endParaRPr lang="zh-CN" altLang="en-US" dirty="0"/>
           </a:p>
         </p:txBody>
       </p:sp>
@@ -1965,40 +1966,40 @@
           <a:lstStyle/>
           <a:p>
             <a:r>
-              <a:rPr lang="zh-CN" altLang="en-US" dirty="0" smtClean="0"/>
+              <a:rPr lang="zh-CN" altLang="en-US" dirty="0"/>
               <a:t>每天能想这个事情是最好，但是除非到最后，其实比较难。比较可行的是每周固定几个时间段，就相当于公司多安排了一个项目，在这几个时间段来想这个项目</a:t>
             </a:r>
-            <a:endParaRPr lang="en-US" altLang="zh-CN" dirty="0" smtClean="0"/>
-          </a:p>
-          <a:p>
-            <a:r>
-              <a:rPr lang="zh-CN" altLang="en-US" dirty="0" smtClean="0"/>
+            <a:endParaRPr lang="en-US" altLang="zh-CN" dirty="0"/>
+          </a:p>
+          <a:p>
+            <a:r>
+              <a:rPr lang="zh-CN" altLang="en-US" dirty="0"/>
               <a:t>论文写作包括构思和写作两个部分，写作可以突击，构思是突击不出来的；你就是要有那么长那么多时间去消化、咀嚼、思考和组织现有资料</a:t>
             </a:r>
-            <a:endParaRPr lang="en-US" altLang="zh-CN" dirty="0" smtClean="0"/>
-          </a:p>
-          <a:p>
-            <a:endParaRPr lang="en-US" altLang="zh-CN" dirty="0" smtClean="0"/>
-          </a:p>
-          <a:p>
-            <a:r>
-              <a:rPr lang="zh-CN" altLang="en-US" dirty="0" smtClean="0"/>
+            <a:endParaRPr lang="en-US" altLang="zh-CN" dirty="0"/>
+          </a:p>
+          <a:p>
+            <a:endParaRPr lang="en-US" altLang="zh-CN" dirty="0"/>
+          </a:p>
+          <a:p>
+            <a:r>
+              <a:rPr lang="zh-CN" altLang="en-US" dirty="0"/>
               <a:t>建议在刚启动的时候，集中</a:t>
             </a:r>
             <a:r>
-              <a:rPr lang="en-US" altLang="zh-CN" dirty="0" smtClean="0"/>
+              <a:rPr lang="en-US" altLang="zh-CN" dirty="0"/>
               <a:t>2-3</a:t>
             </a:r>
             <a:r>
-              <a:rPr lang="zh-CN" altLang="en-US" dirty="0" smtClean="0"/>
+              <a:rPr lang="zh-CN" altLang="en-US" dirty="0"/>
               <a:t>个小时，</a:t>
             </a:r>
             <a:r>
-              <a:rPr lang="en-US" altLang="zh-CN" dirty="0" smtClean="0"/>
+              <a:rPr lang="en-US" altLang="zh-CN" dirty="0"/>
               <a:t>1-2</a:t>
             </a:r>
             <a:r>
-              <a:rPr lang="zh-CN" altLang="en-US" smtClean="0"/>
+              <a:rPr lang="zh-CN" altLang="en-US"/>
               <a:t>次，先把手上材料梳理清楚，把自己想到的可能的点记录下来（不然回头就忘了）。然后慢慢的形成自己的总体思路，在形成总体思路过程中，可以跟老师讨论确认。有了总体思路和框架，又清楚手上有那些材料，后继试写推进就快了</a:t>
             </a:r>
             <a:endParaRPr lang="zh-CN" altLang="en-US" dirty="0"/>
@@ -2092,10 +2093,9 @@
           <a:lstStyle/>
           <a:p>
             <a:r>
-              <a:rPr lang="zh-CN" altLang="en-US" dirty="0" smtClean="0"/>
+              <a:rPr lang="zh-CN" altLang="en-US" dirty="0"/>
               <a:t>论文要点是有价值的，好的论文不受框架布局限制</a:t>
             </a:r>
-            <a:endParaRPr lang="zh-CN" altLang="en-US" dirty="0"/>
           </a:p>
         </p:txBody>
       </p:sp>
@@ -6026,7 +6026,7 @@
           <a:p>
             <a:pPr lvl="0"/>
             <a:r>
-              <a:rPr lang="zh-CN" altLang="en-US" noProof="0" dirty="0" smtClean="0"/>
+              <a:rPr lang="zh-CN" altLang="en-US" noProof="0" dirty="0"/>
               <a:t>单击此处编辑母版标题样式</a:t>
             </a:r>
           </a:p>
@@ -6060,7 +6060,7 @@
           <a:p>
             <a:pPr lvl="0"/>
             <a:r>
-              <a:rPr lang="zh-CN" altLang="en-US" noProof="0" smtClean="0"/>
+              <a:rPr lang="zh-CN" altLang="en-US" noProof="0"/>
               <a:t>单击此处编辑母版副标题样式</a:t>
             </a:r>
           </a:p>
@@ -6202,10 +6202,9 @@
           <a:lstStyle/>
           <a:p>
             <a:r>
-              <a:rPr lang="zh-CN" altLang="en-US" smtClean="0"/>
+              <a:rPr lang="zh-CN" altLang="en-US"/>
               <a:t>单击此处编辑母版标题样式</a:t>
             </a:r>
-            <a:endParaRPr lang="zh-CN" altLang="en-US"/>
           </a:p>
         </p:txBody>
       </p:sp>
@@ -6226,38 +6225,37 @@
           <a:p>
             <a:pPr lvl="0"/>
             <a:r>
-              <a:rPr lang="zh-CN" altLang="en-US" smtClean="0"/>
+              <a:rPr lang="zh-CN" altLang="en-US"/>
               <a:t>单击此处编辑母版文本样式</a:t>
             </a:r>
           </a:p>
           <a:p>
             <a:pPr lvl="1"/>
             <a:r>
-              <a:rPr lang="zh-CN" altLang="en-US" smtClean="0"/>
+              <a:rPr lang="zh-CN" altLang="en-US"/>
               <a:t>第二级</a:t>
             </a:r>
           </a:p>
           <a:p>
             <a:pPr lvl="2"/>
             <a:r>
-              <a:rPr lang="zh-CN" altLang="en-US" smtClean="0"/>
+              <a:rPr lang="zh-CN" altLang="en-US"/>
               <a:t>第三级</a:t>
             </a:r>
           </a:p>
           <a:p>
             <a:pPr lvl="3"/>
             <a:r>
-              <a:rPr lang="zh-CN" altLang="en-US" smtClean="0"/>
+              <a:rPr lang="zh-CN" altLang="en-US"/>
               <a:t>第四级</a:t>
             </a:r>
           </a:p>
           <a:p>
             <a:pPr lvl="4"/>
             <a:r>
-              <a:rPr lang="zh-CN" altLang="en-US" smtClean="0"/>
+              <a:rPr lang="zh-CN" altLang="en-US"/>
               <a:t>第五级</a:t>
             </a:r>
-            <a:endParaRPr lang="zh-CN" altLang="en-US"/>
           </a:p>
         </p:txBody>
       </p:sp>
@@ -6403,10 +6401,9 @@
           <a:lstStyle/>
           <a:p>
             <a:r>
-              <a:rPr lang="zh-CN" altLang="en-US" smtClean="0"/>
+              <a:rPr lang="zh-CN" altLang="en-US"/>
               <a:t>单击此处编辑母版标题样式</a:t>
             </a:r>
-            <a:endParaRPr lang="zh-CN" altLang="en-US"/>
           </a:p>
         </p:txBody>
       </p:sp>
@@ -6432,38 +6429,37 @@
           <a:p>
             <a:pPr lvl="0"/>
             <a:r>
-              <a:rPr lang="zh-CN" altLang="en-US" smtClean="0"/>
+              <a:rPr lang="zh-CN" altLang="en-US"/>
               <a:t>单击此处编辑母版文本样式</a:t>
             </a:r>
           </a:p>
           <a:p>
             <a:pPr lvl="1"/>
             <a:r>
-              <a:rPr lang="zh-CN" altLang="en-US" smtClean="0"/>
+              <a:rPr lang="zh-CN" altLang="en-US"/>
               <a:t>第二级</a:t>
             </a:r>
           </a:p>
           <a:p>
             <a:pPr lvl="2"/>
             <a:r>
-              <a:rPr lang="zh-CN" altLang="en-US" smtClean="0"/>
+              <a:rPr lang="zh-CN" altLang="en-US"/>
               <a:t>第三级</a:t>
             </a:r>
           </a:p>
           <a:p>
             <a:pPr lvl="3"/>
             <a:r>
-              <a:rPr lang="zh-CN" altLang="en-US" smtClean="0"/>
+              <a:rPr lang="zh-CN" altLang="en-US"/>
               <a:t>第四级</a:t>
             </a:r>
           </a:p>
           <a:p>
             <a:pPr lvl="4"/>
             <a:r>
-              <a:rPr lang="zh-CN" altLang="en-US" smtClean="0"/>
+              <a:rPr lang="zh-CN" altLang="en-US"/>
               <a:t>第五级</a:t>
             </a:r>
-            <a:endParaRPr lang="zh-CN" altLang="en-US"/>
           </a:p>
         </p:txBody>
       </p:sp>
@@ -6604,10 +6600,9 @@
           <a:lstStyle/>
           <a:p>
             <a:r>
-              <a:rPr lang="zh-CN" altLang="en-US" smtClean="0"/>
+              <a:rPr lang="zh-CN" altLang="en-US"/>
               <a:t>单击此处编辑母版标题样式</a:t>
             </a:r>
-            <a:endParaRPr lang="zh-CN" altLang="en-US"/>
           </a:p>
         </p:txBody>
       </p:sp>
@@ -6628,38 +6623,37 @@
           <a:p>
             <a:pPr lvl="0"/>
             <a:r>
-              <a:rPr lang="zh-CN" altLang="en-US" smtClean="0"/>
+              <a:rPr lang="zh-CN" altLang="en-US"/>
               <a:t>单击此处编辑母版文本样式</a:t>
             </a:r>
           </a:p>
           <a:p>
             <a:pPr lvl="1"/>
             <a:r>
-              <a:rPr lang="zh-CN" altLang="en-US" smtClean="0"/>
+              <a:rPr lang="zh-CN" altLang="en-US"/>
               <a:t>第二级</a:t>
             </a:r>
           </a:p>
           <a:p>
             <a:pPr lvl="2"/>
             <a:r>
-              <a:rPr lang="zh-CN" altLang="en-US" smtClean="0"/>
+              <a:rPr lang="zh-CN" altLang="en-US"/>
               <a:t>第三级</a:t>
             </a:r>
           </a:p>
           <a:p>
             <a:pPr lvl="3"/>
             <a:r>
-              <a:rPr lang="zh-CN" altLang="en-US" smtClean="0"/>
+              <a:rPr lang="zh-CN" altLang="en-US"/>
               <a:t>第四级</a:t>
             </a:r>
           </a:p>
           <a:p>
             <a:pPr lvl="4"/>
             <a:r>
-              <a:rPr lang="zh-CN" altLang="en-US" smtClean="0"/>
+              <a:rPr lang="zh-CN" altLang="en-US"/>
               <a:t>第五级</a:t>
             </a:r>
-            <a:endParaRPr lang="zh-CN" altLang="en-US"/>
           </a:p>
         </p:txBody>
       </p:sp>
@@ -6718,10 +6712,9 @@
           </a:lstStyle>
           <a:p>
             <a:r>
-              <a:rPr lang="zh-CN" altLang="en-US" smtClean="0"/>
+              <a:rPr lang="zh-CN" altLang="en-US"/>
               <a:t>单击此处编辑母版标题样式</a:t>
             </a:r>
-            <a:endParaRPr lang="zh-CN" altLang="en-US"/>
           </a:p>
         </p:txBody>
       </p:sp>
@@ -6784,7 +6777,7 @@
           <a:p>
             <a:pPr lvl="0"/>
             <a:r>
-              <a:rPr lang="zh-CN" altLang="en-US" smtClean="0"/>
+              <a:rPr lang="zh-CN" altLang="en-US"/>
               <a:t>单击此处编辑母版文本样式</a:t>
             </a:r>
           </a:p>
@@ -6927,10 +6920,9 @@
           <a:lstStyle/>
           <a:p>
             <a:r>
-              <a:rPr lang="zh-CN" altLang="en-US" smtClean="0"/>
+              <a:rPr lang="zh-CN" altLang="en-US"/>
               <a:t>单击此处编辑母版标题样式</a:t>
             </a:r>
-            <a:endParaRPr lang="zh-CN" altLang="en-US"/>
           </a:p>
         </p:txBody>
       </p:sp>
@@ -6984,38 +6976,37 @@
           <a:p>
             <a:pPr lvl="0"/>
             <a:r>
-              <a:rPr lang="zh-CN" altLang="en-US" smtClean="0"/>
+              <a:rPr lang="zh-CN" altLang="en-US"/>
               <a:t>单击此处编辑母版文本样式</a:t>
             </a:r>
           </a:p>
           <a:p>
             <a:pPr lvl="1"/>
             <a:r>
-              <a:rPr lang="zh-CN" altLang="en-US" smtClean="0"/>
+              <a:rPr lang="zh-CN" altLang="en-US"/>
               <a:t>第二级</a:t>
             </a:r>
           </a:p>
           <a:p>
             <a:pPr lvl="2"/>
             <a:r>
-              <a:rPr lang="zh-CN" altLang="en-US" smtClean="0"/>
+              <a:rPr lang="zh-CN" altLang="en-US"/>
               <a:t>第三级</a:t>
             </a:r>
           </a:p>
           <a:p>
             <a:pPr lvl="3"/>
             <a:r>
-              <a:rPr lang="zh-CN" altLang="en-US" smtClean="0"/>
+              <a:rPr lang="zh-CN" altLang="en-US"/>
               <a:t>第四级</a:t>
             </a:r>
           </a:p>
           <a:p>
             <a:pPr lvl="4"/>
             <a:r>
-              <a:rPr lang="zh-CN" altLang="en-US" smtClean="0"/>
+              <a:rPr lang="zh-CN" altLang="en-US"/>
               <a:t>第五级</a:t>
             </a:r>
-            <a:endParaRPr lang="zh-CN" altLang="en-US"/>
           </a:p>
         </p:txBody>
       </p:sp>
@@ -7069,38 +7060,37 @@
           <a:p>
             <a:pPr lvl="0"/>
             <a:r>
-              <a:rPr lang="zh-CN" altLang="en-US" smtClean="0"/>
+              <a:rPr lang="zh-CN" altLang="en-US"/>
               <a:t>单击此处编辑母版文本样式</a:t>
             </a:r>
           </a:p>
           <a:p>
             <a:pPr lvl="1"/>
             <a:r>
-              <a:rPr lang="zh-CN" altLang="en-US" smtClean="0"/>
+              <a:rPr lang="zh-CN" altLang="en-US"/>
               <a:t>第二级</a:t>
             </a:r>
           </a:p>
           <a:p>
             <a:pPr lvl="2"/>
             <a:r>
-              <a:rPr lang="zh-CN" altLang="en-US" smtClean="0"/>
+              <a:rPr lang="zh-CN" altLang="en-US"/>
               <a:t>第三级</a:t>
             </a:r>
           </a:p>
           <a:p>
             <a:pPr lvl="3"/>
             <a:r>
-              <a:rPr lang="zh-CN" altLang="en-US" smtClean="0"/>
+              <a:rPr lang="zh-CN" altLang="en-US"/>
               <a:t>第四级</a:t>
             </a:r>
           </a:p>
           <a:p>
             <a:pPr lvl="4"/>
             <a:r>
-              <a:rPr lang="zh-CN" altLang="en-US" smtClean="0"/>
+              <a:rPr lang="zh-CN" altLang="en-US"/>
               <a:t>第五级</a:t>
             </a:r>
-            <a:endParaRPr lang="zh-CN" altLang="en-US"/>
           </a:p>
         </p:txBody>
       </p:sp>
@@ -7159,10 +7149,9 @@
           </a:lstStyle>
           <a:p>
             <a:r>
-              <a:rPr lang="zh-CN" altLang="en-US" smtClean="0"/>
+              <a:rPr lang="zh-CN" altLang="en-US"/>
               <a:t>单击此处编辑母版标题样式</a:t>
             </a:r>
-            <a:endParaRPr lang="zh-CN" altLang="en-US"/>
           </a:p>
         </p:txBody>
       </p:sp>
@@ -7225,7 +7214,7 @@
           <a:p>
             <a:pPr lvl="0"/>
             <a:r>
-              <a:rPr lang="zh-CN" altLang="en-US" smtClean="0"/>
+              <a:rPr lang="zh-CN" altLang="en-US"/>
               <a:t>单击此处编辑母版文本样式</a:t>
             </a:r>
           </a:p>
@@ -7281,38 +7270,37 @@
           <a:p>
             <a:pPr lvl="0"/>
             <a:r>
-              <a:rPr lang="zh-CN" altLang="en-US" smtClean="0"/>
+              <a:rPr lang="zh-CN" altLang="en-US"/>
               <a:t>单击此处编辑母版文本样式</a:t>
             </a:r>
           </a:p>
           <a:p>
             <a:pPr lvl="1"/>
             <a:r>
-              <a:rPr lang="zh-CN" altLang="en-US" smtClean="0"/>
+              <a:rPr lang="zh-CN" altLang="en-US"/>
               <a:t>第二级</a:t>
             </a:r>
           </a:p>
           <a:p>
             <a:pPr lvl="2"/>
             <a:r>
-              <a:rPr lang="zh-CN" altLang="en-US" smtClean="0"/>
+              <a:rPr lang="zh-CN" altLang="en-US"/>
               <a:t>第三级</a:t>
             </a:r>
           </a:p>
           <a:p>
             <a:pPr lvl="3"/>
             <a:r>
-              <a:rPr lang="zh-CN" altLang="en-US" smtClean="0"/>
+              <a:rPr lang="zh-CN" altLang="en-US"/>
               <a:t>第四级</a:t>
             </a:r>
           </a:p>
           <a:p>
             <a:pPr lvl="4"/>
             <a:r>
-              <a:rPr lang="zh-CN" altLang="en-US" smtClean="0"/>
+              <a:rPr lang="zh-CN" altLang="en-US"/>
               <a:t>第五级</a:t>
             </a:r>
-            <a:endParaRPr lang="zh-CN" altLang="en-US"/>
           </a:p>
         </p:txBody>
       </p:sp>
@@ -7375,7 +7363,7 @@
           <a:p>
             <a:pPr lvl="0"/>
             <a:r>
-              <a:rPr lang="zh-CN" altLang="en-US" smtClean="0"/>
+              <a:rPr lang="zh-CN" altLang="en-US"/>
               <a:t>单击此处编辑母版文本样式</a:t>
             </a:r>
           </a:p>
@@ -7431,38 +7419,37 @@
           <a:p>
             <a:pPr lvl="0"/>
             <a:r>
-              <a:rPr lang="zh-CN" altLang="en-US" smtClean="0"/>
+              <a:rPr lang="zh-CN" altLang="en-US"/>
               <a:t>单击此处编辑母版文本样式</a:t>
             </a:r>
           </a:p>
           <a:p>
             <a:pPr lvl="1"/>
             <a:r>
-              <a:rPr lang="zh-CN" altLang="en-US" smtClean="0"/>
+              <a:rPr lang="zh-CN" altLang="en-US"/>
               <a:t>第二级</a:t>
             </a:r>
           </a:p>
           <a:p>
             <a:pPr lvl="2"/>
             <a:r>
-              <a:rPr lang="zh-CN" altLang="en-US" smtClean="0"/>
+              <a:rPr lang="zh-CN" altLang="en-US"/>
               <a:t>第三级</a:t>
             </a:r>
           </a:p>
           <a:p>
             <a:pPr lvl="3"/>
             <a:r>
-              <a:rPr lang="zh-CN" altLang="en-US" smtClean="0"/>
+              <a:rPr lang="zh-CN" altLang="en-US"/>
               <a:t>第四级</a:t>
             </a:r>
           </a:p>
           <a:p>
             <a:pPr lvl="4"/>
             <a:r>
-              <a:rPr lang="zh-CN" altLang="en-US" smtClean="0"/>
+              <a:rPr lang="zh-CN" altLang="en-US"/>
               <a:t>第五级</a:t>
             </a:r>
-            <a:endParaRPr lang="zh-CN" altLang="en-US"/>
           </a:p>
         </p:txBody>
       </p:sp>
@@ -7603,10 +7590,9 @@
           <a:lstStyle/>
           <a:p>
             <a:r>
-              <a:rPr lang="zh-CN" altLang="en-US" smtClean="0"/>
+              <a:rPr lang="zh-CN" altLang="en-US"/>
               <a:t>单击此处编辑母版标题样式</a:t>
             </a:r>
-            <a:endParaRPr lang="zh-CN" altLang="en-US"/>
           </a:p>
         </p:txBody>
       </p:sp>
@@ -7786,10 +7772,9 @@
           </a:lstStyle>
           <a:p>
             <a:r>
-              <a:rPr lang="zh-CN" altLang="en-US" smtClean="0"/>
+              <a:rPr lang="zh-CN" altLang="en-US"/>
               <a:t>单击此处编辑母版标题样式</a:t>
             </a:r>
-            <a:endParaRPr lang="zh-CN" altLang="en-US"/>
           </a:p>
         </p:txBody>
       </p:sp>
@@ -7843,38 +7828,37 @@
           <a:p>
             <a:pPr lvl="0"/>
             <a:r>
-              <a:rPr lang="zh-CN" altLang="en-US" smtClean="0"/>
+              <a:rPr lang="zh-CN" altLang="en-US"/>
               <a:t>单击此处编辑母版文本样式</a:t>
             </a:r>
           </a:p>
           <a:p>
             <a:pPr lvl="1"/>
             <a:r>
-              <a:rPr lang="zh-CN" altLang="en-US" smtClean="0"/>
+              <a:rPr lang="zh-CN" altLang="en-US"/>
               <a:t>第二级</a:t>
             </a:r>
           </a:p>
           <a:p>
             <a:pPr lvl="2"/>
             <a:r>
-              <a:rPr lang="zh-CN" altLang="en-US" smtClean="0"/>
+              <a:rPr lang="zh-CN" altLang="en-US"/>
               <a:t>第三级</a:t>
             </a:r>
           </a:p>
           <a:p>
             <a:pPr lvl="3"/>
             <a:r>
-              <a:rPr lang="zh-CN" altLang="en-US" smtClean="0"/>
+              <a:rPr lang="zh-CN" altLang="en-US"/>
               <a:t>第四级</a:t>
             </a:r>
           </a:p>
           <a:p>
             <a:pPr lvl="4"/>
             <a:r>
-              <a:rPr lang="zh-CN" altLang="en-US" smtClean="0"/>
+              <a:rPr lang="zh-CN" altLang="en-US"/>
               <a:t>第五级</a:t>
             </a:r>
-            <a:endParaRPr lang="zh-CN" altLang="en-US"/>
           </a:p>
         </p:txBody>
       </p:sp>
@@ -7937,7 +7921,7 @@
           <a:p>
             <a:pPr lvl="0"/>
             <a:r>
-              <a:rPr lang="zh-CN" altLang="en-US" smtClean="0"/>
+              <a:rPr lang="zh-CN" altLang="en-US"/>
               <a:t>单击此处编辑母版文本样式</a:t>
             </a:r>
           </a:p>
@@ -8089,10 +8073,9 @@
           </a:lstStyle>
           <a:p>
             <a:r>
-              <a:rPr lang="zh-CN" altLang="en-US" smtClean="0"/>
+              <a:rPr lang="zh-CN" altLang="en-US"/>
               <a:t>单击此处编辑母版标题样式</a:t>
             </a:r>
-            <a:endParaRPr lang="zh-CN" altLang="en-US"/>
           </a:p>
         </p:txBody>
       </p:sp>
@@ -8154,7 +8137,7 @@
           </a:lstStyle>
           <a:p>
             <a:pPr lvl="0"/>
-            <a:endParaRPr lang="zh-CN" altLang="en-US" noProof="0" smtClean="0"/>
+            <a:endParaRPr lang="zh-CN" altLang="en-US" noProof="0"/>
           </a:p>
         </p:txBody>
       </p:sp>
@@ -8217,7 +8200,7 @@
           <a:p>
             <a:pPr lvl="0"/>
             <a:r>
-              <a:rPr lang="zh-CN" altLang="en-US" smtClean="0"/>
+              <a:rPr lang="zh-CN" altLang="en-US"/>
               <a:t>单击此处编辑母版文本样式</a:t>
             </a:r>
           </a:p>
@@ -11702,7 +11685,7 @@
           <a:p>
             <a:pPr lvl="0"/>
             <a:r>
-              <a:rPr lang="zh-CN" altLang="en-US" smtClean="0"/>
+              <a:rPr lang="zh-CN" altLang="en-US"/>
               <a:t>单击此处编辑母版标题样式</a:t>
             </a:r>
           </a:p>
@@ -11770,35 +11753,35 @@
           <a:p>
             <a:pPr lvl="0"/>
             <a:r>
-              <a:rPr lang="zh-CN" altLang="en-US" smtClean="0"/>
+              <a:rPr lang="zh-CN" altLang="en-US"/>
               <a:t>单击此处编辑母版文本样式</a:t>
             </a:r>
           </a:p>
           <a:p>
             <a:pPr lvl="1"/>
             <a:r>
-              <a:rPr lang="zh-CN" altLang="en-US" smtClean="0"/>
+              <a:rPr lang="zh-CN" altLang="en-US"/>
               <a:t>第二级</a:t>
             </a:r>
           </a:p>
           <a:p>
             <a:pPr lvl="2"/>
             <a:r>
-              <a:rPr lang="zh-CN" altLang="en-US" smtClean="0"/>
+              <a:rPr lang="zh-CN" altLang="en-US"/>
               <a:t>第三级</a:t>
             </a:r>
           </a:p>
           <a:p>
             <a:pPr lvl="3"/>
             <a:r>
-              <a:rPr lang="zh-CN" altLang="en-US" smtClean="0"/>
+              <a:rPr lang="zh-CN" altLang="en-US"/>
               <a:t>第四级</a:t>
             </a:r>
           </a:p>
           <a:p>
             <a:pPr lvl="4"/>
             <a:r>
-              <a:rPr lang="zh-CN" altLang="en-US" smtClean="0"/>
+              <a:rPr lang="zh-CN" altLang="en-US"/>
               <a:t>第五级</a:t>
             </a:r>
           </a:p>
@@ -12046,13 +12029,6 @@
     <p:sldLayoutId id="2147483690" r:id="rId10"/>
     <p:sldLayoutId id="2147483691" r:id="rId11"/>
   </p:sldLayoutIdLst>
-  <p:timing>
-    <p:tnLst>
-      <p:par>
-        <p:cTn id="1" dur="indefinite" restart="never" nodeType="tmRoot"/>
-      </p:par>
-    </p:tnLst>
-  </p:timing>
   <p:hf sldNum="0" hdr="0" dt="0"/>
   <p:txStyles>
     <p:titleStyle>
@@ -12523,66 +12499,15 @@
           <a:p>
             <a:pPr algn="ctr" eaLnBrk="1" hangingPunct="1"/>
             <a:r>
-              <a:rPr lang="en-US" altLang="zh-CN" sz="5400" dirty="0" smtClean="0">
-                <a:latin typeface="华文隶书" panose="02010800040101010101" pitchFamily="2" charset="-122"/>
-                <a:ea typeface="华文隶书" panose="02010800040101010101" pitchFamily="2" charset="-122"/>
-              </a:rPr>
-              <a:t>MSE</a:t>
-            </a:r>
-            <a:r>
-              <a:rPr lang="zh-CN" altLang="en-US" sz="5400" dirty="0" smtClean="0">
+              <a:rPr lang="zh-CN" altLang="en-US" sz="5400" dirty="0">
                 <a:latin typeface="华文隶书" panose="02010800040101010101" pitchFamily="2" charset="-122"/>
                 <a:ea typeface="华文隶书" panose="02010800040101010101" pitchFamily="2" charset="-122"/>
               </a:rPr>
               <a:t>论文写作经验分享</a:t>
             </a:r>
-            <a:endParaRPr lang="en-US" altLang="zh-CN" sz="5400" dirty="0" smtClean="0">
+            <a:endParaRPr lang="en-US" altLang="zh-CN" sz="5400" dirty="0">
               <a:latin typeface="华文隶书" panose="02010800040101010101" pitchFamily="2" charset="-122"/>
               <a:ea typeface="华文隶书" panose="02010800040101010101" pitchFamily="2" charset="-122"/>
-            </a:endParaRPr>
-          </a:p>
-        </p:txBody>
-      </p:sp>
-      <p:sp>
-        <p:nvSpPr>
-          <p:cNvPr id="3075" name="Rectangle 3" descr="Rectangle: Click to edit Master text styles&#10;Second level&#10;Third level&#10;Fourth level&#10;Fifth level"/>
-          <p:cNvSpPr>
-            <a:spLocks noGrp="1" noChangeArrowheads="1"/>
-          </p:cNvSpPr>
-          <p:nvPr>
-            <p:ph type="subTitle" idx="1"/>
-          </p:nvPr>
-        </p:nvSpPr>
-        <p:spPr/>
-        <p:txBody>
-          <a:bodyPr/>
-          <a:lstStyle/>
-          <a:p>
-            <a:pPr eaLnBrk="1" hangingPunct="1"/>
-            <a:endParaRPr lang="en-US" altLang="zh-CN" dirty="0" smtClean="0"/>
-          </a:p>
-          <a:p>
-            <a:pPr eaLnBrk="1" hangingPunct="1"/>
-            <a:r>
-              <a:rPr lang="zh-CN" altLang="en-US" sz="3600" dirty="0" smtClean="0">
-                <a:ea typeface="华文行楷" pitchFamily="2" charset="-122"/>
-              </a:rPr>
-              <a:t>复旦大学软件学院</a:t>
-            </a:r>
-            <a:endParaRPr lang="en-US" altLang="zh-CN" sz="3600" dirty="0" smtClean="0">
-              <a:ea typeface="华文行楷" pitchFamily="2" charset="-122"/>
-            </a:endParaRPr>
-          </a:p>
-          <a:p>
-            <a:pPr eaLnBrk="1" hangingPunct="1"/>
-            <a:r>
-              <a:rPr lang="zh-CN" altLang="en-US" sz="3600" dirty="0">
-                <a:ea typeface="华文行楷" pitchFamily="2" charset="-122"/>
-              </a:rPr>
-              <a:t>朱东来</a:t>
-            </a:r>
-            <a:endParaRPr lang="zh-CN" altLang="en-US" sz="3600" dirty="0" smtClean="0">
-              <a:ea typeface="华文行楷" pitchFamily="2" charset="-122"/>
             </a:endParaRPr>
           </a:p>
         </p:txBody>
@@ -12592,13 +12517,6 @@
   <p:clrMapOvr>
     <a:masterClrMapping/>
   </p:clrMapOvr>
-  <p:timing>
-    <p:tnLst>
-      <p:par>
-        <p:cTn id="1" dur="indefinite" restart="never" nodeType="tmRoot"/>
-      </p:par>
-    </p:tnLst>
-  </p:timing>
 </p:sld>
 </file>
 
@@ -12657,132 +12575,117 @@
           <a:lstStyle/>
           <a:p>
             <a:r>
-              <a:rPr lang="zh-CN" altLang="en-US" dirty="0" smtClean="0"/>
+              <a:rPr lang="zh-CN" altLang="en-US" dirty="0"/>
               <a:t>第四章 系统详细设计与实现</a:t>
             </a:r>
-            <a:endParaRPr lang="en-US" altLang="zh-CN" dirty="0" smtClean="0"/>
+            <a:endParaRPr lang="en-US" altLang="zh-CN" dirty="0"/>
           </a:p>
           <a:p>
             <a:pPr lvl="1"/>
             <a:r>
-              <a:rPr lang="en-US" altLang="zh-CN" dirty="0" smtClean="0"/>
+              <a:rPr lang="en-US" altLang="zh-CN" dirty="0"/>
               <a:t>4.1 </a:t>
             </a:r>
             <a:r>
-              <a:rPr lang="zh-CN" altLang="en-US" dirty="0" smtClean="0"/>
+              <a:rPr lang="zh-CN" altLang="en-US" dirty="0"/>
               <a:t>详细设计难点重点</a:t>
-            </a:r>
-            <a:r>
-              <a:rPr lang="en-US" altLang="zh-CN" dirty="0" smtClean="0"/>
-              <a:t>1</a:t>
-            </a:r>
-          </a:p>
-          <a:p>
-            <a:pPr lvl="1"/>
-            <a:r>
-              <a:rPr lang="en-US" altLang="zh-CN" dirty="0" smtClean="0"/>
-              <a:t>4.2 </a:t>
-            </a:r>
-            <a:r>
-              <a:rPr lang="zh-CN" altLang="en-US" dirty="0" smtClean="0"/>
-              <a:t>详细设计</a:t>
-            </a:r>
-            <a:r>
-              <a:rPr lang="zh-CN" altLang="en-US" dirty="0"/>
-              <a:t>难点</a:t>
-            </a:r>
-            <a:r>
-              <a:rPr lang="zh-CN" altLang="en-US" dirty="0" smtClean="0"/>
-              <a:t>重点</a:t>
-            </a:r>
-            <a:r>
-              <a:rPr lang="en-US" altLang="zh-CN" dirty="0" smtClean="0"/>
-              <a:t>2</a:t>
-            </a:r>
-          </a:p>
-          <a:p>
-            <a:pPr lvl="1"/>
-            <a:r>
-              <a:rPr lang="en-US" altLang="zh-CN" dirty="0" smtClean="0"/>
-              <a:t>4.3 </a:t>
-            </a:r>
-            <a:r>
-              <a:rPr lang="zh-CN" altLang="en-US" dirty="0" smtClean="0"/>
-              <a:t>技术实现难点重点</a:t>
             </a:r>
             <a:r>
               <a:rPr lang="en-US" altLang="zh-CN" dirty="0"/>
               <a:t>1</a:t>
             </a:r>
-            <a:endParaRPr lang="en-US" altLang="zh-CN" dirty="0" smtClean="0"/>
           </a:p>
           <a:p>
             <a:pPr lvl="1"/>
             <a:r>
-              <a:rPr lang="en-US" altLang="zh-CN" dirty="0" smtClean="0"/>
-              <a:t>4.4 </a:t>
-            </a:r>
-            <a:r>
-              <a:rPr lang="zh-CN" altLang="en-US" dirty="0" smtClean="0"/>
-              <a:t>技术实现难点重点</a:t>
+              <a:rPr lang="en-US" altLang="zh-CN" dirty="0"/>
+              <a:t>4.2 </a:t>
+            </a:r>
+            <a:r>
+              <a:rPr lang="zh-CN" altLang="en-US" dirty="0"/>
+              <a:t>详细设计难点重点</a:t>
             </a:r>
             <a:r>
               <a:rPr lang="en-US" altLang="zh-CN" dirty="0"/>
               <a:t>2</a:t>
             </a:r>
-            <a:endParaRPr lang="en-US" altLang="zh-CN" dirty="0" smtClean="0"/>
           </a:p>
           <a:p>
             <a:pPr lvl="1"/>
             <a:r>
-              <a:rPr lang="en-US" altLang="zh-CN" dirty="0" smtClean="0"/>
+              <a:rPr lang="en-US" altLang="zh-CN" dirty="0"/>
+              <a:t>4.3 </a:t>
+            </a:r>
+            <a:r>
+              <a:rPr lang="zh-CN" altLang="en-US" dirty="0"/>
+              <a:t>技术实现难点重点</a:t>
+            </a:r>
+            <a:r>
+              <a:rPr lang="en-US" altLang="zh-CN" dirty="0"/>
+              <a:t>1</a:t>
+            </a:r>
+          </a:p>
+          <a:p>
+            <a:pPr lvl="1"/>
+            <a:r>
+              <a:rPr lang="en-US" altLang="zh-CN" dirty="0"/>
+              <a:t>4.4 </a:t>
+            </a:r>
+            <a:r>
+              <a:rPr lang="zh-CN" altLang="en-US" dirty="0"/>
+              <a:t>技术实现难点重点</a:t>
+            </a:r>
+            <a:r>
+              <a:rPr lang="en-US" altLang="zh-CN" dirty="0"/>
+              <a:t>2</a:t>
+            </a:r>
+          </a:p>
+          <a:p>
+            <a:pPr lvl="1"/>
+            <a:r>
+              <a:rPr lang="en-US" altLang="zh-CN" dirty="0"/>
               <a:t>4.5 </a:t>
             </a:r>
             <a:r>
-              <a:rPr lang="zh-CN" altLang="en-US" dirty="0" smtClean="0"/>
+              <a:rPr lang="zh-CN" altLang="en-US" dirty="0"/>
               <a:t>（数据库设计、界面设计、安全性设计、测试数据、</a:t>
             </a:r>
             <a:r>
-              <a:rPr lang="en-US" altLang="zh-CN" dirty="0" smtClean="0"/>
+              <a:rPr lang="en-US" altLang="zh-CN" dirty="0"/>
               <a:t>ETL</a:t>
             </a:r>
             <a:r>
-              <a:rPr lang="zh-CN" altLang="en-US" dirty="0" smtClean="0"/>
+              <a:rPr lang="zh-CN" altLang="en-US" dirty="0"/>
               <a:t>设计等）</a:t>
             </a:r>
-            <a:endParaRPr lang="en-US" altLang="zh-CN" dirty="0" smtClean="0"/>
+            <a:endParaRPr lang="en-US" altLang="zh-CN" dirty="0"/>
           </a:p>
           <a:p>
             <a:pPr lvl="1"/>
             <a:r>
-              <a:rPr lang="en-US" altLang="zh-CN" dirty="0" smtClean="0"/>
+              <a:rPr lang="en-US" altLang="zh-CN" dirty="0"/>
               <a:t>4.6 </a:t>
             </a:r>
             <a:r>
-              <a:rPr lang="zh-CN" altLang="en-US" dirty="0" smtClean="0"/>
+              <a:rPr lang="zh-CN" altLang="en-US" dirty="0"/>
               <a:t>系统用例设计</a:t>
             </a:r>
-            <a:endParaRPr lang="en-US" altLang="zh-CN" dirty="0" smtClean="0"/>
+            <a:endParaRPr lang="en-US" altLang="zh-CN" dirty="0"/>
           </a:p>
           <a:p>
             <a:pPr lvl="1"/>
             <a:r>
               <a:rPr lang="zh-CN" altLang="en-US" dirty="0"/>
-              <a:t>不</a:t>
-            </a:r>
-            <a:r>
-              <a:rPr lang="zh-CN" altLang="en-US" dirty="0" smtClean="0"/>
-              <a:t>少于</a:t>
-            </a:r>
-            <a:r>
-              <a:rPr lang="en-US" altLang="zh-CN" dirty="0" smtClean="0"/>
+              <a:t>不少于</a:t>
+            </a:r>
+            <a:r>
+              <a:rPr lang="en-US" altLang="zh-CN" dirty="0"/>
               <a:t>20</a:t>
             </a:r>
             <a:r>
-              <a:rPr lang="zh-CN" altLang="en-US" dirty="0" smtClean="0"/>
+              <a:rPr lang="zh-CN" altLang="en-US" dirty="0"/>
               <a:t>页</a:t>
             </a:r>
-            <a:endParaRPr lang="zh-CN" altLang="en-US" dirty="0"/>
           </a:p>
         </p:txBody>
       </p:sp>
@@ -12854,125 +12757,100 @@
           <a:lstStyle/>
           <a:p>
             <a:r>
-              <a:rPr lang="zh-CN" altLang="en-US" dirty="0" smtClean="0"/>
+              <a:rPr lang="zh-CN" altLang="en-US" dirty="0"/>
               <a:t>第五章 总结与展望</a:t>
             </a:r>
-            <a:endParaRPr lang="en-US" altLang="zh-CN" dirty="0" smtClean="0"/>
+            <a:endParaRPr lang="en-US" altLang="zh-CN" dirty="0"/>
           </a:p>
           <a:p>
             <a:pPr lvl="1"/>
             <a:r>
-              <a:rPr lang="en-US" altLang="zh-CN" dirty="0" smtClean="0"/>
+              <a:rPr lang="en-US" altLang="zh-CN" dirty="0"/>
               <a:t>5.1 </a:t>
             </a:r>
             <a:r>
-              <a:rPr lang="zh-CN" altLang="en-US" dirty="0" smtClean="0"/>
-              <a:t>本文</a:t>
-            </a:r>
-            <a:r>
-              <a:rPr lang="zh-CN" altLang="en-US" dirty="0"/>
-              <a:t>内容</a:t>
-            </a:r>
-            <a:r>
-              <a:rPr lang="zh-CN" altLang="en-US" dirty="0" smtClean="0"/>
-              <a:t>总结</a:t>
-            </a:r>
-            <a:endParaRPr lang="en-US" altLang="zh-CN" dirty="0" smtClean="0"/>
+              <a:rPr lang="zh-CN" altLang="en-US" dirty="0"/>
+              <a:t>本文内容总结</a:t>
+            </a:r>
+            <a:endParaRPr lang="en-US" altLang="zh-CN" dirty="0"/>
           </a:p>
           <a:p>
             <a:pPr lvl="1"/>
             <a:r>
-              <a:rPr lang="en-US" altLang="zh-CN" dirty="0" smtClean="0"/>
+              <a:rPr lang="en-US" altLang="zh-CN" dirty="0"/>
               <a:t>5.2 </a:t>
             </a:r>
             <a:r>
-              <a:rPr lang="zh-CN" altLang="en-US" dirty="0" smtClean="0"/>
+              <a:rPr lang="zh-CN" altLang="en-US" dirty="0"/>
               <a:t>未来工作展望</a:t>
             </a:r>
-            <a:endParaRPr lang="en-US" altLang="zh-CN" dirty="0" smtClean="0"/>
+            <a:endParaRPr lang="en-US" altLang="zh-CN" dirty="0"/>
           </a:p>
           <a:p>
             <a:pPr lvl="1"/>
             <a:r>
-              <a:rPr lang="en-US" altLang="zh-CN" dirty="0" smtClean="0"/>
+              <a:rPr lang="en-US" altLang="zh-CN" dirty="0"/>
               <a:t>2-3</a:t>
             </a:r>
             <a:r>
-              <a:rPr lang="zh-CN" altLang="en-US" dirty="0" smtClean="0"/>
+              <a:rPr lang="zh-CN" altLang="en-US" dirty="0"/>
               <a:t>页</a:t>
             </a:r>
-            <a:endParaRPr lang="en-US" altLang="zh-CN" dirty="0" smtClean="0"/>
-          </a:p>
-          <a:p>
-            <a:r>
-              <a:rPr lang="zh-CN" altLang="en-US" dirty="0" smtClean="0"/>
+            <a:endParaRPr lang="en-US" altLang="zh-CN" dirty="0"/>
+          </a:p>
+          <a:p>
+            <a:r>
+              <a:rPr lang="zh-CN" altLang="en-US" dirty="0"/>
               <a:t>参考文献</a:t>
             </a:r>
-            <a:endParaRPr lang="en-US" altLang="zh-CN" dirty="0" smtClean="0"/>
+            <a:endParaRPr lang="en-US" altLang="zh-CN" dirty="0"/>
           </a:p>
           <a:p>
             <a:pPr lvl="1"/>
             <a:r>
               <a:rPr lang="zh-CN" altLang="en-US" dirty="0"/>
-              <a:t>不</a:t>
-            </a:r>
-            <a:r>
-              <a:rPr lang="zh-CN" altLang="en-US" dirty="0" smtClean="0"/>
-              <a:t>少于</a:t>
-            </a:r>
-            <a:r>
-              <a:rPr lang="zh-CN" altLang="en-US" dirty="0"/>
-              <a:t>一页</a:t>
-            </a:r>
-            <a:r>
-              <a:rPr lang="zh-CN" altLang="en-US" dirty="0" smtClean="0"/>
-              <a:t>半</a:t>
-            </a:r>
-            <a:endParaRPr lang="en-US" altLang="zh-CN" dirty="0" smtClean="0"/>
+              <a:t>不少于一页半</a:t>
+            </a:r>
+            <a:endParaRPr lang="en-US" altLang="zh-CN" dirty="0"/>
           </a:p>
           <a:p>
             <a:pPr lvl="1"/>
             <a:r>
               <a:rPr lang="zh-CN" altLang="en-US" dirty="0"/>
-              <a:t>不</a:t>
-            </a:r>
-            <a:r>
-              <a:rPr lang="zh-CN" altLang="en-US" dirty="0" smtClean="0"/>
-              <a:t>少于</a:t>
-            </a:r>
-            <a:r>
-              <a:rPr lang="en-US" altLang="zh-CN" dirty="0" smtClean="0"/>
+              <a:t>不少于</a:t>
+            </a:r>
+            <a:r>
+              <a:rPr lang="en-US" altLang="zh-CN" dirty="0"/>
               <a:t>20</a:t>
             </a:r>
             <a:r>
-              <a:rPr lang="zh-CN" altLang="en-US" dirty="0" smtClean="0"/>
+              <a:rPr lang="zh-CN" altLang="en-US" dirty="0"/>
               <a:t>项，一般应在</a:t>
             </a:r>
             <a:r>
-              <a:rPr lang="en-US" altLang="zh-CN" dirty="0" smtClean="0"/>
+              <a:rPr lang="en-US" altLang="zh-CN" dirty="0"/>
               <a:t>25-30</a:t>
             </a:r>
             <a:r>
-              <a:rPr lang="zh-CN" altLang="en-US" dirty="0" smtClean="0"/>
+              <a:rPr lang="zh-CN" altLang="en-US" dirty="0"/>
               <a:t>项</a:t>
             </a:r>
-            <a:endParaRPr lang="en-US" altLang="zh-CN" dirty="0" smtClean="0"/>
+            <a:endParaRPr lang="en-US" altLang="zh-CN" dirty="0"/>
           </a:p>
           <a:p>
             <a:pPr lvl="1"/>
             <a:r>
-              <a:rPr lang="zh-CN" altLang="en-US" dirty="0" smtClean="0"/>
+              <a:rPr lang="zh-CN" altLang="en-US" dirty="0"/>
               <a:t>应按照引用次序排列</a:t>
             </a:r>
-            <a:endParaRPr lang="en-US" altLang="zh-CN" dirty="0" smtClean="0"/>
+            <a:endParaRPr lang="en-US" altLang="zh-CN" dirty="0"/>
           </a:p>
           <a:p>
             <a:pPr lvl="1"/>
             <a:r>
-              <a:rPr lang="zh-CN" altLang="en-US" dirty="0" smtClean="0"/>
+              <a:rPr lang="zh-CN" altLang="en-US" dirty="0"/>
               <a:t>应有对应上标引用（不一定全部）</a:t>
             </a:r>
-            <a:endParaRPr lang="zh-CN" altLang="en-US" dirty="0"/>
           </a:p>
         </p:txBody>
       </p:sp>
@@ -13044,72 +12922,72 @@
           <a:lstStyle/>
           <a:p>
             <a:r>
-              <a:rPr lang="zh-CN" altLang="en-US" dirty="0" smtClean="0"/>
+              <a:rPr lang="zh-CN" altLang="en-US" dirty="0"/>
               <a:t>对这么多年工作经验的提炼和升华</a:t>
             </a:r>
-            <a:endParaRPr lang="en-US" altLang="zh-CN" dirty="0" smtClean="0"/>
-          </a:p>
-          <a:p>
-            <a:r>
-              <a:rPr lang="zh-CN" altLang="en-US" dirty="0" smtClean="0"/>
+            <a:endParaRPr lang="en-US" altLang="zh-CN" dirty="0"/>
+          </a:p>
+          <a:p>
+            <a:r>
+              <a:rPr lang="zh-CN" altLang="en-US" dirty="0"/>
               <a:t>尽量依托某个具体系统选题</a:t>
             </a:r>
-            <a:endParaRPr lang="en-US" altLang="zh-CN" dirty="0" smtClean="0"/>
+            <a:endParaRPr lang="en-US" altLang="zh-CN" dirty="0"/>
           </a:p>
           <a:p>
             <a:pPr lvl="1"/>
             <a:r>
-              <a:rPr lang="zh-CN" altLang="en-US" dirty="0" smtClean="0"/>
+              <a:rPr lang="zh-CN" altLang="en-US" dirty="0"/>
               <a:t>最好是近一年内基本完成实现的系统</a:t>
             </a:r>
-            <a:endParaRPr lang="en-US" altLang="zh-CN" dirty="0" smtClean="0"/>
+            <a:endParaRPr lang="en-US" altLang="zh-CN" dirty="0"/>
           </a:p>
           <a:p>
             <a:pPr lvl="1"/>
             <a:r>
-              <a:rPr lang="zh-CN" altLang="en-US" dirty="0" smtClean="0"/>
+              <a:rPr lang="zh-CN" altLang="en-US" dirty="0"/>
               <a:t>可以是“虚拟系统”</a:t>
             </a:r>
-            <a:endParaRPr lang="en-US" altLang="zh-CN" dirty="0" smtClean="0"/>
-          </a:p>
-          <a:p>
-            <a:r>
-              <a:rPr lang="zh-CN" altLang="en-US" dirty="0" smtClean="0"/>
+            <a:endParaRPr lang="en-US" altLang="zh-CN" dirty="0"/>
+          </a:p>
+          <a:p>
+            <a:r>
+              <a:rPr lang="zh-CN" altLang="en-US" dirty="0"/>
               <a:t>难点的选择</a:t>
             </a:r>
-            <a:endParaRPr lang="en-US" altLang="zh-CN" dirty="0" smtClean="0"/>
+            <a:endParaRPr lang="en-US" altLang="zh-CN" dirty="0"/>
           </a:p>
           <a:p>
             <a:pPr lvl="1"/>
             <a:r>
-              <a:rPr lang="zh-CN" altLang="en-US" dirty="0" smtClean="0"/>
+              <a:rPr lang="zh-CN" altLang="en-US" dirty="0"/>
               <a:t>经验分享的思路（正向）</a:t>
             </a:r>
-            <a:endParaRPr lang="en-US" altLang="zh-CN" dirty="0" smtClean="0"/>
+            <a:endParaRPr lang="en-US" altLang="zh-CN" dirty="0"/>
           </a:p>
           <a:p>
             <a:pPr lvl="1"/>
             <a:r>
-              <a:rPr lang="zh-CN" altLang="en-US" dirty="0" smtClean="0"/>
+              <a:rPr lang="zh-CN" altLang="en-US" dirty="0"/>
               <a:t>问题解决导向的思路（反向）</a:t>
             </a:r>
-            <a:endParaRPr lang="en-US" altLang="zh-CN" dirty="0" smtClean="0"/>
+            <a:endParaRPr lang="en-US" altLang="zh-CN" dirty="0"/>
           </a:p>
           <a:p>
             <a:pPr lvl="1"/>
             <a:r>
-              <a:rPr lang="zh-CN" altLang="en-US" dirty="0" smtClean="0"/>
+              <a:rPr lang="zh-CN" altLang="en-US" dirty="0"/>
               <a:t>材料的拥有情况</a:t>
             </a:r>
-            <a:endParaRPr lang="en-US" altLang="zh-CN" dirty="0" smtClean="0"/>
+            <a:endParaRPr lang="en-US" altLang="zh-CN" dirty="0"/>
           </a:p>
           <a:p>
             <a:pPr lvl="1"/>
             <a:r>
-              <a:rPr lang="zh-CN" altLang="en-US" dirty="0" smtClean="0"/>
+              <a:rPr lang="zh-CN" altLang="en-US" dirty="0"/>
               <a:t>另见核心节部分</a:t>
             </a:r>
-            <a:endParaRPr lang="en-US" altLang="zh-CN" dirty="0" smtClean="0"/>
+            <a:endParaRPr lang="en-US" altLang="zh-CN" dirty="0"/>
           </a:p>
           <a:p>
             <a:endParaRPr lang="zh-CN" altLang="en-US" dirty="0"/>
@@ -13162,10 +13040,9 @@
           <a:lstStyle/>
           <a:p>
             <a:r>
-              <a:rPr lang="zh-CN" altLang="en-US" dirty="0" smtClean="0"/>
+              <a:rPr lang="zh-CN" altLang="en-US" dirty="0"/>
               <a:t>章节目录</a:t>
             </a:r>
-            <a:endParaRPr lang="zh-CN" altLang="en-US" dirty="0"/>
           </a:p>
         </p:txBody>
       </p:sp>
@@ -13185,50 +13062,49 @@
           <a:lstStyle/>
           <a:p>
             <a:r>
-              <a:rPr lang="zh-CN" altLang="en-US" dirty="0" smtClean="0"/>
+              <a:rPr lang="zh-CN" altLang="en-US" dirty="0"/>
               <a:t>章节目录的深度，应与内容的重要性成正比</a:t>
             </a:r>
-            <a:endParaRPr lang="en-US" altLang="zh-CN" dirty="0" smtClean="0"/>
-          </a:p>
-          <a:p>
-            <a:r>
-              <a:rPr lang="zh-CN" altLang="en-US" dirty="0" smtClean="0"/>
+            <a:endParaRPr lang="en-US" altLang="zh-CN" dirty="0"/>
+          </a:p>
+          <a:p>
+            <a:r>
+              <a:rPr lang="zh-CN" altLang="en-US" dirty="0"/>
               <a:t>章节目录命名应规范化</a:t>
             </a:r>
-            <a:endParaRPr lang="en-US" altLang="zh-CN" dirty="0" smtClean="0"/>
-          </a:p>
-          <a:p>
-            <a:r>
-              <a:rPr lang="zh-CN" altLang="en-US" dirty="0" smtClean="0"/>
+            <a:endParaRPr lang="en-US" altLang="zh-CN" dirty="0"/>
+          </a:p>
+          <a:p>
+            <a:r>
+              <a:rPr lang="zh-CN" altLang="en-US" dirty="0"/>
               <a:t>章节目录应对称整齐，格式无误</a:t>
             </a:r>
-            <a:endParaRPr lang="en-US" altLang="zh-CN" dirty="0" smtClean="0"/>
-          </a:p>
-          <a:p>
-            <a:endParaRPr lang="en-US" altLang="zh-CN" dirty="0" smtClean="0"/>
-          </a:p>
-          <a:p>
-            <a:r>
-              <a:rPr lang="zh-CN" altLang="en-US" dirty="0" smtClean="0"/>
+            <a:endParaRPr lang="en-US" altLang="zh-CN" dirty="0"/>
+          </a:p>
+          <a:p>
+            <a:endParaRPr lang="en-US" altLang="zh-CN" dirty="0"/>
+          </a:p>
+          <a:p>
+            <a:r>
+              <a:rPr lang="zh-CN" altLang="en-US" dirty="0"/>
               <a:t>目录和摘要部分页码应从罗马数字</a:t>
             </a:r>
             <a:r>
-              <a:rPr lang="en-US" altLang="zh-CN" dirty="0" smtClean="0"/>
+              <a:rPr lang="en-US" altLang="zh-CN" dirty="0"/>
               <a:t>I</a:t>
             </a:r>
             <a:r>
-              <a:rPr lang="zh-CN" altLang="en-US" dirty="0" smtClean="0"/>
+              <a:rPr lang="zh-CN" altLang="en-US" dirty="0"/>
               <a:t>开始，第一章应从数字</a:t>
             </a:r>
             <a:r>
-              <a:rPr lang="en-US" altLang="zh-CN" dirty="0" smtClean="0"/>
+              <a:rPr lang="en-US" altLang="zh-CN" dirty="0"/>
               <a:t>1</a:t>
             </a:r>
             <a:r>
-              <a:rPr lang="zh-CN" altLang="en-US" dirty="0" smtClean="0"/>
+              <a:rPr lang="zh-CN" altLang="en-US" dirty="0"/>
               <a:t>开始，这里要注意分节</a:t>
             </a:r>
-            <a:endParaRPr lang="zh-CN" altLang="en-US" dirty="0"/>
           </a:p>
         </p:txBody>
       </p:sp>
@@ -13278,10 +13154,9 @@
           <a:lstStyle/>
           <a:p>
             <a:r>
-              <a:rPr lang="zh-CN" altLang="en-US" dirty="0" smtClean="0"/>
+              <a:rPr lang="zh-CN" altLang="en-US" dirty="0"/>
               <a:t>摘要</a:t>
             </a:r>
-            <a:endParaRPr lang="zh-CN" altLang="en-US" dirty="0"/>
           </a:p>
         </p:txBody>
       </p:sp>
@@ -13301,113 +13176,92 @@
           <a:lstStyle/>
           <a:p>
             <a:r>
-              <a:rPr lang="zh-CN" altLang="en-US" dirty="0" smtClean="0"/>
+              <a:rPr lang="zh-CN" altLang="en-US" dirty="0"/>
               <a:t>一般两段</a:t>
             </a:r>
-            <a:endParaRPr lang="en-US" altLang="zh-CN" dirty="0" smtClean="0"/>
+            <a:endParaRPr lang="en-US" altLang="zh-CN" dirty="0"/>
           </a:p>
           <a:p>
             <a:pPr lvl="1"/>
             <a:r>
-              <a:rPr lang="zh-CN" altLang="en-US" dirty="0" smtClean="0"/>
-              <a:t>第一</a:t>
-            </a:r>
-            <a:r>
-              <a:rPr lang="zh-CN" altLang="en-US" dirty="0"/>
-              <a:t>段</a:t>
-            </a:r>
-            <a:r>
-              <a:rPr lang="zh-CN" altLang="en-US" dirty="0" smtClean="0"/>
-              <a:t>背景和意义</a:t>
-            </a:r>
-            <a:endParaRPr lang="en-US" altLang="zh-CN" dirty="0" smtClean="0"/>
+              <a:rPr lang="zh-CN" altLang="en-US" dirty="0"/>
+              <a:t>第一段背景和意义</a:t>
+            </a:r>
+            <a:endParaRPr lang="en-US" altLang="zh-CN" dirty="0"/>
           </a:p>
           <a:p>
             <a:pPr lvl="1"/>
             <a:r>
-              <a:rPr lang="zh-CN" altLang="en-US" dirty="0" smtClean="0"/>
-              <a:t>第二</a:t>
-            </a:r>
-            <a:r>
-              <a:rPr lang="zh-CN" altLang="en-US" dirty="0"/>
-              <a:t>段</a:t>
-            </a:r>
-            <a:r>
-              <a:rPr lang="zh-CN" altLang="en-US" dirty="0" smtClean="0"/>
-              <a:t>论文框架和核心工作以及创新点</a:t>
-            </a:r>
-            <a:endParaRPr lang="en-US" altLang="zh-CN" dirty="0" smtClean="0"/>
+              <a:rPr lang="zh-CN" altLang="en-US" dirty="0"/>
+              <a:t>第二段论文框架和核心工作以及创新点</a:t>
+            </a:r>
+            <a:endParaRPr lang="en-US" altLang="zh-CN" dirty="0"/>
           </a:p>
           <a:p>
             <a:pPr lvl="2"/>
             <a:r>
-              <a:rPr lang="zh-CN" altLang="en-US" dirty="0" smtClean="0"/>
+              <a:rPr lang="zh-CN" altLang="en-US" dirty="0"/>
               <a:t>此处应突出本文的解决的问题和贡献，让评委一眼就能看到文章价值所在</a:t>
             </a:r>
-            <a:endParaRPr lang="en-US" altLang="zh-CN" dirty="0" smtClean="0"/>
+            <a:endParaRPr lang="en-US" altLang="zh-CN" dirty="0"/>
           </a:p>
           <a:p>
             <a:pPr lvl="1"/>
             <a:r>
-              <a:rPr lang="zh-CN" altLang="en-US" dirty="0" smtClean="0"/>
+              <a:rPr lang="zh-CN" altLang="en-US" dirty="0"/>
               <a:t>该部分内容与</a:t>
             </a:r>
             <a:r>
-              <a:rPr lang="en-US" altLang="zh-CN" dirty="0" smtClean="0"/>
+              <a:rPr lang="en-US" altLang="zh-CN" dirty="0"/>
               <a:t>1.2</a:t>
             </a:r>
             <a:r>
-              <a:rPr lang="zh-CN" altLang="en-US" dirty="0" smtClean="0"/>
+              <a:rPr lang="zh-CN" altLang="en-US" dirty="0"/>
               <a:t>、</a:t>
             </a:r>
             <a:r>
-              <a:rPr lang="en-US" altLang="zh-CN" dirty="0" smtClean="0"/>
+              <a:rPr lang="en-US" altLang="zh-CN" dirty="0"/>
               <a:t>1.3</a:t>
             </a:r>
             <a:r>
-              <a:rPr lang="zh-CN" altLang="en-US" dirty="0" smtClean="0"/>
+              <a:rPr lang="zh-CN" altLang="en-US" dirty="0"/>
               <a:t>、</a:t>
             </a:r>
             <a:r>
-              <a:rPr lang="en-US" altLang="zh-CN" dirty="0" smtClean="0"/>
+              <a:rPr lang="en-US" altLang="zh-CN" dirty="0"/>
               <a:t>3.1</a:t>
             </a:r>
             <a:r>
-              <a:rPr lang="zh-CN" altLang="en-US" dirty="0" smtClean="0"/>
+              <a:rPr lang="zh-CN" altLang="en-US" dirty="0"/>
               <a:t>、</a:t>
             </a:r>
             <a:r>
-              <a:rPr lang="en-US" altLang="zh-CN" dirty="0" smtClean="0"/>
+              <a:rPr lang="en-US" altLang="zh-CN" dirty="0"/>
               <a:t>5.1</a:t>
             </a:r>
             <a:r>
               <a:rPr lang="zh-CN" altLang="en-US" dirty="0"/>
-              <a:t>相</a:t>
-            </a:r>
-            <a:r>
-              <a:rPr lang="zh-CN" altLang="en-US" dirty="0" smtClean="0"/>
-              <a:t>呼应</a:t>
-            </a:r>
-            <a:endParaRPr lang="en-US" altLang="zh-CN" dirty="0" smtClean="0"/>
+              <a:t>相呼应</a:t>
+            </a:r>
+            <a:endParaRPr lang="en-US" altLang="zh-CN" dirty="0"/>
           </a:p>
           <a:p>
             <a:pPr lvl="1"/>
             <a:r>
-              <a:rPr lang="zh-CN" altLang="en-US" dirty="0" smtClean="0"/>
+              <a:rPr lang="zh-CN" altLang="en-US" dirty="0"/>
               <a:t>不要忘了下面有关键字</a:t>
             </a:r>
             <a:r>
-              <a:rPr lang="en-US" altLang="zh-CN" dirty="0" smtClean="0"/>
+              <a:rPr lang="en-US" altLang="zh-CN" dirty="0"/>
               <a:t>/Keywords</a:t>
             </a:r>
           </a:p>
           <a:p>
             <a:pPr lvl="1"/>
             <a:r>
-              <a:rPr lang="zh-CN" altLang="en-US" dirty="0" smtClean="0"/>
+              <a:rPr lang="zh-CN" altLang="en-US" dirty="0"/>
               <a:t>英文摘要可以先空着不要翻，等最后导师帮忙修订摘要后再翻</a:t>
             </a:r>
-            <a:endParaRPr lang="zh-CN" altLang="en-US" dirty="0"/>
           </a:p>
         </p:txBody>
       </p:sp>
@@ -13457,14 +13311,13 @@
           <a:lstStyle/>
           <a:p>
             <a:r>
-              <a:rPr lang="en-US" altLang="zh-CN" dirty="0" smtClean="0"/>
+              <a:rPr lang="en-US" altLang="zh-CN" dirty="0"/>
               <a:t>1.1</a:t>
             </a:r>
             <a:r>
-              <a:rPr lang="zh-CN" altLang="en-US" dirty="0" smtClean="0"/>
+              <a:rPr lang="zh-CN" altLang="en-US" dirty="0"/>
               <a:t>节项目宏观背景研究</a:t>
             </a:r>
-            <a:endParaRPr lang="zh-CN" altLang="en-US" dirty="0"/>
           </a:p>
         </p:txBody>
       </p:sp>
@@ -13489,81 +13342,80 @@
           <a:lstStyle/>
           <a:p>
             <a:r>
-              <a:rPr lang="zh-CN" altLang="en-US" dirty="0" smtClean="0"/>
+              <a:rPr lang="zh-CN" altLang="en-US" dirty="0"/>
               <a:t>该部分应与具体依托项目无关，应从大势上论述这一类项目研究的必要性和价值</a:t>
             </a:r>
-            <a:endParaRPr lang="en-US" altLang="zh-CN" dirty="0" smtClean="0"/>
+            <a:endParaRPr lang="en-US" altLang="zh-CN" dirty="0"/>
           </a:p>
           <a:p>
             <a:pPr lvl="1"/>
             <a:r>
-              <a:rPr lang="zh-CN" altLang="en-US" dirty="0" smtClean="0"/>
+              <a:rPr lang="zh-CN" altLang="en-US" dirty="0"/>
               <a:t>最后应有结论得出论文研究方向是趋势，论文的研究是有价值的</a:t>
             </a:r>
-            <a:endParaRPr lang="en-US" altLang="zh-CN" dirty="0" smtClean="0"/>
+            <a:endParaRPr lang="en-US" altLang="zh-CN" dirty="0"/>
           </a:p>
           <a:p>
             <a:pPr lvl="1"/>
             <a:r>
-              <a:rPr lang="zh-CN" altLang="en-US" dirty="0" smtClean="0"/>
+              <a:rPr lang="zh-CN" altLang="en-US" dirty="0"/>
               <a:t>行文长度应在一页以上</a:t>
             </a:r>
-            <a:endParaRPr lang="en-US" altLang="zh-CN" dirty="0" smtClean="0"/>
-          </a:p>
-          <a:p>
-            <a:r>
-              <a:rPr lang="zh-CN" altLang="en-US" dirty="0" smtClean="0"/>
+            <a:endParaRPr lang="en-US" altLang="zh-CN" dirty="0"/>
+          </a:p>
+          <a:p>
+            <a:r>
+              <a:rPr lang="zh-CN" altLang="en-US" dirty="0"/>
               <a:t>依据主要来自</a:t>
             </a:r>
-            <a:endParaRPr lang="en-US" altLang="zh-CN" dirty="0" smtClean="0"/>
+            <a:endParaRPr lang="en-US" altLang="zh-CN" dirty="0"/>
           </a:p>
           <a:p>
             <a:pPr lvl="1"/>
             <a:r>
-              <a:rPr lang="zh-CN" altLang="en-US" dirty="0" smtClean="0"/>
+              <a:rPr lang="zh-CN" altLang="en-US" dirty="0"/>
               <a:t>权威机构（</a:t>
             </a:r>
             <a:r>
-              <a:rPr lang="en-US" altLang="zh-CN" dirty="0" smtClean="0"/>
+              <a:rPr lang="en-US" altLang="zh-CN" dirty="0"/>
               <a:t>Gartner/IDG</a:t>
             </a:r>
             <a:r>
-              <a:rPr lang="zh-CN" altLang="en-US" dirty="0" smtClean="0"/>
+              <a:rPr lang="zh-CN" altLang="en-US" dirty="0"/>
               <a:t>等）调研或预测数据</a:t>
             </a:r>
-            <a:endParaRPr lang="en-US" altLang="zh-CN" dirty="0" smtClean="0"/>
+            <a:endParaRPr lang="en-US" altLang="zh-CN" dirty="0"/>
           </a:p>
           <a:p>
             <a:pPr lvl="1"/>
             <a:r>
-              <a:rPr lang="zh-CN" altLang="en-US" dirty="0" smtClean="0"/>
+              <a:rPr lang="zh-CN" altLang="en-US" dirty="0"/>
               <a:t>领导人讲话</a:t>
             </a:r>
-            <a:endParaRPr lang="en-US" altLang="zh-CN" dirty="0" smtClean="0"/>
+            <a:endParaRPr lang="en-US" altLang="zh-CN" dirty="0"/>
           </a:p>
           <a:p>
             <a:pPr lvl="1"/>
             <a:r>
-              <a:rPr lang="zh-CN" altLang="en-US" dirty="0" smtClean="0"/>
+              <a:rPr lang="zh-CN" altLang="en-US" dirty="0"/>
               <a:t>官方文件</a:t>
             </a:r>
-            <a:endParaRPr lang="en-US" altLang="zh-CN" dirty="0" smtClean="0"/>
+            <a:endParaRPr lang="en-US" altLang="zh-CN" dirty="0"/>
           </a:p>
           <a:p>
             <a:pPr lvl="1"/>
             <a:r>
-              <a:rPr lang="zh-CN" altLang="en-US" dirty="0" smtClean="0"/>
+              <a:rPr lang="zh-CN" altLang="en-US" dirty="0"/>
               <a:t>行业数据</a:t>
             </a:r>
-            <a:endParaRPr lang="en-US" altLang="zh-CN" dirty="0" smtClean="0"/>
+            <a:endParaRPr lang="en-US" altLang="zh-CN" dirty="0"/>
           </a:p>
           <a:p>
             <a:pPr lvl="1"/>
             <a:r>
-              <a:rPr lang="zh-CN" altLang="en-US" dirty="0" smtClean="0"/>
+              <a:rPr lang="zh-CN" altLang="en-US" dirty="0"/>
               <a:t>一般应有至少一张数据图</a:t>
             </a:r>
-            <a:endParaRPr lang="zh-CN" altLang="en-US" dirty="0"/>
           </a:p>
         </p:txBody>
       </p:sp>
@@ -13613,22 +13465,13 @@
           <a:lstStyle/>
           <a:p>
             <a:r>
-              <a:rPr lang="en-US" altLang="zh-CN" dirty="0" smtClean="0"/>
+              <a:rPr lang="en-US" altLang="zh-CN" dirty="0"/>
               <a:t>1.2</a:t>
             </a:r>
             <a:r>
-              <a:rPr lang="zh-CN" altLang="en-US" dirty="0" smtClean="0"/>
-              <a:t>节研究</a:t>
-            </a:r>
-            <a:r>
-              <a:rPr lang="zh-CN" altLang="en-US" dirty="0"/>
-              <a:t>内容</a:t>
-            </a:r>
-            <a:r>
-              <a:rPr lang="zh-CN" altLang="en-US" dirty="0" smtClean="0"/>
-              <a:t>和意义</a:t>
-            </a:r>
-            <a:endParaRPr lang="zh-CN" altLang="en-US" dirty="0"/>
+              <a:rPr lang="zh-CN" altLang="en-US" dirty="0"/>
+              <a:t>节研究内容和意义</a:t>
+            </a:r>
           </a:p>
         </p:txBody>
       </p:sp>
@@ -13648,88 +13491,63 @@
           <a:lstStyle/>
           <a:p>
             <a:r>
-              <a:rPr lang="zh-CN" altLang="en-US" dirty="0" smtClean="0"/>
+              <a:rPr lang="zh-CN" altLang="en-US" dirty="0"/>
               <a:t>一般应分为两段</a:t>
             </a:r>
-            <a:endParaRPr lang="en-US" altLang="zh-CN" dirty="0" smtClean="0"/>
-          </a:p>
-          <a:p>
-            <a:r>
-              <a:rPr lang="zh-CN" altLang="en-US" dirty="0"/>
-              <a:t>第一段</a:t>
-            </a:r>
-            <a:r>
-              <a:rPr lang="zh-CN" altLang="en-US" dirty="0" smtClean="0"/>
-              <a:t>应突出虽然本文研究内容是趋势，但目前仍有许多</a:t>
-            </a:r>
-            <a:r>
-              <a:rPr lang="zh-CN" altLang="en-US" dirty="0"/>
-              <a:t>问题</a:t>
-            </a:r>
-            <a:r>
-              <a:rPr lang="zh-CN" altLang="en-US" dirty="0" smtClean="0"/>
-              <a:t>待解决</a:t>
-            </a:r>
-            <a:endParaRPr lang="en-US" altLang="zh-CN" dirty="0" smtClean="0"/>
+            <a:endParaRPr lang="en-US" altLang="zh-CN" dirty="0"/>
+          </a:p>
+          <a:p>
+            <a:r>
+              <a:rPr lang="zh-CN" altLang="en-US" dirty="0"/>
+              <a:t>第一段应突出虽然本文研究内容是趋势，但目前仍有许多问题待解决</a:t>
+            </a:r>
+            <a:endParaRPr lang="en-US" altLang="zh-CN" dirty="0"/>
           </a:p>
           <a:p>
             <a:pPr lvl="1"/>
             <a:r>
-              <a:rPr lang="zh-CN" altLang="en-US" dirty="0" smtClean="0"/>
+              <a:rPr lang="zh-CN" altLang="en-US" dirty="0"/>
               <a:t>这些问题可与</a:t>
             </a:r>
             <a:r>
-              <a:rPr lang="en-US" altLang="zh-CN" dirty="0" smtClean="0"/>
+              <a:rPr lang="en-US" altLang="zh-CN" dirty="0"/>
               <a:t>3.2</a:t>
             </a:r>
             <a:r>
-              <a:rPr lang="zh-CN" altLang="en-US" dirty="0" smtClean="0"/>
+              <a:rPr lang="zh-CN" altLang="en-US" dirty="0"/>
               <a:t>节目标以及核心节主题相呼应</a:t>
             </a:r>
-            <a:endParaRPr lang="en-US" altLang="zh-CN" dirty="0" smtClean="0"/>
+            <a:endParaRPr lang="en-US" altLang="zh-CN" dirty="0"/>
           </a:p>
           <a:p>
             <a:pPr lvl="1"/>
             <a:r>
-              <a:rPr lang="zh-CN" altLang="en-US" dirty="0" smtClean="0"/>
+              <a:rPr lang="zh-CN" altLang="en-US" dirty="0"/>
               <a:t>也应与</a:t>
             </a:r>
             <a:r>
-              <a:rPr lang="en-US" altLang="zh-CN" dirty="0" smtClean="0"/>
+              <a:rPr lang="en-US" altLang="zh-CN" dirty="0"/>
               <a:t>5.1</a:t>
             </a:r>
             <a:r>
-              <a:rPr lang="zh-CN" altLang="en-US" dirty="0" smtClean="0"/>
+              <a:rPr lang="zh-CN" altLang="en-US" dirty="0"/>
               <a:t>节总结相呼应</a:t>
             </a:r>
-            <a:endParaRPr lang="en-US" altLang="zh-CN" dirty="0" smtClean="0"/>
-          </a:p>
-          <a:p>
-            <a:r>
-              <a:rPr lang="zh-CN" altLang="en-US" dirty="0"/>
-              <a:t>第二段</a:t>
-            </a:r>
-            <a:r>
-              <a:rPr lang="zh-CN" altLang="en-US" dirty="0" smtClean="0"/>
-              <a:t>应注明本文研究的范围和</a:t>
-            </a:r>
-            <a:r>
-              <a:rPr lang="zh-CN" altLang="en-US" dirty="0"/>
-              <a:t>难点</a:t>
-            </a:r>
-            <a:r>
-              <a:rPr lang="zh-CN" altLang="en-US" dirty="0" smtClean="0"/>
-              <a:t>所在</a:t>
-            </a:r>
-            <a:endParaRPr lang="en-US" altLang="zh-CN" dirty="0" smtClean="0"/>
+            <a:endParaRPr lang="en-US" altLang="zh-CN" dirty="0"/>
+          </a:p>
+          <a:p>
+            <a:r>
+              <a:rPr lang="zh-CN" altLang="en-US" dirty="0"/>
+              <a:t>第二段应注明本文研究的范围和难点所在</a:t>
+            </a:r>
+            <a:endParaRPr lang="en-US" altLang="zh-CN" dirty="0"/>
           </a:p>
           <a:p>
             <a:pPr lvl="1"/>
             <a:r>
-              <a:rPr lang="zh-CN" altLang="en-US" dirty="0" smtClean="0"/>
+              <a:rPr lang="zh-CN" altLang="en-US" dirty="0"/>
               <a:t>一般套路是说论文研究内容依托某个实际项目，重点针对某些重点难点问题进行研究</a:t>
             </a:r>
-            <a:endParaRPr lang="zh-CN" altLang="en-US" dirty="0"/>
           </a:p>
         </p:txBody>
       </p:sp>
@@ -13779,14 +13597,13 @@
           <a:lstStyle/>
           <a:p>
             <a:r>
-              <a:rPr lang="en-US" altLang="zh-CN" dirty="0" smtClean="0"/>
+              <a:rPr lang="en-US" altLang="zh-CN" dirty="0"/>
               <a:t>2.1</a:t>
             </a:r>
             <a:r>
-              <a:rPr lang="zh-CN" altLang="en-US" dirty="0" smtClean="0"/>
+              <a:rPr lang="zh-CN" altLang="en-US" dirty="0"/>
               <a:t>节相关工作研究</a:t>
             </a:r>
-            <a:endParaRPr lang="zh-CN" altLang="en-US" dirty="0"/>
           </a:p>
         </p:txBody>
       </p:sp>
@@ -13806,15 +13623,11 @@
           <a:lstStyle/>
           <a:p>
             <a:r>
-              <a:rPr lang="zh-CN" altLang="en-US" dirty="0" smtClean="0"/>
-              <a:t>应从万方、知网上</a:t>
-            </a:r>
-            <a:r>
-              <a:rPr lang="zh-CN" altLang="en-US" dirty="0"/>
-              <a:t>查询</a:t>
-            </a:r>
-            <a:r>
-              <a:rPr lang="zh-CN" altLang="en-US" dirty="0" smtClean="0">
+              <a:rPr lang="zh-CN" altLang="en-US" dirty="0"/>
+              <a:t>应从万方、知网上查询</a:t>
+            </a:r>
+            <a:r>
+              <a:rPr lang="zh-CN" altLang="en-US" dirty="0">
                 <a:solidFill>
                   <a:srgbClr val="FF0000"/>
                 </a:solidFill>
@@ -13822,7 +13635,7 @@
               <a:t>近</a:t>
             </a:r>
             <a:r>
-              <a:rPr lang="en-US" altLang="zh-CN" dirty="0" smtClean="0">
+              <a:rPr lang="en-US" altLang="zh-CN" dirty="0">
                 <a:solidFill>
                   <a:srgbClr val="FF0000"/>
                 </a:solidFill>
@@ -13830,7 +13643,7 @@
               <a:t>2</a:t>
             </a:r>
             <a:r>
-              <a:rPr lang="zh-CN" altLang="en-US" dirty="0" smtClean="0">
+              <a:rPr lang="zh-CN" altLang="en-US" dirty="0">
                 <a:solidFill>
                   <a:srgbClr val="FF0000"/>
                 </a:solidFill>
@@ -13838,47 +13651,47 @@
               <a:t>年</a:t>
             </a:r>
             <a:r>
-              <a:rPr lang="zh-CN" altLang="en-US" dirty="0" smtClean="0"/>
+              <a:rPr lang="zh-CN" altLang="en-US" dirty="0"/>
               <a:t>论文（如数量太少可以放宽到</a:t>
             </a:r>
             <a:r>
-              <a:rPr lang="en-US" altLang="zh-CN" dirty="0" smtClean="0"/>
+              <a:rPr lang="en-US" altLang="zh-CN" dirty="0"/>
               <a:t>3</a:t>
             </a:r>
             <a:r>
-              <a:rPr lang="zh-CN" altLang="en-US" dirty="0" smtClean="0"/>
+              <a:rPr lang="zh-CN" altLang="en-US" dirty="0"/>
               <a:t>年）</a:t>
             </a:r>
-            <a:endParaRPr lang="en-US" altLang="zh-CN" dirty="0" smtClean="0"/>
-          </a:p>
-          <a:p>
-            <a:r>
-              <a:rPr lang="zh-CN" altLang="en-US" dirty="0" smtClean="0"/>
+            <a:endParaRPr lang="en-US" altLang="zh-CN" dirty="0"/>
+          </a:p>
+          <a:p>
+            <a:r>
+              <a:rPr lang="zh-CN" altLang="en-US" dirty="0"/>
               <a:t>从业务和技术两个角度看给你论文有何借鉴，你论文和它又有何不同或有何创新</a:t>
             </a:r>
-            <a:endParaRPr lang="en-US" altLang="zh-CN" dirty="0" smtClean="0"/>
-          </a:p>
-          <a:p>
-            <a:r>
-              <a:rPr lang="zh-CN" altLang="en-US" dirty="0" smtClean="0"/>
+            <a:endParaRPr lang="en-US" altLang="zh-CN" dirty="0"/>
+          </a:p>
+          <a:p>
+            <a:r>
+              <a:rPr lang="zh-CN" altLang="en-US" dirty="0"/>
               <a:t>至少</a:t>
             </a:r>
             <a:r>
-              <a:rPr lang="en-US" altLang="zh-CN" dirty="0" smtClean="0"/>
+              <a:rPr lang="en-US" altLang="zh-CN" dirty="0"/>
               <a:t>10-12</a:t>
             </a:r>
             <a:r>
-              <a:rPr lang="zh-CN" altLang="en-US" dirty="0" smtClean="0"/>
+              <a:rPr lang="zh-CN" altLang="en-US" dirty="0"/>
               <a:t>篇论文</a:t>
             </a:r>
-            <a:endParaRPr lang="en-US" altLang="zh-CN" dirty="0" smtClean="0"/>
-          </a:p>
-          <a:p>
-            <a:r>
-              <a:rPr lang="zh-CN" altLang="en-US" dirty="0" smtClean="0"/>
+            <a:endParaRPr lang="en-US" altLang="zh-CN" dirty="0"/>
+          </a:p>
+          <a:p>
+            <a:r>
+              <a:rPr lang="zh-CN" altLang="en-US" dirty="0"/>
               <a:t>行文长度应在一页以上</a:t>
             </a:r>
-            <a:endParaRPr lang="en-US" altLang="zh-CN" dirty="0" smtClean="0"/>
+            <a:endParaRPr lang="en-US" altLang="zh-CN" dirty="0"/>
           </a:p>
           <a:p>
             <a:pPr lvl="1"/>
@@ -13932,22 +13745,13 @@
           <a:lstStyle/>
           <a:p>
             <a:r>
-              <a:rPr lang="en-US" altLang="zh-CN" dirty="0" smtClean="0"/>
+              <a:rPr lang="en-US" altLang="zh-CN" dirty="0"/>
               <a:t>2.2</a:t>
             </a:r>
             <a:r>
-              <a:rPr lang="zh-CN" altLang="en-US" dirty="0" smtClean="0"/>
-              <a:t>节</a:t>
-            </a:r>
-            <a:r>
-              <a:rPr lang="zh-CN" altLang="en-US" dirty="0"/>
-              <a:t>业务</a:t>
-            </a:r>
-            <a:r>
-              <a:rPr lang="zh-CN" altLang="en-US" dirty="0" smtClean="0"/>
-              <a:t>背景介绍（可选）</a:t>
-            </a:r>
-            <a:endParaRPr lang="zh-CN" altLang="en-US" dirty="0"/>
+              <a:rPr lang="zh-CN" altLang="en-US" dirty="0"/>
+              <a:t>节业务背景介绍（可选）</a:t>
+            </a:r>
           </a:p>
         </p:txBody>
       </p:sp>
@@ -13967,22 +13771,22 @@
           <a:lstStyle/>
           <a:p>
             <a:r>
-              <a:rPr lang="zh-CN" altLang="en-US" dirty="0" smtClean="0"/>
+              <a:rPr lang="zh-CN" altLang="en-US" dirty="0"/>
               <a:t>业务背景可以介绍必要的项目相关专业领域知识</a:t>
             </a:r>
-            <a:endParaRPr lang="en-US" altLang="zh-CN" dirty="0" smtClean="0"/>
+            <a:endParaRPr lang="en-US" altLang="zh-CN" dirty="0"/>
           </a:p>
           <a:p>
             <a:pPr lvl="1"/>
             <a:r>
-              <a:rPr lang="zh-CN" altLang="en-US" dirty="0" smtClean="0"/>
+              <a:rPr lang="zh-CN" altLang="en-US" dirty="0"/>
               <a:t>这些专业知识是计算机无关的</a:t>
             </a:r>
-            <a:endParaRPr lang="en-US" altLang="zh-CN" dirty="0" smtClean="0"/>
+            <a:endParaRPr lang="en-US" altLang="zh-CN" dirty="0"/>
           </a:p>
           <a:p>
             <a:pPr lvl="1"/>
-            <a:endParaRPr lang="en-US" altLang="zh-CN" dirty="0" smtClean="0"/>
+            <a:endParaRPr lang="en-US" altLang="zh-CN" dirty="0"/>
           </a:p>
         </p:txBody>
       </p:sp>
@@ -14032,14 +13836,13 @@
           <a:lstStyle/>
           <a:p>
             <a:r>
-              <a:rPr lang="en-US" altLang="zh-CN" dirty="0" smtClean="0"/>
+              <a:rPr lang="en-US" altLang="zh-CN" dirty="0"/>
               <a:t>2.3</a:t>
             </a:r>
             <a:r>
-              <a:rPr lang="zh-CN" altLang="en-US" dirty="0" smtClean="0"/>
+              <a:rPr lang="zh-CN" altLang="en-US" dirty="0"/>
               <a:t>节关键技术研究</a:t>
             </a:r>
-            <a:endParaRPr lang="zh-CN" altLang="en-US" dirty="0"/>
           </a:p>
         </p:txBody>
       </p:sp>
@@ -14065,15 +13868,7 @@
           <a:p>
             <a:r>
               <a:rPr lang="zh-CN" altLang="en-US" dirty="0"/>
-              <a:t>关键技术</a:t>
-            </a:r>
-            <a:r>
-              <a:rPr lang="zh-CN" altLang="en-US" dirty="0" smtClean="0"/>
-              <a:t>更多地从</a:t>
-            </a:r>
-            <a:r>
-              <a:rPr lang="zh-CN" altLang="en-US" dirty="0"/>
-              <a:t>技术选型角度比较项目选用技术</a:t>
+              <a:t>关键技术更多地从技术选型角度比较项目选用技术</a:t>
             </a:r>
             <a:endParaRPr lang="en-US" altLang="zh-CN" dirty="0"/>
           </a:p>
@@ -14081,11 +13876,7 @@
             <a:pPr lvl="1"/>
             <a:r>
               <a:rPr lang="zh-CN" altLang="en-US" dirty="0"/>
-              <a:t>比如论述跨平台框架，应先</a:t>
-            </a:r>
-            <a:r>
-              <a:rPr lang="zh-CN" altLang="en-US" dirty="0" smtClean="0"/>
-              <a:t>介绍什么是跨平台框架，其次是主流的框架有那些，每个有一节简单介绍，分析其优缺点，最后写出考虑那些因素，得到本文系统的框架选型。随后可以对本文选用框架给出进一步展开论述</a:t>
+              <a:t>比如论述跨平台框架，应先介绍什么是跨平台框架，其次是主流的框架有那些，每个有一节简单介绍，分析其优缺点，最后写出考虑那些因素，得到本文系统的框架选型。随后可以对本文选用框架给出进一步展开论述</a:t>
             </a:r>
             <a:endParaRPr lang="en-US" altLang="zh-CN" dirty="0"/>
           </a:p>
@@ -14093,19 +13884,7 @@
             <a:pPr lvl="1"/>
             <a:r>
               <a:rPr lang="zh-CN" altLang="en-US" dirty="0"/>
-              <a:t>如果所用技术较新，可以有</a:t>
-            </a:r>
-            <a:r>
-              <a:rPr lang="zh-CN" altLang="en-US" dirty="0" smtClean="0"/>
-              <a:t>一子节</a:t>
-            </a:r>
-            <a:r>
-              <a:rPr lang="zh-CN" altLang="en-US" dirty="0"/>
-              <a:t>对其做系统</a:t>
-            </a:r>
-            <a:r>
-              <a:rPr lang="zh-CN" altLang="en-US" dirty="0" smtClean="0"/>
-              <a:t>介绍，此处应注意查重问题</a:t>
+              <a:t>如果所用技术较新，可以有一子节对其做系统介绍，此处应注意查重问题</a:t>
             </a:r>
             <a:endParaRPr lang="en-US" altLang="zh-CN" dirty="0"/>
           </a:p>
@@ -14175,10 +13954,9 @@
           <a:lstStyle/>
           <a:p>
             <a:r>
-              <a:rPr lang="zh-CN" altLang="en-US" dirty="0" smtClean="0"/>
+              <a:rPr lang="zh-CN" altLang="en-US" dirty="0"/>
               <a:t>提纲</a:t>
             </a:r>
-            <a:endParaRPr lang="zh-CN" altLang="en-US" dirty="0"/>
           </a:p>
         </p:txBody>
       </p:sp>
@@ -14203,73 +13981,69 @@
           <a:lstStyle/>
           <a:p>
             <a:r>
-              <a:rPr lang="zh-CN" altLang="en-US" dirty="0" smtClean="0"/>
+              <a:rPr lang="zh-CN" altLang="en-US" dirty="0"/>
               <a:t>观念和态度</a:t>
             </a:r>
-            <a:endParaRPr lang="en-US" altLang="zh-CN" dirty="0" smtClean="0"/>
-          </a:p>
-          <a:p>
-            <a:r>
-              <a:rPr lang="zh-CN" altLang="en-US" dirty="0" smtClean="0"/>
+            <a:endParaRPr lang="en-US" altLang="zh-CN" dirty="0"/>
+          </a:p>
+          <a:p>
+            <a:r>
+              <a:rPr lang="zh-CN" altLang="en-US" dirty="0"/>
               <a:t>进度和规划</a:t>
             </a:r>
-            <a:endParaRPr lang="en-US" altLang="zh-CN" dirty="0" smtClean="0"/>
-          </a:p>
-          <a:p>
-            <a:r>
-              <a:rPr lang="zh-CN" altLang="en-US" dirty="0" smtClean="0"/>
+            <a:endParaRPr lang="en-US" altLang="zh-CN" dirty="0"/>
+          </a:p>
+          <a:p>
+            <a:r>
+              <a:rPr lang="zh-CN" altLang="en-US" dirty="0"/>
               <a:t>论文框架布局</a:t>
             </a:r>
             <a:endParaRPr lang="en-US" altLang="zh-CN" dirty="0"/>
           </a:p>
           <a:p>
             <a:r>
-              <a:rPr lang="zh-CN" altLang="en-US" dirty="0" smtClean="0"/>
+              <a:rPr lang="zh-CN" altLang="en-US" dirty="0"/>
               <a:t>选题思路</a:t>
             </a:r>
-            <a:endParaRPr lang="en-US" altLang="zh-CN" dirty="0" smtClean="0"/>
-          </a:p>
-          <a:p>
-            <a:r>
-              <a:rPr lang="zh-CN" altLang="en-US" dirty="0" smtClean="0"/>
+            <a:endParaRPr lang="en-US" altLang="zh-CN" dirty="0"/>
+          </a:p>
+          <a:p>
+            <a:r>
+              <a:rPr lang="zh-CN" altLang="en-US" dirty="0"/>
               <a:t>具体模块写作</a:t>
             </a:r>
-            <a:endParaRPr lang="en-US" altLang="zh-CN" dirty="0" smtClean="0"/>
+            <a:endParaRPr lang="en-US" altLang="zh-CN" dirty="0"/>
           </a:p>
           <a:p>
             <a:pPr lvl="1"/>
             <a:r>
-              <a:rPr lang="zh-CN" altLang="en-US" dirty="0" smtClean="0"/>
+              <a:rPr lang="zh-CN" altLang="en-US" dirty="0"/>
               <a:t>摘要</a:t>
             </a:r>
-            <a:endParaRPr lang="en-US" altLang="zh-CN" dirty="0" smtClean="0"/>
+            <a:endParaRPr lang="en-US" altLang="zh-CN" dirty="0"/>
           </a:p>
           <a:p>
             <a:pPr lvl="1"/>
             <a:r>
-              <a:rPr lang="zh-CN" altLang="en-US" dirty="0" smtClean="0"/>
+              <a:rPr lang="zh-CN" altLang="en-US" dirty="0"/>
               <a:t>参考文献</a:t>
             </a:r>
-            <a:endParaRPr lang="en-US" altLang="zh-CN" dirty="0" smtClean="0"/>
+            <a:endParaRPr lang="en-US" altLang="zh-CN" dirty="0"/>
           </a:p>
           <a:p>
             <a:pPr lvl="1"/>
             <a:r>
-              <a:rPr lang="zh-CN" altLang="en-US" dirty="0" smtClean="0"/>
-              <a:t>核心</a:t>
-            </a:r>
-            <a:r>
-              <a:rPr lang="zh-CN" altLang="en-US" dirty="0"/>
-              <a:t>节</a:t>
-            </a:r>
-            <a:endParaRPr lang="en-US" altLang="zh-CN" dirty="0" smtClean="0"/>
-          </a:p>
-          <a:p>
-            <a:r>
-              <a:rPr lang="zh-CN" altLang="en-US" dirty="0" smtClean="0"/>
+              <a:rPr lang="zh-CN" altLang="en-US" dirty="0"/>
+              <a:t>核心节</a:t>
+            </a:r>
+            <a:endParaRPr lang="en-US" altLang="zh-CN" dirty="0"/>
+          </a:p>
+          <a:p>
+            <a:r>
+              <a:rPr lang="zh-CN" altLang="en-US" dirty="0"/>
               <a:t>常见问题</a:t>
             </a:r>
-            <a:endParaRPr lang="en-US" altLang="zh-CN" dirty="0" smtClean="0"/>
+            <a:endParaRPr lang="en-US" altLang="zh-CN" dirty="0"/>
           </a:p>
           <a:p>
             <a:pPr lvl="1"/>
@@ -14323,14 +14097,13 @@
           <a:lstStyle/>
           <a:p>
             <a:r>
-              <a:rPr lang="en-US" altLang="zh-CN" dirty="0" smtClean="0"/>
+              <a:rPr lang="en-US" altLang="zh-CN" dirty="0"/>
               <a:t>3.1</a:t>
             </a:r>
             <a:r>
-              <a:rPr lang="zh-CN" altLang="en-US" dirty="0" smtClean="0"/>
+              <a:rPr lang="zh-CN" altLang="en-US" dirty="0"/>
               <a:t>节项目背景介绍</a:t>
             </a:r>
-            <a:endParaRPr lang="zh-CN" altLang="en-US" dirty="0"/>
           </a:p>
         </p:txBody>
       </p:sp>
@@ -14350,82 +14123,65 @@
           <a:lstStyle/>
           <a:p>
             <a:r>
-              <a:rPr lang="zh-CN" altLang="en-US" dirty="0" smtClean="0"/>
+              <a:rPr lang="zh-CN" altLang="en-US" dirty="0"/>
               <a:t>一般应分为三段</a:t>
             </a:r>
-            <a:endParaRPr lang="en-US" altLang="zh-CN" dirty="0" smtClean="0"/>
+            <a:endParaRPr lang="en-US" altLang="zh-CN" dirty="0"/>
           </a:p>
           <a:p>
             <a:pPr lvl="1"/>
             <a:r>
-              <a:rPr lang="zh-CN" altLang="en-US" dirty="0" smtClean="0"/>
+              <a:rPr lang="zh-CN" altLang="en-US" dirty="0"/>
               <a:t>项目涉及单位（业务）简介</a:t>
             </a:r>
-            <a:endParaRPr lang="en-US" altLang="zh-CN" dirty="0" smtClean="0"/>
+            <a:endParaRPr lang="en-US" altLang="zh-CN" dirty="0"/>
           </a:p>
           <a:p>
             <a:pPr lvl="1"/>
             <a:r>
-              <a:rPr lang="zh-CN" altLang="en-US" dirty="0" smtClean="0"/>
+              <a:rPr lang="zh-CN" altLang="en-US" dirty="0"/>
               <a:t>项目所涉及单位</a:t>
             </a:r>
             <a:r>
-              <a:rPr lang="en-US" altLang="zh-CN" dirty="0" smtClean="0"/>
+              <a:rPr lang="en-US" altLang="zh-CN" dirty="0"/>
               <a:t>IT</a:t>
             </a:r>
             <a:r>
-              <a:rPr lang="zh-CN" altLang="en-US" dirty="0" smtClean="0"/>
-              <a:t>系统现状</a:t>
-            </a:r>
-            <a:r>
-              <a:rPr lang="zh-CN" altLang="en-US" dirty="0"/>
-              <a:t>，</a:t>
-            </a:r>
-            <a:r>
-              <a:rPr lang="zh-CN" altLang="en-US" dirty="0" smtClean="0"/>
-              <a:t>如该单位</a:t>
-            </a:r>
-            <a:r>
-              <a:rPr lang="en-US" altLang="zh-CN" dirty="0" smtClean="0"/>
+              <a:rPr lang="zh-CN" altLang="en-US" dirty="0"/>
+              <a:t>系统现状，如该单位</a:t>
+            </a:r>
+            <a:r>
+              <a:rPr lang="en-US" altLang="zh-CN" dirty="0"/>
               <a:t>IT</a:t>
             </a:r>
             <a:r>
-              <a:rPr lang="zh-CN" altLang="en-US" dirty="0" smtClean="0"/>
+              <a:rPr lang="zh-CN" altLang="en-US" dirty="0"/>
               <a:t>系统过于庞大，可集中介绍与本项目相关部分；如论文所述系统是</a:t>
             </a:r>
             <a:r>
-              <a:rPr lang="en-US" altLang="zh-CN" dirty="0" smtClean="0"/>
+              <a:rPr lang="en-US" altLang="zh-CN" dirty="0"/>
               <a:t>2.0</a:t>
             </a:r>
             <a:r>
-              <a:rPr lang="zh-CN" altLang="en-US" dirty="0" smtClean="0"/>
+              <a:rPr lang="zh-CN" altLang="en-US" dirty="0"/>
               <a:t>版，应介绍前期版本现状</a:t>
             </a:r>
-            <a:endParaRPr lang="en-US" altLang="zh-CN" dirty="0" smtClean="0"/>
+            <a:endParaRPr lang="en-US" altLang="zh-CN" dirty="0"/>
           </a:p>
           <a:p>
             <a:pPr lvl="1"/>
             <a:r>
-              <a:rPr lang="zh-CN" altLang="en-US" dirty="0" smtClean="0"/>
-              <a:t>单位出于何种考虑、何种目的，准备上论文相关系统；系统对单位业务或战略有何助益；此处可与</a:t>
-            </a:r>
-            <a:r>
-              <a:rPr lang="zh-CN" altLang="en-US" dirty="0"/>
-              <a:t>第一</a:t>
-            </a:r>
-            <a:r>
-              <a:rPr lang="zh-CN" altLang="en-US" dirty="0" smtClean="0"/>
-              <a:t>章有所呼应</a:t>
-            </a:r>
-            <a:endParaRPr lang="en-US" altLang="zh-CN" dirty="0" smtClean="0"/>
+              <a:rPr lang="zh-CN" altLang="en-US" dirty="0"/>
+              <a:t>单位出于何种考虑、何种目的，准备上论文相关系统；系统对单位业务或战略有何助益；此处可与第一章有所呼应</a:t>
+            </a:r>
+            <a:endParaRPr lang="en-US" altLang="zh-CN" dirty="0"/>
           </a:p>
           <a:p>
             <a:pPr lvl="1"/>
             <a:r>
-              <a:rPr lang="zh-CN" altLang="en-US" dirty="0" smtClean="0"/>
+              <a:rPr lang="zh-CN" altLang="en-US" dirty="0"/>
               <a:t>本节应根据上述内容分为三节，行文不少于一页</a:t>
             </a:r>
-            <a:endParaRPr lang="zh-CN" altLang="en-US" dirty="0"/>
           </a:p>
         </p:txBody>
       </p:sp>
@@ -14475,14 +14231,13 @@
           <a:lstStyle/>
           <a:p>
             <a:r>
-              <a:rPr lang="en-US" altLang="zh-CN" dirty="0" smtClean="0"/>
+              <a:rPr lang="en-US" altLang="zh-CN" dirty="0"/>
               <a:t>3.2</a:t>
             </a:r>
             <a:r>
-              <a:rPr lang="zh-CN" altLang="en-US" dirty="0" smtClean="0"/>
+              <a:rPr lang="zh-CN" altLang="en-US" dirty="0"/>
               <a:t>节系统需求分析</a:t>
             </a:r>
-            <a:endParaRPr lang="zh-CN" altLang="en-US" dirty="0"/>
           </a:p>
         </p:txBody>
       </p:sp>
@@ -14502,40 +14257,39 @@
           <a:lstStyle/>
           <a:p>
             <a:r>
-              <a:rPr lang="zh-CN" altLang="en-US" dirty="0" smtClean="0"/>
+              <a:rPr lang="zh-CN" altLang="en-US" dirty="0"/>
               <a:t>项目目标是啥，可以从总体目标、业务目标、技术目标等角度展开阐述</a:t>
             </a:r>
-            <a:endParaRPr lang="en-US" altLang="zh-CN" dirty="0" smtClean="0"/>
+            <a:endParaRPr lang="en-US" altLang="zh-CN" dirty="0"/>
           </a:p>
           <a:p>
             <a:pPr lvl="1"/>
             <a:r>
-              <a:rPr lang="zh-CN" altLang="en-US" dirty="0" smtClean="0"/>
+              <a:rPr lang="zh-CN" altLang="en-US" dirty="0"/>
               <a:t>此时项目尚未开始总体设计，不应出现</a:t>
             </a:r>
             <a:r>
-              <a:rPr lang="en-US" altLang="zh-CN" dirty="0" smtClean="0"/>
+              <a:rPr lang="en-US" altLang="zh-CN" dirty="0"/>
               <a:t>XX</a:t>
             </a:r>
             <a:r>
-              <a:rPr lang="zh-CN" altLang="en-US" dirty="0" smtClean="0"/>
+              <a:rPr lang="zh-CN" altLang="en-US" dirty="0"/>
               <a:t>模块等字样</a:t>
             </a:r>
-            <a:endParaRPr lang="en-US" altLang="zh-CN" dirty="0" smtClean="0"/>
-          </a:p>
-          <a:p>
-            <a:r>
-              <a:rPr lang="zh-CN" altLang="en-US" dirty="0" smtClean="0"/>
+            <a:endParaRPr lang="en-US" altLang="zh-CN" dirty="0"/>
+          </a:p>
+          <a:p>
+            <a:r>
+              <a:rPr lang="zh-CN" altLang="en-US" dirty="0"/>
               <a:t>不建议表格式，建议段落式论述</a:t>
             </a:r>
-            <a:endParaRPr lang="en-US" altLang="zh-CN" dirty="0" smtClean="0"/>
-          </a:p>
-          <a:p>
-            <a:r>
-              <a:rPr lang="zh-CN" altLang="en-US" dirty="0" smtClean="0"/>
+            <a:endParaRPr lang="en-US" altLang="zh-CN" dirty="0"/>
+          </a:p>
+          <a:p>
+            <a:r>
+              <a:rPr lang="zh-CN" altLang="en-US" dirty="0"/>
               <a:t>可以依托用例图进行论述</a:t>
             </a:r>
-            <a:endParaRPr lang="zh-CN" altLang="en-US" dirty="0"/>
           </a:p>
         </p:txBody>
       </p:sp>
@@ -14585,14 +14339,13 @@
           <a:lstStyle/>
           <a:p>
             <a:r>
-              <a:rPr lang="en-US" altLang="zh-CN" dirty="0" smtClean="0"/>
+              <a:rPr lang="en-US" altLang="zh-CN" dirty="0"/>
               <a:t>3.3</a:t>
             </a:r>
             <a:r>
-              <a:rPr lang="zh-CN" altLang="en-US" dirty="0" smtClean="0"/>
+              <a:rPr lang="zh-CN" altLang="en-US" dirty="0"/>
               <a:t>节系统总体设计</a:t>
             </a:r>
-            <a:endParaRPr lang="zh-CN" altLang="en-US" dirty="0"/>
           </a:p>
         </p:txBody>
       </p:sp>
@@ -14612,45 +14365,24 @@
           <a:lstStyle/>
           <a:p>
             <a:r>
-              <a:rPr lang="zh-CN" altLang="en-US" dirty="0" smtClean="0"/>
-              <a:t>系统总体设计可以包括技术架构图、</a:t>
-            </a:r>
-            <a:r>
-              <a:rPr lang="zh-CN" altLang="en-US" dirty="0"/>
-              <a:t>业务模块</a:t>
-            </a:r>
-            <a:r>
-              <a:rPr lang="zh-CN" altLang="en-US" dirty="0" smtClean="0"/>
-              <a:t>划分、</a:t>
-            </a:r>
-            <a:r>
-              <a:rPr lang="zh-CN" altLang="en-US" dirty="0"/>
-              <a:t>技术模块</a:t>
-            </a:r>
-            <a:r>
-              <a:rPr lang="zh-CN" altLang="en-US" dirty="0" smtClean="0"/>
-              <a:t>划分、服务器部署情况、网络拓扑情况等等</a:t>
-            </a:r>
-            <a:endParaRPr lang="en-US" altLang="zh-CN" dirty="0" smtClean="0"/>
-          </a:p>
-          <a:p>
-            <a:r>
-              <a:rPr lang="zh-CN" altLang="en-US" dirty="0" smtClean="0"/>
-              <a:t>注意：原</a:t>
-            </a:r>
-            <a:r>
-              <a:rPr lang="zh-CN" altLang="en-US" dirty="0"/>
-              <a:t>模板中</a:t>
+              <a:rPr lang="zh-CN" altLang="en-US" dirty="0"/>
+              <a:t>系统总体设计可以包括技术架构图、业务模块划分、技术模块划分、服务器部署情况、网络拓扑情况等等</a:t>
+            </a:r>
+            <a:endParaRPr lang="en-US" altLang="zh-CN" dirty="0"/>
+          </a:p>
+          <a:p>
+            <a:r>
+              <a:rPr lang="zh-CN" altLang="en-US" dirty="0"/>
+              <a:t>注意：原模板中</a:t>
             </a:r>
             <a:r>
               <a:rPr lang="en-US" altLang="zh-CN" dirty="0"/>
               <a:t>4.1</a:t>
             </a:r>
             <a:r>
-              <a:rPr lang="zh-CN" altLang="en-US" dirty="0" smtClean="0"/>
+              <a:rPr lang="zh-CN" altLang="en-US" dirty="0"/>
               <a:t>节内容尽量移入此节中</a:t>
             </a:r>
-            <a:endParaRPr lang="zh-CN" altLang="en-US" dirty="0"/>
           </a:p>
         </p:txBody>
       </p:sp>
@@ -14722,32 +14454,32 @@
           <a:lstStyle/>
           <a:p>
             <a:r>
-              <a:rPr lang="zh-CN" altLang="en-US" dirty="0" smtClean="0"/>
+              <a:rPr lang="zh-CN" altLang="en-US" dirty="0"/>
               <a:t>可以从业务特殊性和技术特殊性两个角度选题</a:t>
             </a:r>
-            <a:endParaRPr lang="en-US" altLang="zh-CN" dirty="0" smtClean="0"/>
-          </a:p>
-          <a:p>
-            <a:r>
-              <a:rPr lang="zh-CN" altLang="en-US" dirty="0" smtClean="0"/>
+            <a:endParaRPr lang="en-US" altLang="zh-CN" dirty="0"/>
+          </a:p>
+          <a:p>
+            <a:r>
+              <a:rPr lang="zh-CN" altLang="en-US" dirty="0"/>
               <a:t>业务特殊性主要从详细设计角度入手，对流程、数据模型等进行分析</a:t>
             </a:r>
-            <a:endParaRPr lang="en-US" altLang="zh-CN" dirty="0" smtClean="0"/>
-          </a:p>
-          <a:p>
-            <a:r>
-              <a:rPr lang="zh-CN" altLang="en-US" dirty="0" smtClean="0"/>
+            <a:endParaRPr lang="en-US" altLang="zh-CN" dirty="0"/>
+          </a:p>
+          <a:p>
+            <a:r>
+              <a:rPr lang="zh-CN" altLang="en-US" dirty="0"/>
               <a:t>技术特殊性主要从具体实现角度入手，对实现过程中的技术难点重点进行分析</a:t>
             </a:r>
-            <a:endParaRPr lang="en-US" altLang="zh-CN" dirty="0" smtClean="0"/>
-          </a:p>
-          <a:p>
-            <a:r>
-              <a:rPr lang="zh-CN" altLang="en-US" dirty="0" smtClean="0"/>
+            <a:endParaRPr lang="en-US" altLang="zh-CN" dirty="0"/>
+          </a:p>
+          <a:p>
+            <a:r>
+              <a:rPr lang="zh-CN" altLang="en-US" dirty="0"/>
               <a:t>详细设计和系统实现，均应有</a:t>
             </a:r>
             <a:r>
-              <a:rPr lang="en-US" altLang="zh-CN" dirty="0" smtClean="0"/>
+              <a:rPr lang="en-US" altLang="zh-CN" dirty="0"/>
               <a:t>2-3</a:t>
             </a:r>
             <a:r>
@@ -14804,13 +14536,8 @@
           <a:p>
             <a:r>
               <a:rPr lang="zh-CN" altLang="en-US" dirty="0"/>
-              <a:t>核心</a:t>
-            </a:r>
-            <a:r>
-              <a:rPr lang="zh-CN" altLang="en-US" dirty="0" smtClean="0"/>
-              <a:t>节选点思路</a:t>
-            </a:r>
-            <a:endParaRPr lang="zh-CN" altLang="en-US" dirty="0"/>
+              <a:t>核心节选点思路</a:t>
+            </a:r>
           </a:p>
         </p:txBody>
       </p:sp>
@@ -14830,50 +14557,41 @@
           <a:lstStyle/>
           <a:p>
             <a:r>
-              <a:rPr lang="zh-CN" altLang="en-US" dirty="0" smtClean="0"/>
+              <a:rPr lang="zh-CN" altLang="en-US" dirty="0"/>
               <a:t>为了解决实现某个业务目标，必须解决某个计算机域的难题</a:t>
             </a:r>
-            <a:endParaRPr lang="en-US" altLang="zh-CN" dirty="0" smtClean="0"/>
+            <a:endParaRPr lang="en-US" altLang="zh-CN" dirty="0"/>
           </a:p>
           <a:p>
             <a:pPr lvl="1"/>
             <a:r>
-              <a:rPr lang="zh-CN" altLang="en-US" dirty="0" smtClean="0"/>
+              <a:rPr lang="zh-CN" altLang="en-US" dirty="0"/>
               <a:t>亦即：需完成从现实空间到计算机解空间的映射</a:t>
             </a:r>
-            <a:endParaRPr lang="en-US" altLang="zh-CN" dirty="0" smtClean="0"/>
+            <a:endParaRPr lang="en-US" altLang="zh-CN" dirty="0"/>
           </a:p>
           <a:p>
             <a:pPr lvl="1"/>
             <a:r>
               <a:rPr lang="zh-CN" altLang="en-US" dirty="0"/>
-              <a:t>同</a:t>
-            </a:r>
-            <a:r>
-              <a:rPr lang="zh-CN" altLang="en-US" dirty="0" smtClean="0"/>
-              <a:t>一业务目标，可以对应多个计算机域难题（即不同的切入点）</a:t>
-            </a:r>
-            <a:endParaRPr lang="en-US" altLang="zh-CN" dirty="0" smtClean="0"/>
+              <a:t>同一业务目标，可以对应多个计算机域难题（即不同的切入点）</a:t>
+            </a:r>
+            <a:endParaRPr lang="en-US" altLang="zh-CN" dirty="0"/>
           </a:p>
           <a:p>
             <a:pPr lvl="1"/>
             <a:r>
-              <a:rPr lang="zh-CN" altLang="en-US" dirty="0" smtClean="0"/>
+              <a:rPr lang="zh-CN" altLang="en-US" dirty="0"/>
               <a:t>后面整节都是围绕该难题的分析、解决和解决结果展开的</a:t>
             </a:r>
-            <a:endParaRPr lang="en-US" altLang="zh-CN" dirty="0" smtClean="0"/>
+            <a:endParaRPr lang="en-US" altLang="zh-CN" dirty="0"/>
           </a:p>
           <a:p>
             <a:pPr lvl="1"/>
             <a:r>
               <a:rPr lang="zh-CN" altLang="en-US" dirty="0"/>
-              <a:t>整</a:t>
-            </a:r>
-            <a:r>
-              <a:rPr lang="zh-CN" altLang="en-US" dirty="0" smtClean="0"/>
-              <a:t>节内容应尽可能聚焦</a:t>
-            </a:r>
-            <a:endParaRPr lang="zh-CN" altLang="en-US" dirty="0"/>
+              <a:t>整节内容应尽可能聚焦</a:t>
+            </a:r>
           </a:p>
         </p:txBody>
       </p:sp>
@@ -14923,10 +14641,9 @@
           <a:lstStyle/>
           <a:p>
             <a:r>
-              <a:rPr lang="zh-CN" altLang="en-US" dirty="0" smtClean="0"/>
+              <a:rPr lang="zh-CN" altLang="en-US" dirty="0"/>
               <a:t>核心节五步论</a:t>
             </a:r>
-            <a:endParaRPr lang="zh-CN" altLang="en-US" dirty="0"/>
           </a:p>
         </p:txBody>
       </p:sp>
@@ -14955,10 +14672,10 @@
               <a:buAutoNum type="arabicPeriod"/>
             </a:pPr>
             <a:r>
-              <a:rPr lang="zh-CN" altLang="en-US" dirty="0" smtClean="0"/>
+              <a:rPr lang="zh-CN" altLang="en-US" dirty="0"/>
               <a:t>业务需求引入难点重点</a:t>
             </a:r>
-            <a:endParaRPr lang="en-US" altLang="zh-CN" dirty="0" smtClean="0"/>
+            <a:endParaRPr lang="en-US" altLang="zh-CN" dirty="0"/>
           </a:p>
           <a:p>
             <a:pPr marL="514350" indent="-514350">
@@ -14966,10 +14683,10 @@
               <a:buAutoNum type="arabicPeriod"/>
             </a:pPr>
             <a:r>
-              <a:rPr lang="zh-CN" altLang="en-US" dirty="0" smtClean="0"/>
+              <a:rPr lang="zh-CN" altLang="en-US" dirty="0"/>
               <a:t>难点解决方案选型（可选）</a:t>
             </a:r>
-            <a:endParaRPr lang="en-US" altLang="zh-CN" dirty="0" smtClean="0"/>
+            <a:endParaRPr lang="en-US" altLang="zh-CN" dirty="0"/>
           </a:p>
           <a:p>
             <a:pPr marL="514350" indent="-514350">
@@ -14977,18 +14694,10 @@
               <a:buAutoNum type="arabicPeriod"/>
             </a:pPr>
             <a:r>
-              <a:rPr lang="zh-CN" altLang="en-US" dirty="0" smtClean="0"/>
-              <a:t>选中的</a:t>
-            </a:r>
-            <a:r>
-              <a:rPr lang="zh-CN" altLang="en-US" dirty="0"/>
-              <a:t>解决</a:t>
-            </a:r>
-            <a:r>
-              <a:rPr lang="zh-CN" altLang="en-US" dirty="0" smtClean="0"/>
-              <a:t>方案思路总体论述</a:t>
-            </a:r>
-            <a:endParaRPr lang="en-US" altLang="zh-CN" dirty="0" smtClean="0"/>
+              <a:rPr lang="zh-CN" altLang="en-US" dirty="0"/>
+              <a:t>选中的解决方案思路总体论述</a:t>
+            </a:r>
+            <a:endParaRPr lang="en-US" altLang="zh-CN" dirty="0"/>
           </a:p>
           <a:p>
             <a:pPr marL="514350" indent="-514350">
@@ -14997,21 +14706,9 @@
             </a:pPr>
             <a:r>
               <a:rPr lang="zh-CN" altLang="en-US" dirty="0"/>
-              <a:t>选中</a:t>
-            </a:r>
-            <a:r>
-              <a:rPr lang="zh-CN" altLang="en-US" dirty="0" smtClean="0"/>
-              <a:t>的</a:t>
-            </a:r>
-            <a:r>
-              <a:rPr lang="zh-CN" altLang="en-US" dirty="0"/>
-              <a:t>解决</a:t>
-            </a:r>
-            <a:r>
-              <a:rPr lang="zh-CN" altLang="en-US" dirty="0" smtClean="0"/>
-              <a:t>方案具体分析和实现</a:t>
-            </a:r>
-            <a:endParaRPr lang="en-US" altLang="zh-CN" dirty="0" smtClean="0"/>
+              <a:t>选中的解决方案具体分析和实现</a:t>
+            </a:r>
+            <a:endParaRPr lang="en-US" altLang="zh-CN" dirty="0"/>
           </a:p>
           <a:p>
             <a:pPr marL="514350" indent="-514350">
@@ -15019,77 +14716,72 @@
               <a:buAutoNum type="arabicPeriod"/>
             </a:pPr>
             <a:r>
-              <a:rPr lang="zh-CN" altLang="en-US" dirty="0" smtClean="0"/>
+              <a:rPr lang="zh-CN" altLang="en-US" dirty="0"/>
               <a:t>难点重点解决的结果论述</a:t>
             </a:r>
-            <a:endParaRPr lang="en-US" altLang="zh-CN" dirty="0" smtClean="0"/>
-          </a:p>
-          <a:p>
-            <a:r>
-              <a:rPr lang="zh-CN" altLang="en-US" dirty="0" smtClean="0"/>
+            <a:endParaRPr lang="en-US" altLang="zh-CN" dirty="0"/>
+          </a:p>
+          <a:p>
+            <a:r>
+              <a:rPr lang="zh-CN" altLang="en-US" dirty="0"/>
               <a:t>最后应空开一行，超越简单的对本项目中解决结果的总结，提炼升华为更一般的、可适用更广泛场景的经验总结</a:t>
             </a:r>
-            <a:endParaRPr lang="en-US" altLang="zh-CN" dirty="0" smtClean="0"/>
+            <a:endParaRPr lang="en-US" altLang="zh-CN" dirty="0"/>
           </a:p>
           <a:p>
             <a:pPr lvl="1"/>
             <a:r>
               <a:rPr lang="zh-CN" altLang="en-US" dirty="0"/>
-              <a:t>本</a:t>
-            </a:r>
-            <a:r>
-              <a:rPr lang="zh-CN" altLang="en-US" dirty="0" smtClean="0"/>
-              <a:t>节中针对</a:t>
-            </a:r>
-            <a:r>
-              <a:rPr lang="en-US" altLang="zh-CN" dirty="0" smtClean="0"/>
+              <a:t>本节中针对</a:t>
+            </a:r>
+            <a:r>
+              <a:rPr lang="en-US" altLang="zh-CN" dirty="0"/>
               <a:t>XX</a:t>
             </a:r>
             <a:r>
-              <a:rPr lang="zh-CN" altLang="en-US" dirty="0" smtClean="0"/>
+              <a:rPr lang="zh-CN" altLang="en-US" dirty="0"/>
               <a:t>中的</a:t>
             </a:r>
             <a:r>
-              <a:rPr lang="en-US" altLang="zh-CN" dirty="0" smtClean="0"/>
+              <a:rPr lang="en-US" altLang="zh-CN" dirty="0"/>
               <a:t>XX</a:t>
             </a:r>
             <a:r>
-              <a:rPr lang="zh-CN" altLang="en-US" dirty="0" smtClean="0"/>
+              <a:rPr lang="zh-CN" altLang="en-US" dirty="0"/>
               <a:t>问题，给出了基于</a:t>
             </a:r>
             <a:r>
-              <a:rPr lang="en-US" altLang="zh-CN" dirty="0" smtClean="0"/>
+              <a:rPr lang="en-US" altLang="zh-CN" dirty="0"/>
               <a:t>XX</a:t>
             </a:r>
             <a:r>
-              <a:rPr lang="zh-CN" altLang="en-US" dirty="0" smtClean="0"/>
+              <a:rPr lang="zh-CN" altLang="en-US" dirty="0"/>
               <a:t>的</a:t>
             </a:r>
             <a:r>
-              <a:rPr lang="en-US" altLang="zh-CN" dirty="0" smtClean="0"/>
+              <a:rPr lang="en-US" altLang="zh-CN" dirty="0"/>
               <a:t>XX</a:t>
             </a:r>
             <a:r>
-              <a:rPr lang="zh-CN" altLang="en-US" dirty="0" smtClean="0"/>
+              <a:rPr lang="zh-CN" altLang="en-US" dirty="0"/>
               <a:t>解决方案，实践证明，对</a:t>
             </a:r>
             <a:r>
-              <a:rPr lang="en-US" altLang="zh-CN" dirty="0" smtClean="0"/>
+              <a:rPr lang="en-US" altLang="zh-CN" dirty="0"/>
               <a:t>XX</a:t>
             </a:r>
             <a:r>
-              <a:rPr lang="zh-CN" altLang="en-US" dirty="0" smtClean="0"/>
+              <a:rPr lang="zh-CN" altLang="en-US" dirty="0"/>
               <a:t>类问题能达到</a:t>
             </a:r>
             <a:r>
-              <a:rPr lang="en-US" altLang="zh-CN" dirty="0" smtClean="0"/>
+              <a:rPr lang="en-US" altLang="zh-CN" dirty="0"/>
               <a:t>XX</a:t>
             </a:r>
             <a:r>
-              <a:rPr lang="zh-CN" altLang="en-US" dirty="0" smtClean="0"/>
+              <a:rPr lang="zh-CN" altLang="en-US" dirty="0"/>
               <a:t>效果</a:t>
             </a:r>
-            <a:endParaRPr lang="zh-CN" altLang="en-US" dirty="0"/>
           </a:p>
         </p:txBody>
       </p:sp>
@@ -15139,14 +14831,13 @@
           <a:lstStyle/>
           <a:p>
             <a:r>
-              <a:rPr lang="en-US" altLang="zh-CN" dirty="0" smtClean="0"/>
+              <a:rPr lang="en-US" altLang="zh-CN" dirty="0"/>
               <a:t>5.1</a:t>
             </a:r>
             <a:r>
-              <a:rPr lang="zh-CN" altLang="en-US" dirty="0" smtClean="0"/>
+              <a:rPr lang="zh-CN" altLang="en-US" dirty="0"/>
               <a:t>节本文内容总结</a:t>
             </a:r>
-            <a:endParaRPr lang="zh-CN" altLang="en-US" dirty="0"/>
           </a:p>
         </p:txBody>
       </p:sp>
@@ -15172,115 +14863,106 @@
           <a:p>
             <a:r>
               <a:rPr lang="zh-CN" altLang="en-US" dirty="0"/>
-              <a:t>一般</a:t>
-            </a:r>
-            <a:r>
-              <a:rPr lang="zh-CN" altLang="en-US" dirty="0" smtClean="0"/>
-              <a:t>应分为三段</a:t>
-            </a:r>
-            <a:endParaRPr lang="en-US" altLang="zh-CN" dirty="0" smtClean="0"/>
+              <a:t>一般应分为三段</a:t>
+            </a:r>
+            <a:endParaRPr lang="en-US" altLang="zh-CN" dirty="0"/>
           </a:p>
           <a:p>
             <a:pPr lvl="1"/>
             <a:r>
-              <a:rPr lang="zh-CN" altLang="en-US" dirty="0" smtClean="0"/>
+              <a:rPr lang="zh-CN" altLang="en-US" dirty="0"/>
               <a:t>第一段是论文研究宏观背景回顾，呼应</a:t>
             </a:r>
             <a:r>
-              <a:rPr lang="en-US" altLang="zh-CN" dirty="0" smtClean="0"/>
+              <a:rPr lang="en-US" altLang="zh-CN" dirty="0"/>
               <a:t>1.1</a:t>
             </a:r>
             <a:r>
-              <a:rPr lang="zh-CN" altLang="en-US" dirty="0" smtClean="0"/>
+              <a:rPr lang="zh-CN" altLang="en-US" dirty="0"/>
               <a:t>和</a:t>
             </a:r>
             <a:r>
-              <a:rPr lang="en-US" altLang="zh-CN" dirty="0" smtClean="0"/>
+              <a:rPr lang="en-US" altLang="zh-CN" dirty="0"/>
               <a:t>3.1</a:t>
             </a:r>
           </a:p>
           <a:p>
             <a:pPr lvl="1"/>
             <a:r>
-              <a:rPr lang="zh-CN" altLang="en-US" dirty="0" smtClean="0"/>
+              <a:rPr lang="zh-CN" altLang="en-US" dirty="0"/>
               <a:t>第二段是论文主要研究内容，呼应第四章</a:t>
             </a:r>
-            <a:endParaRPr lang="en-US" altLang="zh-CN" dirty="0" smtClean="0"/>
+            <a:endParaRPr lang="en-US" altLang="zh-CN" dirty="0"/>
           </a:p>
           <a:p>
             <a:pPr lvl="2"/>
             <a:r>
-              <a:rPr lang="zh-CN" altLang="en-US" dirty="0" smtClean="0"/>
+              <a:rPr lang="zh-CN" altLang="en-US" dirty="0"/>
               <a:t>应在套话外重点突出前述各核心节的总结</a:t>
             </a:r>
-            <a:endParaRPr lang="en-US" altLang="zh-CN" dirty="0" smtClean="0"/>
+            <a:endParaRPr lang="en-US" altLang="zh-CN" dirty="0"/>
           </a:p>
           <a:p>
             <a:pPr lvl="2"/>
             <a:r>
               <a:rPr lang="zh-CN" altLang="en-US" dirty="0"/>
-              <a:t>此</a:t>
-            </a:r>
-            <a:r>
-              <a:rPr lang="zh-CN" altLang="en-US" dirty="0" smtClean="0"/>
-              <a:t>部分和摘要都是评委重点审视部分</a:t>
-            </a:r>
-            <a:endParaRPr lang="en-US" altLang="zh-CN" dirty="0" smtClean="0"/>
+              <a:t>此部分和摘要都是评委重点审视部分</a:t>
+            </a:r>
+            <a:endParaRPr lang="en-US" altLang="zh-CN" dirty="0"/>
           </a:p>
           <a:p>
             <a:pPr lvl="1"/>
             <a:r>
-              <a:rPr lang="zh-CN" altLang="en-US" dirty="0" smtClean="0"/>
+              <a:rPr lang="zh-CN" altLang="en-US" dirty="0"/>
               <a:t>以上两部分有点类似摘要</a:t>
             </a:r>
-            <a:endParaRPr lang="en-US" altLang="zh-CN" dirty="0" smtClean="0"/>
+            <a:endParaRPr lang="en-US" altLang="zh-CN" dirty="0"/>
           </a:p>
           <a:p>
             <a:pPr lvl="1"/>
             <a:r>
-              <a:rPr lang="zh-CN" altLang="en-US" dirty="0" smtClean="0"/>
+              <a:rPr lang="zh-CN" altLang="en-US" dirty="0"/>
               <a:t>第三段是论文依托系统现状</a:t>
             </a:r>
-            <a:endParaRPr lang="en-US" altLang="zh-CN" dirty="0" smtClean="0"/>
+            <a:endParaRPr lang="en-US" altLang="zh-CN" dirty="0"/>
           </a:p>
           <a:p>
             <a:pPr lvl="2"/>
             <a:r>
-              <a:rPr lang="zh-CN" altLang="en-US" dirty="0" smtClean="0"/>
+              <a:rPr lang="zh-CN" altLang="en-US" dirty="0"/>
               <a:t>一般首先应体现为内部测试</a:t>
             </a:r>
             <a:r>
-              <a:rPr lang="en-US" altLang="zh-CN" dirty="0" smtClean="0"/>
+              <a:rPr lang="en-US" altLang="zh-CN" dirty="0"/>
               <a:t>/</a:t>
             </a:r>
             <a:r>
-              <a:rPr lang="zh-CN" altLang="en-US" dirty="0" smtClean="0"/>
+              <a:rPr lang="zh-CN" altLang="en-US" dirty="0"/>
               <a:t>试运行</a:t>
             </a:r>
             <a:r>
-              <a:rPr lang="en-US" altLang="zh-CN" dirty="0" smtClean="0"/>
+              <a:rPr lang="en-US" altLang="zh-CN" dirty="0"/>
               <a:t>/</a:t>
             </a:r>
             <a:r>
-              <a:rPr lang="zh-CN" altLang="en-US" dirty="0" smtClean="0"/>
+              <a:rPr lang="zh-CN" altLang="en-US" dirty="0"/>
               <a:t>已上线等，不应未投入测试，也不应运行时间太长</a:t>
             </a:r>
-            <a:endParaRPr lang="en-US" altLang="zh-CN" dirty="0" smtClean="0"/>
+            <a:endParaRPr lang="en-US" altLang="zh-CN" dirty="0"/>
           </a:p>
           <a:p>
             <a:pPr lvl="2"/>
             <a:r>
-              <a:rPr lang="zh-CN" altLang="en-US" dirty="0" smtClean="0"/>
+              <a:rPr lang="zh-CN" altLang="en-US" dirty="0"/>
               <a:t>其次应体现用户对系统是满意的</a:t>
             </a:r>
-            <a:endParaRPr lang="en-US" altLang="zh-CN" dirty="0" smtClean="0"/>
-          </a:p>
-          <a:p>
-            <a:r>
-              <a:rPr lang="zh-CN" altLang="en-US" dirty="0" smtClean="0"/>
+            <a:endParaRPr lang="en-US" altLang="zh-CN" dirty="0"/>
+          </a:p>
+          <a:p>
+            <a:r>
+              <a:rPr lang="zh-CN" altLang="en-US" dirty="0"/>
               <a:t>行文不少于一页</a:t>
             </a:r>
-            <a:endParaRPr lang="zh-CN" altLang="en-US" dirty="0"/>
           </a:p>
         </p:txBody>
       </p:sp>
@@ -15330,14 +15012,13 @@
           <a:lstStyle/>
           <a:p>
             <a:r>
-              <a:rPr lang="en-US" altLang="zh-CN" dirty="0" smtClean="0"/>
+              <a:rPr lang="en-US" altLang="zh-CN" dirty="0"/>
               <a:t>5.2</a:t>
             </a:r>
             <a:r>
-              <a:rPr lang="zh-CN" altLang="en-US" dirty="0" smtClean="0"/>
+              <a:rPr lang="zh-CN" altLang="en-US" dirty="0"/>
               <a:t>节未来工作展望</a:t>
             </a:r>
-            <a:endParaRPr lang="zh-CN" altLang="en-US" dirty="0"/>
           </a:p>
         </p:txBody>
       </p:sp>
@@ -15357,25 +15038,24 @@
           <a:lstStyle/>
           <a:p>
             <a:r>
-              <a:rPr lang="zh-CN" altLang="en-US" dirty="0" smtClean="0"/>
+              <a:rPr lang="zh-CN" altLang="en-US" dirty="0"/>
               <a:t>一般应上承</a:t>
             </a:r>
             <a:r>
-              <a:rPr lang="en-US" altLang="zh-CN" dirty="0" smtClean="0"/>
+              <a:rPr lang="en-US" altLang="zh-CN" dirty="0"/>
               <a:t>5.1</a:t>
             </a:r>
             <a:r>
-              <a:rPr lang="zh-CN" altLang="en-US" dirty="0" smtClean="0"/>
+              <a:rPr lang="zh-CN" altLang="en-US" dirty="0"/>
               <a:t>节最后一段，论述用户对系统下一版本提出的新的需求和期望</a:t>
             </a:r>
-            <a:endParaRPr lang="en-US" altLang="zh-CN" dirty="0" smtClean="0"/>
-          </a:p>
-          <a:p>
-            <a:r>
-              <a:rPr lang="zh-CN" altLang="en-US" dirty="0" smtClean="0"/>
+            <a:endParaRPr lang="en-US" altLang="zh-CN" dirty="0"/>
+          </a:p>
+          <a:p>
+            <a:r>
+              <a:rPr lang="zh-CN" altLang="en-US" dirty="0"/>
               <a:t>一般写一大段即可，不宜展开过多</a:t>
             </a:r>
-            <a:endParaRPr lang="zh-CN" altLang="en-US" dirty="0"/>
           </a:p>
         </p:txBody>
       </p:sp>
@@ -15447,94 +15127,93 @@
           <a:lstStyle/>
           <a:p>
             <a:r>
-              <a:rPr lang="zh-CN" altLang="en-US" dirty="0" smtClean="0"/>
+              <a:rPr lang="zh-CN" altLang="en-US" dirty="0"/>
               <a:t>来源</a:t>
             </a:r>
-            <a:endParaRPr lang="en-US" altLang="zh-CN" dirty="0" smtClean="0"/>
+            <a:endParaRPr lang="en-US" altLang="zh-CN" dirty="0"/>
           </a:p>
           <a:p>
             <a:pPr lvl="1"/>
             <a:r>
-              <a:rPr lang="en-US" altLang="zh-CN" dirty="0" smtClean="0"/>
+              <a:rPr lang="en-US" altLang="zh-CN" dirty="0"/>
               <a:t>1.1</a:t>
             </a:r>
             <a:r>
-              <a:rPr lang="zh-CN" altLang="en-US" dirty="0" smtClean="0"/>
+              <a:rPr lang="zh-CN" altLang="en-US" dirty="0"/>
               <a:t>节数据</a:t>
             </a:r>
-            <a:endParaRPr lang="en-US" altLang="zh-CN" dirty="0" smtClean="0"/>
+            <a:endParaRPr lang="en-US" altLang="zh-CN" dirty="0"/>
           </a:p>
           <a:p>
             <a:pPr lvl="1"/>
             <a:r>
-              <a:rPr lang="en-US" altLang="zh-CN" dirty="0" smtClean="0"/>
+              <a:rPr lang="en-US" altLang="zh-CN" dirty="0"/>
               <a:t>2.1</a:t>
             </a:r>
             <a:r>
-              <a:rPr lang="zh-CN" altLang="en-US" dirty="0" smtClean="0"/>
+              <a:rPr lang="zh-CN" altLang="en-US" dirty="0"/>
               <a:t>节相关工作研究</a:t>
             </a:r>
-            <a:endParaRPr lang="en-US" altLang="zh-CN" dirty="0" smtClean="0"/>
+            <a:endParaRPr lang="en-US" altLang="zh-CN" dirty="0"/>
           </a:p>
           <a:p>
             <a:pPr lvl="1"/>
             <a:r>
-              <a:rPr lang="en-US" altLang="zh-CN" dirty="0" smtClean="0"/>
+              <a:rPr lang="en-US" altLang="zh-CN" dirty="0"/>
               <a:t>2.2</a:t>
             </a:r>
             <a:r>
-              <a:rPr lang="zh-CN" altLang="en-US" dirty="0" smtClean="0"/>
+              <a:rPr lang="zh-CN" altLang="en-US" dirty="0"/>
               <a:t>、</a:t>
             </a:r>
             <a:r>
-              <a:rPr lang="en-US" altLang="zh-CN" dirty="0" smtClean="0"/>
+              <a:rPr lang="en-US" altLang="zh-CN" dirty="0"/>
               <a:t>2.3</a:t>
             </a:r>
             <a:r>
-              <a:rPr lang="zh-CN" altLang="en-US" dirty="0" smtClean="0"/>
+              <a:rPr lang="zh-CN" altLang="en-US" dirty="0"/>
               <a:t>节关键技术</a:t>
             </a:r>
-            <a:endParaRPr lang="en-US" altLang="zh-CN" dirty="0" smtClean="0"/>
+            <a:endParaRPr lang="en-US" altLang="zh-CN" dirty="0"/>
           </a:p>
           <a:p>
             <a:pPr lvl="1"/>
             <a:r>
-              <a:rPr lang="zh-CN" altLang="en-US" dirty="0" smtClean="0"/>
+              <a:rPr lang="zh-CN" altLang="en-US" dirty="0"/>
               <a:t>实在不够可以有其他有借鉴意义但不出现引用点的文献，放在最后作为补充，一般以书籍为主</a:t>
             </a:r>
-            <a:endParaRPr lang="en-US" altLang="zh-CN" dirty="0" smtClean="0"/>
+            <a:endParaRPr lang="en-US" altLang="zh-CN" dirty="0"/>
           </a:p>
           <a:p>
             <a:pPr lvl="1"/>
             <a:r>
-              <a:rPr lang="zh-CN" altLang="en-US" dirty="0" smtClean="0"/>
+              <a:rPr lang="zh-CN" altLang="en-US" dirty="0"/>
               <a:t>参考文献应注重时效性，应以近年材料为主</a:t>
             </a:r>
-            <a:endParaRPr lang="en-US" altLang="zh-CN" dirty="0" smtClean="0"/>
+            <a:endParaRPr lang="en-US" altLang="zh-CN" dirty="0"/>
           </a:p>
           <a:p>
             <a:pPr lvl="1"/>
             <a:r>
-              <a:rPr lang="zh-CN" altLang="en-US" dirty="0" smtClean="0"/>
+              <a:rPr lang="zh-CN" altLang="en-US" dirty="0"/>
               <a:t>一个参考文献可被多处引用（含图）</a:t>
             </a:r>
-            <a:endParaRPr lang="en-US" altLang="zh-CN" dirty="0" smtClean="0"/>
+            <a:endParaRPr lang="en-US" altLang="zh-CN" dirty="0"/>
           </a:p>
           <a:p>
             <a:pPr lvl="1"/>
             <a:r>
-              <a:rPr lang="zh-CN" altLang="en-US" dirty="0" smtClean="0"/>
+              <a:rPr lang="zh-CN" altLang="en-US" dirty="0"/>
               <a:t>原则上第三章之后不出现关键技术引用点</a:t>
             </a:r>
-            <a:endParaRPr lang="en-US" altLang="zh-CN" dirty="0" smtClean="0"/>
+            <a:endParaRPr lang="en-US" altLang="zh-CN" dirty="0"/>
           </a:p>
           <a:p>
             <a:pPr lvl="1"/>
             <a:r>
-              <a:rPr lang="zh-CN" altLang="en-US" dirty="0" smtClean="0"/>
+              <a:rPr lang="zh-CN" altLang="en-US" dirty="0"/>
               <a:t>参考文献应根据后页及群文件规范编写</a:t>
             </a:r>
-            <a:endParaRPr lang="zh-CN" altLang="en-US" dirty="0"/>
           </a:p>
         </p:txBody>
       </p:sp>
@@ -15584,10 +15263,9 @@
           <a:lstStyle/>
           <a:p>
             <a:r>
-              <a:rPr lang="zh-CN" altLang="en-US" dirty="0" smtClean="0"/>
+              <a:rPr lang="zh-CN" altLang="en-US" dirty="0"/>
               <a:t>参考文献</a:t>
             </a:r>
-            <a:endParaRPr lang="zh-CN" altLang="en-US" dirty="0"/>
           </a:p>
         </p:txBody>
       </p:sp>
@@ -15898,10 +15576,10 @@
           <a:lstStyle/>
           <a:p>
             <a:r>
-              <a:rPr lang="zh-CN" altLang="en-US" dirty="0" smtClean="0"/>
+              <a:rPr lang="zh-CN" altLang="en-US" dirty="0"/>
               <a:t>论文是自己的事情，要自己主动</a:t>
             </a:r>
-            <a:endParaRPr lang="en-US" altLang="zh-CN" dirty="0" smtClean="0"/>
+            <a:endParaRPr lang="en-US" altLang="zh-CN" dirty="0"/>
           </a:p>
           <a:p>
             <a:pPr lvl="1"/>
@@ -15919,10 +15597,10 @@
           </a:p>
           <a:p>
             <a:r>
-              <a:rPr lang="zh-CN" altLang="en-US" dirty="0" smtClean="0"/>
+              <a:rPr lang="zh-CN" altLang="en-US" dirty="0"/>
               <a:t>导师主要作用</a:t>
             </a:r>
-            <a:endParaRPr lang="en-US" altLang="zh-CN" dirty="0" smtClean="0"/>
+            <a:endParaRPr lang="en-US" altLang="zh-CN" dirty="0"/>
           </a:p>
           <a:p>
             <a:pPr lvl="1"/>
@@ -15931,14 +15609,7 @@
                 <a:latin typeface="Times New Roman" pitchFamily="18" charset="0"/>
                 <a:ea typeface="宋体" pitchFamily="2" charset="-122"/>
               </a:rPr>
-              <a:t>掌握时间节点和</a:t>
-            </a:r>
-            <a:r>
-              <a:rPr lang="zh-CN" altLang="zh-CN" kern="1200" dirty="0" smtClean="0">
-                <a:latin typeface="Times New Roman" pitchFamily="18" charset="0"/>
-                <a:ea typeface="宋体" pitchFamily="2" charset="-122"/>
-              </a:rPr>
-              <a:t>节奏</a:t>
+              <a:t>掌握时间节点和节奏</a:t>
             </a:r>
             <a:endParaRPr lang="en-US" altLang="zh-CN" kern="1200" dirty="0">
               <a:latin typeface="Times New Roman" pitchFamily="18" charset="0"/>
@@ -15952,35 +15623,21 @@
                 <a:latin typeface="Times New Roman" pitchFamily="18" charset="0"/>
                 <a:ea typeface="宋体" pitchFamily="2" charset="-122"/>
               </a:rPr>
-              <a:t>判断选题和重点的</a:t>
-            </a:r>
-            <a:r>
-              <a:rPr lang="zh-CN" altLang="zh-CN" kern="1200" dirty="0" smtClean="0">
-                <a:latin typeface="Times New Roman" pitchFamily="18" charset="0"/>
-                <a:ea typeface="宋体" pitchFamily="2" charset="-122"/>
-              </a:rPr>
-              <a:t>合理性</a:t>
-            </a:r>
-            <a:endParaRPr lang="en-US" altLang="zh-CN" kern="1200" dirty="0" smtClean="0">
+              <a:t>判断选题和重点的合理性</a:t>
+            </a:r>
+            <a:endParaRPr lang="en-US" altLang="zh-CN" kern="1200" dirty="0">
               <a:latin typeface="Times New Roman" pitchFamily="18" charset="0"/>
               <a:ea typeface="宋体" pitchFamily="2" charset="-122"/>
             </a:endParaRPr>
           </a:p>
           <a:p>
             <a:pPr lvl="1"/>
-            <a:r>
-              <a:rPr lang="zh-CN" altLang="zh-CN" kern="1200" dirty="0" smtClean="0">
-                <a:latin typeface="Times New Roman" pitchFamily="18" charset="0"/>
-                <a:ea typeface="宋体" pitchFamily="2" charset="-122"/>
-              </a:rPr>
-              <a:t>指导如何</a:t>
-            </a:r>
             <a:r>
               <a:rPr lang="zh-CN" altLang="zh-CN" kern="1200" dirty="0">
                 <a:latin typeface="Times New Roman" pitchFamily="18" charset="0"/>
                 <a:ea typeface="宋体" pitchFamily="2" charset="-122"/>
               </a:rPr>
-              <a:t>把手上的材料组织成</a:t>
+              <a:t>指导如何把手上的材料组织成</a:t>
             </a:r>
             <a:r>
               <a:rPr lang="zh-CN" altLang="zh-CN" sz="3200" b="1" kern="1200" dirty="0">
@@ -15994,16 +15651,9 @@
                 <a:latin typeface="Times New Roman" pitchFamily="18" charset="0"/>
                 <a:ea typeface="宋体" pitchFamily="2" charset="-122"/>
               </a:rPr>
-              <a:t>的</a:t>
-            </a:r>
-            <a:r>
-              <a:rPr lang="zh-CN" altLang="zh-CN" kern="1200" dirty="0" smtClean="0">
-                <a:latin typeface="Times New Roman" pitchFamily="18" charset="0"/>
-                <a:ea typeface="宋体" pitchFamily="2" charset="-122"/>
-              </a:rPr>
-              <a:t>论文</a:t>
-            </a:r>
-            <a:endParaRPr lang="en-US" altLang="zh-CN" kern="1200" dirty="0" smtClean="0">
+              <a:t>的论文</a:t>
+            </a:r>
+            <a:endParaRPr lang="en-US" altLang="zh-CN" kern="1200" dirty="0">
               <a:latin typeface="Times New Roman" pitchFamily="18" charset="0"/>
               <a:ea typeface="宋体" pitchFamily="2" charset="-122"/>
             </a:endParaRPr>
@@ -16011,13 +15661,13 @@
           <a:p>
             <a:pPr lvl="2"/>
             <a:r>
-              <a:rPr lang="zh-CN" altLang="en-US" kern="1200" dirty="0" smtClean="0">
+              <a:rPr lang="zh-CN" altLang="en-US" kern="1200" dirty="0">
                 <a:latin typeface="Times New Roman" pitchFamily="18" charset="0"/>
                 <a:ea typeface="宋体" pitchFamily="2" charset="-122"/>
               </a:rPr>
               <a:t>判断文风和格式</a:t>
             </a:r>
-            <a:endParaRPr lang="en-US" altLang="zh-CN" kern="1200" dirty="0" smtClean="0">
+            <a:endParaRPr lang="en-US" altLang="zh-CN" kern="1200" dirty="0">
               <a:latin typeface="Times New Roman" pitchFamily="18" charset="0"/>
               <a:ea typeface="宋体" pitchFamily="2" charset="-122"/>
             </a:endParaRPr>
@@ -16025,7 +15675,7 @@
           <a:p>
             <a:pPr lvl="1"/>
             <a:r>
-              <a:rPr lang="zh-CN" altLang="en-US" sz="3200" b="1" kern="1200" dirty="0" smtClean="0">
+              <a:rPr lang="zh-CN" altLang="en-US" sz="3200" b="1" kern="1200" dirty="0">
                 <a:latin typeface="Times New Roman" pitchFamily="18" charset="0"/>
                 <a:ea typeface="宋体" pitchFamily="2" charset="-122"/>
               </a:rPr>
@@ -16081,10 +15731,9 @@
           <a:lstStyle/>
           <a:p>
             <a:r>
-              <a:rPr lang="zh-CN" altLang="en-US" dirty="0" smtClean="0"/>
+              <a:rPr lang="zh-CN" altLang="en-US" dirty="0"/>
               <a:t>图、表、代码</a:t>
             </a:r>
-            <a:endParaRPr lang="zh-CN" altLang="en-US" dirty="0"/>
           </a:p>
         </p:txBody>
       </p:sp>
@@ -16104,51 +15753,16 @@
           <a:lstStyle/>
           <a:p>
             <a:r>
-              <a:rPr lang="zh-CN" altLang="en-US" dirty="0" smtClean="0"/>
+              <a:rPr lang="zh-CN" altLang="en-US" dirty="0"/>
               <a:t>图编号出现在图下方，类似“图</a:t>
             </a:r>
             <a:r>
-              <a:rPr lang="en-US" altLang="zh-CN" dirty="0" smtClean="0"/>
+              <a:rPr lang="en-US" altLang="zh-CN" dirty="0"/>
               <a:t>1-1 XX</a:t>
             </a:r>
             <a:r>
-              <a:rPr lang="zh-CN" altLang="en-US" dirty="0" smtClean="0"/>
+              <a:rPr lang="zh-CN" altLang="en-US" dirty="0"/>
               <a:t>”，该编号在文中应出现引用，</a:t>
-            </a:r>
-            <a:r>
-              <a:rPr lang="en-US" altLang="zh-CN" dirty="0" smtClean="0"/>
-              <a:t>XX</a:t>
-            </a:r>
-            <a:r>
-              <a:rPr lang="zh-CN" altLang="en-US" dirty="0" smtClean="0"/>
-              <a:t>为图标题</a:t>
-            </a:r>
-            <a:endParaRPr lang="en-US" altLang="zh-CN" dirty="0" smtClean="0"/>
-          </a:p>
-          <a:p>
-            <a:r>
-              <a:rPr lang="zh-CN" altLang="en-US" dirty="0" smtClean="0"/>
-              <a:t>表编号</a:t>
-            </a:r>
-            <a:r>
-              <a:rPr lang="zh-CN" altLang="en-US" dirty="0"/>
-              <a:t>出现</a:t>
-            </a:r>
-            <a:r>
-              <a:rPr lang="zh-CN" altLang="en-US" dirty="0" smtClean="0"/>
-              <a:t>在表上方</a:t>
-            </a:r>
-            <a:r>
-              <a:rPr lang="zh-CN" altLang="en-US" dirty="0"/>
-              <a:t>，类似</a:t>
-            </a:r>
-            <a:r>
-              <a:rPr lang="zh-CN" altLang="en-US" dirty="0" smtClean="0"/>
-              <a:t>“表</a:t>
-            </a:r>
-            <a:r>
-              <a:rPr lang="en-US" altLang="zh-CN" dirty="0" smtClean="0"/>
-              <a:t>1-1 </a:t>
             </a:r>
             <a:r>
               <a:rPr lang="en-US" altLang="zh-CN" dirty="0"/>
@@ -16156,6 +15770,21 @@
             </a:r>
             <a:r>
               <a:rPr lang="zh-CN" altLang="en-US" dirty="0"/>
+              <a:t>为图标题</a:t>
+            </a:r>
+            <a:endParaRPr lang="en-US" altLang="zh-CN" dirty="0"/>
+          </a:p>
+          <a:p>
+            <a:r>
+              <a:rPr lang="zh-CN" altLang="en-US" dirty="0"/>
+              <a:t>表编号出现在表上方，类似“表</a:t>
+            </a:r>
+            <a:r>
+              <a:rPr lang="en-US" altLang="zh-CN" dirty="0"/>
+              <a:t>1-1 XX</a:t>
+            </a:r>
+            <a:r>
+              <a:rPr lang="zh-CN" altLang="en-US" dirty="0"/>
               <a:t>”，该编号在文中应出现引用，</a:t>
             </a:r>
             <a:r>
@@ -16163,41 +15792,37 @@
               <a:t>XX</a:t>
             </a:r>
             <a:r>
-              <a:rPr lang="zh-CN" altLang="en-US" dirty="0" smtClean="0"/>
+              <a:rPr lang="zh-CN" altLang="en-US" dirty="0"/>
               <a:t>为表标题</a:t>
             </a:r>
-            <a:endParaRPr lang="en-US" altLang="zh-CN" dirty="0" smtClean="0"/>
-          </a:p>
-          <a:p>
-            <a:r>
-              <a:rPr lang="zh-CN" altLang="en-US" dirty="0" smtClean="0"/>
+            <a:endParaRPr lang="en-US" altLang="zh-CN" dirty="0"/>
+          </a:p>
+          <a:p>
+            <a:r>
+              <a:rPr lang="zh-CN" altLang="en-US" dirty="0"/>
               <a:t>代码不需要编号，一般放入</a:t>
             </a:r>
             <a:r>
-              <a:rPr lang="en-US" altLang="zh-CN" dirty="0" smtClean="0"/>
+              <a:rPr lang="en-US" altLang="zh-CN" dirty="0"/>
               <a:t>1X1</a:t>
             </a:r>
             <a:r>
-              <a:rPr lang="zh-CN" altLang="en-US" dirty="0" smtClean="0"/>
+              <a:rPr lang="zh-CN" altLang="en-US" dirty="0"/>
               <a:t>的表格单元格中，注意全文代码字体格式、颜色的一致</a:t>
             </a:r>
-            <a:endParaRPr lang="en-US" altLang="zh-CN" dirty="0" smtClean="0"/>
+            <a:endParaRPr lang="en-US" altLang="zh-CN" dirty="0"/>
           </a:p>
           <a:p>
             <a:pPr lvl="1"/>
             <a:r>
               <a:rPr lang="zh-CN" altLang="en-US" dirty="0"/>
-              <a:t>查</a:t>
-            </a:r>
-            <a:r>
-              <a:rPr lang="zh-CN" altLang="en-US" dirty="0" smtClean="0"/>
-              <a:t>重导致的新问题：可以考虑截图，但应尽量尺寸风格一致</a:t>
-            </a:r>
-            <a:endParaRPr lang="en-US" altLang="zh-CN" dirty="0" smtClean="0"/>
+              <a:t>查重导致的新问题：可以考虑截图，但应尽量尺寸风格一致</a:t>
+            </a:r>
+            <a:endParaRPr lang="en-US" altLang="zh-CN" dirty="0"/>
           </a:p>
           <a:p>
             <a:pPr lvl="1"/>
-            <a:endParaRPr lang="en-US" altLang="zh-CN" dirty="0" smtClean="0"/>
+            <a:endParaRPr lang="en-US" altLang="zh-CN" dirty="0"/>
           </a:p>
           <a:p>
             <a:endParaRPr lang="zh-CN" altLang="en-US" dirty="0"/>
@@ -16253,12 +15878,8 @@
           <a:lstStyle/>
           <a:p>
             <a:r>
-              <a:rPr lang="zh-CN" altLang="en-US" dirty="0" smtClean="0"/>
-              <a:t>写作</a:t>
-            </a:r>
-            <a:r>
-              <a:rPr lang="zh-CN" altLang="en-US" dirty="0"/>
-              <a:t>技巧</a:t>
+              <a:rPr lang="zh-CN" altLang="en-US" dirty="0"/>
+              <a:t>写作技巧</a:t>
             </a:r>
           </a:p>
         </p:txBody>
@@ -16279,63 +15900,55 @@
           <a:lstStyle/>
           <a:p>
             <a:r>
-              <a:rPr lang="zh-CN" altLang="en-US" dirty="0" smtClean="0"/>
+              <a:rPr lang="zh-CN" altLang="en-US" dirty="0"/>
               <a:t>材料着手，先打腹稿</a:t>
             </a:r>
-            <a:endParaRPr lang="en-US" altLang="zh-CN" dirty="0" smtClean="0"/>
-          </a:p>
-          <a:p>
-            <a:r>
-              <a:rPr lang="zh-CN" altLang="en-US" dirty="0" smtClean="0"/>
+            <a:endParaRPr lang="en-US" altLang="zh-CN" dirty="0"/>
+          </a:p>
+          <a:p>
+            <a:r>
+              <a:rPr lang="zh-CN" altLang="en-US" dirty="0"/>
               <a:t>先写论文目录框架和摘要</a:t>
             </a:r>
-            <a:endParaRPr lang="en-US" altLang="zh-CN" dirty="0" smtClean="0"/>
-          </a:p>
-          <a:p>
-            <a:r>
-              <a:rPr lang="zh-CN" altLang="en-US" dirty="0" smtClean="0"/>
+            <a:endParaRPr lang="en-US" altLang="zh-CN" dirty="0"/>
+          </a:p>
+          <a:p>
+            <a:r>
+              <a:rPr lang="zh-CN" altLang="en-US" dirty="0"/>
               <a:t>金字塔法则</a:t>
             </a:r>
             <a:r>
-              <a:rPr lang="en-US" altLang="zh-CN" dirty="0" smtClean="0"/>
+              <a:rPr lang="en-US" altLang="zh-CN" dirty="0"/>
               <a:t>——</a:t>
             </a:r>
             <a:r>
-              <a:rPr lang="zh-CN" altLang="en-US" dirty="0" smtClean="0"/>
+              <a:rPr lang="zh-CN" altLang="en-US" dirty="0"/>
               <a:t>总分结构</a:t>
             </a:r>
-            <a:endParaRPr lang="en-US" altLang="zh-CN" dirty="0" smtClean="0"/>
-          </a:p>
-          <a:p>
-            <a:r>
-              <a:rPr lang="zh-CN" altLang="en-US" dirty="0" smtClean="0"/>
+            <a:endParaRPr lang="en-US" altLang="zh-CN" dirty="0"/>
+          </a:p>
+          <a:p>
+            <a:r>
+              <a:rPr lang="zh-CN" altLang="en-US" dirty="0"/>
               <a:t>问题解决型结构</a:t>
             </a:r>
-            <a:endParaRPr lang="en-US" altLang="zh-CN" dirty="0" smtClean="0"/>
-          </a:p>
-          <a:p>
-            <a:r>
-              <a:rPr lang="en-US" altLang="zh-CN" dirty="0" smtClean="0"/>
+            <a:endParaRPr lang="en-US" altLang="zh-CN" dirty="0"/>
+          </a:p>
+          <a:p>
+            <a:r>
+              <a:rPr lang="en-US" altLang="zh-CN" dirty="0"/>
               <a:t>PPT</a:t>
             </a:r>
             <a:r>
-              <a:rPr lang="zh-CN" altLang="en-US" dirty="0" smtClean="0"/>
+              <a:rPr lang="zh-CN" altLang="en-US" dirty="0"/>
               <a:t>的解说稿</a:t>
             </a:r>
-            <a:endParaRPr lang="en-US" altLang="zh-CN" dirty="0" smtClean="0"/>
-          </a:p>
-          <a:p>
-            <a:r>
-              <a:rPr lang="zh-CN" altLang="en-US" dirty="0" smtClean="0"/>
-              <a:t>参考别人论文</a:t>
-            </a:r>
-            <a:r>
-              <a:rPr lang="zh-CN" altLang="en-US" dirty="0"/>
-              <a:t>取其神而非取其</a:t>
-            </a:r>
-            <a:r>
-              <a:rPr lang="zh-CN" altLang="en-US" dirty="0" smtClean="0"/>
-              <a:t>形，形成自身思路后再借鉴别人论文</a:t>
+            <a:endParaRPr lang="en-US" altLang="zh-CN" dirty="0"/>
+          </a:p>
+          <a:p>
+            <a:r>
+              <a:rPr lang="zh-CN" altLang="en-US" dirty="0"/>
+              <a:t>参考别人论文取其神而非取其形，形成自身思路后再借鉴别人论文</a:t>
             </a:r>
             <a:endParaRPr lang="en-US" altLang="zh-CN" dirty="0"/>
           </a:p>
@@ -16390,10 +16003,9 @@
           <a:lstStyle/>
           <a:p>
             <a:r>
-              <a:rPr lang="zh-CN" altLang="en-US" dirty="0" smtClean="0"/>
+              <a:rPr lang="zh-CN" altLang="en-US" dirty="0"/>
               <a:t>常见问题</a:t>
             </a:r>
-            <a:endParaRPr lang="zh-CN" altLang="en-US" dirty="0"/>
           </a:p>
         </p:txBody>
       </p:sp>
@@ -16414,13 +16026,9 @@
           <a:p>
             <a:r>
               <a:rPr lang="zh-CN" altLang="zh-CN" dirty="0"/>
-              <a:t>写得太像项目</a:t>
-            </a:r>
-            <a:r>
-              <a:rPr lang="zh-CN" altLang="zh-CN" dirty="0" smtClean="0"/>
-              <a:t>文档</a:t>
-            </a:r>
-            <a:endParaRPr lang="en-US" altLang="zh-CN" dirty="0" smtClean="0"/>
+              <a:t>写得太像项目文档</a:t>
+            </a:r>
+            <a:endParaRPr lang="en-US" altLang="zh-CN" dirty="0"/>
           </a:p>
           <a:p>
             <a:r>
@@ -16428,48 +16036,44 @@
               <a:t>写得太像</a:t>
             </a:r>
             <a:r>
-              <a:rPr lang="en-US" altLang="zh-CN" dirty="0" smtClean="0"/>
+              <a:rPr lang="en-US" altLang="zh-CN" dirty="0"/>
               <a:t>PPT</a:t>
             </a:r>
           </a:p>
           <a:p>
             <a:r>
               <a:rPr lang="zh-CN" altLang="zh-CN" dirty="0"/>
-              <a:t>图表太多，字太</a:t>
-            </a:r>
-            <a:r>
-              <a:rPr lang="zh-CN" altLang="zh-CN" dirty="0" smtClean="0"/>
-              <a:t>少</a:t>
-            </a:r>
-            <a:endParaRPr lang="en-US" altLang="zh-CN" dirty="0" smtClean="0"/>
-          </a:p>
-          <a:p>
-            <a:r>
-              <a:rPr lang="zh-CN" altLang="en-US" dirty="0" smtClean="0"/>
+              <a:t>图表太多，字太少</a:t>
+            </a:r>
+            <a:endParaRPr lang="en-US" altLang="zh-CN" dirty="0"/>
+          </a:p>
+          <a:p>
+            <a:r>
+              <a:rPr lang="zh-CN" altLang="en-US" dirty="0"/>
               <a:t>缺乏与相关系统对比</a:t>
             </a:r>
-            <a:endParaRPr lang="en-US" altLang="zh-CN" dirty="0" smtClean="0"/>
-          </a:p>
-          <a:p>
-            <a:r>
-              <a:rPr lang="zh-CN" altLang="en-US" dirty="0" smtClean="0"/>
+            <a:endParaRPr lang="en-US" altLang="zh-CN" dirty="0"/>
+          </a:p>
+          <a:p>
+            <a:r>
+              <a:rPr lang="zh-CN" altLang="en-US" dirty="0"/>
               <a:t>问题解决思路过于粗糙</a:t>
             </a:r>
-            <a:endParaRPr lang="en-US" altLang="zh-CN" dirty="0" smtClean="0"/>
-          </a:p>
-          <a:p>
-            <a:r>
-              <a:rPr lang="zh-CN" altLang="en-US" dirty="0" smtClean="0"/>
+            <a:endParaRPr lang="en-US" altLang="zh-CN" dirty="0"/>
+          </a:p>
+          <a:p>
+            <a:r>
+              <a:rPr lang="zh-CN" altLang="en-US" dirty="0"/>
               <a:t>只是对问题客观描述，缺乏自己思考</a:t>
             </a:r>
-            <a:endParaRPr lang="en-US" altLang="zh-CN" dirty="0" smtClean="0"/>
-          </a:p>
-          <a:p>
-            <a:r>
-              <a:rPr lang="zh-CN" altLang="en-US" dirty="0" smtClean="0"/>
+            <a:endParaRPr lang="en-US" altLang="zh-CN" dirty="0"/>
+          </a:p>
+          <a:p>
+            <a:r>
+              <a:rPr lang="zh-CN" altLang="en-US" dirty="0"/>
               <a:t>技术深度太浅</a:t>
             </a:r>
-            <a:endParaRPr lang="en-US" altLang="zh-CN" dirty="0" smtClean="0"/>
+            <a:endParaRPr lang="en-US" altLang="zh-CN" dirty="0"/>
           </a:p>
         </p:txBody>
       </p:sp>
@@ -16519,7 +16123,7 @@
           <a:lstStyle/>
           <a:p>
             <a:r>
-              <a:rPr lang="en-US" altLang="zh-CN" dirty="0" smtClean="0"/>
+              <a:rPr lang="en-US" altLang="zh-CN" dirty="0"/>
               <a:t>Q &amp; A</a:t>
             </a:r>
             <a:endParaRPr lang="zh-CN" altLang="en-US" dirty="0"/>
@@ -16536,13 +16140,6 @@
   <p:clrMapOvr>
     <a:masterClrMapping/>
   </p:clrMapOvr>
-  <p:timing>
-    <p:tnLst>
-      <p:par>
-        <p:cTn id="1" dur="indefinite" restart="never" nodeType="tmRoot"/>
-      </p:par>
-    </p:tnLst>
-  </p:timing>
 </p:sld>
 </file>
 
@@ -16601,93 +16198,88 @@
           <a:lstStyle/>
           <a:p>
             <a:r>
-              <a:rPr lang="zh-CN" altLang="en-US" dirty="0" smtClean="0"/>
+              <a:rPr lang="zh-CN" altLang="en-US" dirty="0"/>
               <a:t>论文评审流程</a:t>
             </a:r>
-            <a:endParaRPr lang="en-US" altLang="zh-CN" dirty="0" smtClean="0"/>
+            <a:endParaRPr lang="en-US" altLang="zh-CN" dirty="0"/>
           </a:p>
           <a:p>
             <a:pPr lvl="1"/>
             <a:r>
-              <a:rPr lang="zh-CN" altLang="en-US" dirty="0" smtClean="0"/>
+              <a:rPr lang="zh-CN" altLang="en-US" dirty="0"/>
               <a:t>找教务申请账号后上传论文</a:t>
             </a:r>
-            <a:endParaRPr lang="en-US" altLang="zh-CN" dirty="0" smtClean="0"/>
+            <a:endParaRPr lang="en-US" altLang="zh-CN" dirty="0"/>
           </a:p>
           <a:p>
             <a:pPr lvl="1"/>
             <a:r>
-              <a:rPr lang="zh-CN" altLang="en-US" dirty="0" smtClean="0"/>
+              <a:rPr lang="zh-CN" altLang="en-US" dirty="0"/>
               <a:t>导师审批，同意进入盲审</a:t>
             </a:r>
-            <a:endParaRPr lang="en-US" altLang="zh-CN" dirty="0" smtClean="0"/>
+            <a:endParaRPr lang="en-US" altLang="zh-CN" dirty="0"/>
           </a:p>
           <a:p>
             <a:pPr lvl="1"/>
             <a:r>
-              <a:rPr lang="zh-CN" altLang="en-US" dirty="0" smtClean="0"/>
+              <a:rPr lang="zh-CN" altLang="en-US" dirty="0"/>
               <a:t>格式审核</a:t>
             </a:r>
-            <a:endParaRPr lang="en-US" altLang="zh-CN" dirty="0" smtClean="0"/>
+            <a:endParaRPr lang="en-US" altLang="zh-CN" dirty="0"/>
           </a:p>
           <a:p>
             <a:pPr lvl="1"/>
             <a:r>
               <a:rPr lang="zh-CN" altLang="en-US" dirty="0"/>
-              <a:t>院</a:t>
-            </a:r>
-            <a:r>
-              <a:rPr lang="zh-CN" altLang="en-US" dirty="0" smtClean="0"/>
-              <a:t>内盲审</a:t>
-            </a:r>
-            <a:endParaRPr lang="en-US" altLang="zh-CN" dirty="0" smtClean="0"/>
+              <a:t>院内盲审</a:t>
+            </a:r>
+            <a:endParaRPr lang="en-US" altLang="zh-CN" dirty="0"/>
           </a:p>
           <a:p>
             <a:pPr lvl="2"/>
             <a:r>
-              <a:rPr lang="en-US" altLang="zh-CN" dirty="0" smtClean="0"/>
+              <a:rPr lang="en-US" altLang="zh-CN" dirty="0"/>
               <a:t>2</a:t>
             </a:r>
             <a:r>
-              <a:rPr lang="zh-CN" altLang="en-US" dirty="0" smtClean="0"/>
+              <a:rPr lang="zh-CN" altLang="en-US" dirty="0"/>
               <a:t>人独立盲审</a:t>
             </a:r>
-            <a:endParaRPr lang="en-US" altLang="zh-CN" dirty="0" smtClean="0"/>
+            <a:endParaRPr lang="en-US" altLang="zh-CN" dirty="0"/>
           </a:p>
           <a:p>
             <a:pPr lvl="2"/>
             <a:r>
-              <a:rPr lang="zh-CN" altLang="en-US" dirty="0" smtClean="0"/>
+              <a:rPr lang="zh-CN" altLang="en-US" dirty="0"/>
               <a:t>独立三审</a:t>
             </a:r>
             <a:r>
-              <a:rPr lang="en-US" altLang="zh-CN" dirty="0" smtClean="0"/>
+              <a:rPr lang="en-US" altLang="zh-CN" dirty="0"/>
               <a:t>*</a:t>
             </a:r>
           </a:p>
           <a:p>
             <a:pPr lvl="1"/>
             <a:r>
-              <a:rPr lang="zh-CN" altLang="en-US" dirty="0" smtClean="0"/>
+              <a:rPr lang="zh-CN" altLang="en-US" dirty="0"/>
               <a:t>校外盲审</a:t>
             </a:r>
-            <a:endParaRPr lang="en-US" altLang="zh-CN" dirty="0" smtClean="0"/>
+            <a:endParaRPr lang="en-US" altLang="zh-CN" dirty="0"/>
           </a:p>
           <a:p>
             <a:pPr lvl="1"/>
             <a:r>
-              <a:rPr lang="zh-CN" altLang="en-US" dirty="0" smtClean="0"/>
+              <a:rPr lang="zh-CN" altLang="en-US" dirty="0"/>
               <a:t>答辩</a:t>
             </a:r>
-            <a:endParaRPr lang="en-US" altLang="zh-CN" dirty="0" smtClean="0"/>
+            <a:endParaRPr lang="en-US" altLang="zh-CN" dirty="0"/>
           </a:p>
           <a:p>
             <a:pPr lvl="1"/>
             <a:r>
-              <a:rPr lang="zh-CN" altLang="en-US" dirty="0" smtClean="0"/>
+              <a:rPr lang="zh-CN" altLang="en-US" dirty="0"/>
               <a:t>校外盲捡</a:t>
             </a:r>
-            <a:endParaRPr lang="zh-CN" altLang="en-US" dirty="0"/>
           </a:p>
         </p:txBody>
       </p:sp>
@@ -16759,24 +16351,20 @@
           <a:lstStyle/>
           <a:p>
             <a:r>
-              <a:rPr lang="en-US" altLang="zh-CN" dirty="0" smtClean="0"/>
+              <a:rPr lang="en-US" altLang="zh-CN" dirty="0"/>
               <a:t>5</a:t>
             </a:r>
             <a:r>
-              <a:rPr lang="zh-CN" altLang="en-US" dirty="0" smtClean="0"/>
+              <a:rPr lang="zh-CN" altLang="en-US" dirty="0"/>
               <a:t>月底</a:t>
             </a:r>
             <a:r>
-              <a:rPr lang="en-US" altLang="zh-CN" dirty="0" smtClean="0"/>
+              <a:rPr lang="en-US" altLang="zh-CN" dirty="0"/>
               <a:t>/10</a:t>
             </a:r>
             <a:r>
-              <a:rPr lang="zh-CN" altLang="en-US" dirty="0" smtClean="0"/>
-              <a:t>月底，</a:t>
-            </a:r>
-            <a:r>
-              <a:rPr lang="zh-CN" altLang="en-US" dirty="0"/>
-              <a:t>完成选题和</a:t>
+              <a:rPr lang="zh-CN" altLang="en-US" dirty="0"/>
+              <a:t>月底，完成选题和</a:t>
             </a:r>
             <a:r>
               <a:rPr lang="en-US" altLang="zh-CN" dirty="0"/>
@@ -16793,20 +16381,16 @@
               <a:t>6</a:t>
             </a:r>
             <a:r>
-              <a:rPr lang="zh-CN" altLang="en-US" dirty="0" smtClean="0"/>
+              <a:rPr lang="zh-CN" altLang="en-US" dirty="0"/>
               <a:t>月底</a:t>
             </a:r>
             <a:r>
-              <a:rPr lang="en-US" altLang="zh-CN" dirty="0" smtClean="0"/>
+              <a:rPr lang="en-US" altLang="zh-CN" dirty="0"/>
               <a:t>/11</a:t>
             </a:r>
             <a:r>
-              <a:rPr lang="zh-CN" altLang="en-US" dirty="0" smtClean="0"/>
-              <a:t>月底，</a:t>
-            </a:r>
-            <a:r>
-              <a:rPr lang="zh-CN" altLang="en-US" dirty="0"/>
-              <a:t>完成第四章（核心章节）写作。</a:t>
+              <a:rPr lang="zh-CN" altLang="en-US" dirty="0"/>
+              <a:t>月底，完成第四章（核心章节）写作。</a:t>
             </a:r>
           </a:p>
           <a:p>
@@ -16815,34 +16399,25 @@
               <a:t>7</a:t>
             </a:r>
             <a:r>
-              <a:rPr lang="zh-CN" altLang="en-US" dirty="0" smtClean="0"/>
+              <a:rPr lang="zh-CN" altLang="en-US" dirty="0"/>
               <a:t>月底</a:t>
             </a:r>
             <a:r>
-              <a:rPr lang="en-US" altLang="zh-CN" dirty="0" smtClean="0"/>
+              <a:rPr lang="en-US" altLang="zh-CN" dirty="0"/>
               <a:t>/12</a:t>
             </a:r>
             <a:r>
-              <a:rPr lang="zh-CN" altLang="en-US" dirty="0" smtClean="0"/>
-              <a:t>月底，</a:t>
-            </a:r>
-            <a:r>
-              <a:rPr lang="zh-CN" altLang="en-US" dirty="0"/>
-              <a:t>完成大改稿写作</a:t>
-            </a:r>
-            <a:r>
-              <a:rPr lang="zh-CN" altLang="en-US" dirty="0" smtClean="0"/>
-              <a:t>。</a:t>
-            </a:r>
-            <a:endParaRPr lang="en-US" altLang="zh-CN" dirty="0" smtClean="0"/>
+              <a:rPr lang="zh-CN" altLang="en-US" dirty="0"/>
+              <a:t>月底，完成大改稿写作。</a:t>
+            </a:r>
+            <a:endParaRPr lang="en-US" altLang="zh-CN" dirty="0"/>
           </a:p>
           <a:p>
             <a:pPr lvl="1"/>
             <a:r>
-              <a:rPr lang="zh-CN" altLang="en-US" dirty="0" smtClean="0"/>
+              <a:rPr lang="zh-CN" altLang="en-US" dirty="0"/>
               <a:t>最后提交材料：从摘要到致谢所有章节都已完成，格式基本正确，内容逻辑等有较多问题。</a:t>
             </a:r>
-            <a:endParaRPr lang="zh-CN" altLang="en-US" dirty="0"/>
           </a:p>
           <a:p>
             <a:endParaRPr lang="zh-CN" altLang="en-US" dirty="0"/>
@@ -16917,54 +16492,46 @@
           <a:lstStyle/>
           <a:p>
             <a:r>
-              <a:rPr lang="en-US" altLang="zh-CN" dirty="0" smtClean="0"/>
-              <a:t>8</a:t>
-            </a:r>
-            <a:r>
-              <a:rPr lang="zh-CN" altLang="en-US" dirty="0" smtClean="0"/>
-              <a:t>月中</a:t>
-            </a:r>
-            <a:r>
-              <a:rPr lang="en-US" altLang="zh-CN" dirty="0" smtClean="0"/>
-              <a:t>/1</a:t>
-            </a:r>
-            <a:r>
-              <a:rPr lang="zh-CN" altLang="en-US" dirty="0" smtClean="0"/>
-              <a:t>月中，</a:t>
-            </a:r>
-            <a:r>
-              <a:rPr lang="zh-CN" altLang="en-US" dirty="0"/>
-              <a:t>完成小改稿写作。</a:t>
-            </a:r>
-            <a:endParaRPr lang="en-US" altLang="zh-CN" dirty="0"/>
-          </a:p>
-          <a:p>
-            <a:pPr lvl="1"/>
-            <a:r>
-              <a:rPr lang="zh-CN" altLang="en-US" dirty="0"/>
-              <a:t>最终提交材料：符合最终论文提交格式论文，格式基本无问题，内容、逻辑有较多小问题。</a:t>
-            </a:r>
-          </a:p>
-          <a:p>
-            <a:r>
               <a:rPr lang="en-US" altLang="zh-CN" dirty="0"/>
               <a:t>8</a:t>
             </a:r>
             <a:r>
-              <a:rPr lang="zh-CN" altLang="en-US" dirty="0" smtClean="0"/>
+              <a:rPr lang="zh-CN" altLang="en-US" dirty="0"/>
+              <a:t>月中</a:t>
+            </a:r>
+            <a:r>
+              <a:rPr lang="en-US" altLang="zh-CN" dirty="0"/>
+              <a:t>/1</a:t>
+            </a:r>
+            <a:r>
+              <a:rPr lang="zh-CN" altLang="en-US" dirty="0"/>
+              <a:t>月中，完成小改稿写作。</a:t>
+            </a:r>
+            <a:endParaRPr lang="en-US" altLang="zh-CN" dirty="0"/>
+          </a:p>
+          <a:p>
+            <a:pPr lvl="1"/>
+            <a:r>
+              <a:rPr lang="zh-CN" altLang="en-US" dirty="0"/>
+              <a:t>最终提交材料：符合最终论文提交格式论文，格式基本无问题，内容、逻辑有较多小问题。</a:t>
+            </a:r>
+          </a:p>
+          <a:p>
+            <a:r>
+              <a:rPr lang="en-US" altLang="zh-CN" dirty="0"/>
+              <a:t>8</a:t>
+            </a:r>
+            <a:r>
+              <a:rPr lang="zh-CN" altLang="en-US" dirty="0"/>
               <a:t>月底</a:t>
             </a:r>
             <a:r>
-              <a:rPr lang="en-US" altLang="zh-CN" dirty="0" smtClean="0"/>
+              <a:rPr lang="en-US" altLang="zh-CN" dirty="0"/>
               <a:t>/1</a:t>
             </a:r>
             <a:r>
-              <a:rPr lang="zh-CN" altLang="en-US" dirty="0" smtClean="0"/>
-              <a:t>月底，</a:t>
-            </a:r>
-            <a:r>
-              <a:rPr lang="zh-CN" altLang="en-US" dirty="0"/>
-              <a:t>完成准完成稿。</a:t>
+              <a:rPr lang="zh-CN" altLang="en-US" dirty="0"/>
+              <a:t>月底，完成准完成稿。</a:t>
             </a:r>
             <a:endParaRPr lang="en-US" altLang="zh-CN" dirty="0"/>
           </a:p>
@@ -17048,101 +16615,85 @@
           <a:lstStyle/>
           <a:p>
             <a:r>
-              <a:rPr lang="zh-CN" altLang="en-US" dirty="0" smtClean="0"/>
+              <a:rPr lang="zh-CN" altLang="en-US" dirty="0"/>
               <a:t>宏观要求</a:t>
             </a:r>
-            <a:endParaRPr lang="en-US" altLang="zh-CN" dirty="0" smtClean="0"/>
+            <a:endParaRPr lang="en-US" altLang="zh-CN" dirty="0"/>
           </a:p>
           <a:p>
             <a:pPr lvl="1"/>
             <a:r>
-              <a:rPr lang="en-US" altLang="zh-CN" dirty="0" smtClean="0"/>
+              <a:rPr lang="en-US" altLang="zh-CN" dirty="0"/>
               <a:t>3</a:t>
             </a:r>
             <a:r>
-              <a:rPr lang="zh-CN" altLang="en-US" dirty="0" smtClean="0"/>
+              <a:rPr lang="zh-CN" altLang="en-US" dirty="0"/>
               <a:t>万字，</a:t>
             </a:r>
             <a:r>
-              <a:rPr lang="en-US" altLang="zh-CN" dirty="0" smtClean="0"/>
+              <a:rPr lang="en-US" altLang="zh-CN" dirty="0"/>
               <a:t>Word</a:t>
             </a:r>
             <a:r>
-              <a:rPr lang="zh-CN" altLang="en-US" dirty="0" smtClean="0"/>
+              <a:rPr lang="zh-CN" altLang="en-US" dirty="0"/>
               <a:t>统计字数</a:t>
             </a:r>
-            <a:endParaRPr lang="en-US" altLang="zh-CN" dirty="0" smtClean="0"/>
+            <a:endParaRPr lang="en-US" altLang="zh-CN" dirty="0"/>
           </a:p>
           <a:p>
             <a:pPr lvl="1"/>
             <a:r>
-              <a:rPr lang="en-US" altLang="zh-CN" dirty="0" smtClean="0"/>
+              <a:rPr lang="en-US" altLang="zh-CN" dirty="0"/>
               <a:t>55-60</a:t>
             </a:r>
             <a:r>
-              <a:rPr lang="zh-CN" altLang="en-US" dirty="0" smtClean="0"/>
+              <a:rPr lang="zh-CN" altLang="en-US" dirty="0"/>
               <a:t>页，主体部分</a:t>
             </a:r>
-            <a:endParaRPr lang="en-US" altLang="zh-CN" dirty="0" smtClean="0"/>
-          </a:p>
-          <a:p>
-            <a:r>
-              <a:rPr lang="zh-CN" altLang="en-US" dirty="0" smtClean="0"/>
+            <a:endParaRPr lang="en-US" altLang="zh-CN" dirty="0"/>
+          </a:p>
+          <a:p>
+            <a:r>
+              <a:rPr lang="zh-CN" altLang="en-US" dirty="0"/>
               <a:t>第一章 绪论</a:t>
             </a:r>
-            <a:endParaRPr lang="en-US" altLang="zh-CN" dirty="0" smtClean="0"/>
+            <a:endParaRPr lang="en-US" altLang="zh-CN" dirty="0"/>
           </a:p>
           <a:p>
             <a:pPr lvl="1"/>
             <a:r>
-              <a:rPr lang="en-US" altLang="zh-CN" dirty="0" smtClean="0"/>
+              <a:rPr lang="en-US" altLang="zh-CN" dirty="0"/>
               <a:t>1.1 </a:t>
             </a:r>
             <a:r>
-              <a:rPr lang="zh-CN" altLang="en-US" dirty="0" smtClean="0"/>
-              <a:t>课题</a:t>
-            </a:r>
-            <a:r>
-              <a:rPr lang="zh-CN" altLang="en-US" dirty="0"/>
-              <a:t>研究</a:t>
-            </a:r>
-            <a:r>
-              <a:rPr lang="zh-CN" altLang="en-US" dirty="0" smtClean="0"/>
-              <a:t>宏观背景（有价值）</a:t>
-            </a:r>
-            <a:endParaRPr lang="en-US" altLang="zh-CN" dirty="0" smtClean="0"/>
+              <a:rPr lang="zh-CN" altLang="en-US" dirty="0"/>
+              <a:t>课题研究宏观背景（有价值）</a:t>
+            </a:r>
+            <a:endParaRPr lang="en-US" altLang="zh-CN" dirty="0"/>
           </a:p>
           <a:p>
             <a:pPr lvl="1"/>
             <a:r>
-              <a:rPr lang="en-US" altLang="zh-CN" dirty="0" smtClean="0"/>
+              <a:rPr lang="en-US" altLang="zh-CN" dirty="0"/>
               <a:t>1.2 </a:t>
             </a:r>
             <a:r>
-              <a:rPr lang="zh-CN" altLang="en-US" dirty="0" smtClean="0"/>
-              <a:t>课题研究</a:t>
-            </a:r>
-            <a:r>
-              <a:rPr lang="zh-CN" altLang="en-US" dirty="0"/>
-              <a:t>内容</a:t>
-            </a:r>
-            <a:r>
-              <a:rPr lang="zh-CN" altLang="en-US" dirty="0" smtClean="0"/>
-              <a:t>与意义（有必要）</a:t>
-            </a:r>
-            <a:endParaRPr lang="en-US" altLang="zh-CN" dirty="0" smtClean="0"/>
+              <a:rPr lang="zh-CN" altLang="en-US" dirty="0"/>
+              <a:t>课题研究内容与意义（有必要）</a:t>
+            </a:r>
+            <a:endParaRPr lang="en-US" altLang="zh-CN" dirty="0"/>
           </a:p>
           <a:p>
             <a:pPr lvl="1"/>
             <a:r>
-              <a:rPr lang="en-US" altLang="zh-CN" dirty="0" smtClean="0"/>
+              <a:rPr lang="en-US" altLang="zh-CN" dirty="0"/>
               <a:t>1.3 </a:t>
             </a:r>
             <a:r>
-              <a:rPr lang="zh-CN" altLang="en-US" dirty="0" smtClean="0"/>
+              <a:rPr lang="zh-CN" altLang="en-US" dirty="0"/>
               <a:t>论文框架结构</a:t>
             </a:r>
-            <a:endParaRPr lang="en-US" altLang="zh-CN" dirty="0" smtClean="0"/>
+            <a:endParaRPr lang="en-US" altLang="zh-CN" dirty="0"/>
           </a:p>
         </p:txBody>
       </p:sp>
@@ -17214,66 +16765,65 @@
           <a:lstStyle/>
           <a:p>
             <a:r>
-              <a:rPr lang="zh-CN" altLang="en-US" dirty="0" smtClean="0"/>
+              <a:rPr lang="zh-CN" altLang="en-US" dirty="0"/>
               <a:t>第二章 相关工作与关键技术研究</a:t>
             </a:r>
-            <a:endParaRPr lang="en-US" altLang="zh-CN" dirty="0" smtClean="0"/>
+            <a:endParaRPr lang="en-US" altLang="zh-CN" dirty="0"/>
           </a:p>
           <a:p>
             <a:pPr lvl="1"/>
             <a:r>
-              <a:rPr lang="en-US" altLang="zh-CN" dirty="0" smtClean="0"/>
+              <a:rPr lang="en-US" altLang="zh-CN" dirty="0"/>
               <a:t>2.1 </a:t>
             </a:r>
             <a:r>
-              <a:rPr lang="zh-CN" altLang="en-US" dirty="0" smtClean="0"/>
+              <a:rPr lang="zh-CN" altLang="en-US" dirty="0"/>
               <a:t>相关工作研究</a:t>
             </a:r>
-            <a:endParaRPr lang="en-US" altLang="zh-CN" dirty="0" smtClean="0"/>
+            <a:endParaRPr lang="en-US" altLang="zh-CN" dirty="0"/>
           </a:p>
           <a:p>
             <a:pPr lvl="1"/>
             <a:r>
-              <a:rPr lang="en-US" altLang="zh-CN" dirty="0" smtClean="0"/>
+              <a:rPr lang="en-US" altLang="zh-CN" dirty="0"/>
               <a:t>2.2 </a:t>
             </a:r>
             <a:r>
-              <a:rPr lang="zh-CN" altLang="en-US" dirty="0" smtClean="0"/>
+              <a:rPr lang="zh-CN" altLang="en-US" dirty="0"/>
               <a:t>业务背景简介（可选）</a:t>
             </a:r>
-            <a:endParaRPr lang="en-US" altLang="zh-CN" dirty="0" smtClean="0"/>
+            <a:endParaRPr lang="en-US" altLang="zh-CN" dirty="0"/>
           </a:p>
           <a:p>
             <a:pPr lvl="1"/>
             <a:r>
-              <a:rPr lang="en-US" altLang="zh-CN" dirty="0" smtClean="0"/>
+              <a:rPr lang="en-US" altLang="zh-CN" dirty="0"/>
               <a:t>2.3 </a:t>
             </a:r>
             <a:r>
-              <a:rPr lang="zh-CN" altLang="en-US" dirty="0" smtClean="0"/>
+              <a:rPr lang="zh-CN" altLang="en-US" dirty="0"/>
               <a:t>关键技术研究（侧重选型角度）</a:t>
             </a:r>
-            <a:endParaRPr lang="en-US" altLang="zh-CN" dirty="0" smtClean="0"/>
+            <a:endParaRPr lang="en-US" altLang="zh-CN" dirty="0"/>
           </a:p>
           <a:p>
             <a:pPr lvl="1"/>
             <a:r>
-              <a:rPr lang="en-US" altLang="zh-CN" dirty="0" smtClean="0"/>
+              <a:rPr lang="en-US" altLang="zh-CN" dirty="0"/>
               <a:t>1-2</a:t>
             </a:r>
             <a:r>
-              <a:rPr lang="zh-CN" altLang="en-US" dirty="0" smtClean="0"/>
+              <a:rPr lang="zh-CN" altLang="en-US" dirty="0"/>
               <a:t>章共计</a:t>
             </a:r>
             <a:r>
-              <a:rPr lang="en-US" altLang="zh-CN" dirty="0" smtClean="0"/>
+              <a:rPr lang="en-US" altLang="zh-CN" dirty="0"/>
               <a:t>15-20</a:t>
             </a:r>
             <a:r>
-              <a:rPr lang="zh-CN" altLang="en-US" dirty="0" smtClean="0"/>
+              <a:rPr lang="zh-CN" altLang="en-US" dirty="0"/>
               <a:t>页左右</a:t>
             </a:r>
-            <a:endParaRPr lang="zh-CN" altLang="en-US" dirty="0"/>
           </a:p>
         </p:txBody>
       </p:sp>
@@ -17323,12 +16873,8 @@
           <a:lstStyle/>
           <a:p>
             <a:r>
-              <a:rPr lang="zh-CN" altLang="en-US" dirty="0" smtClean="0"/>
-              <a:t>论文</a:t>
-            </a:r>
-            <a:r>
-              <a:rPr lang="zh-CN" altLang="en-US" dirty="0"/>
-              <a:t>框架布局</a:t>
+              <a:rPr lang="zh-CN" altLang="en-US" dirty="0"/>
+              <a:t>论文框架布局</a:t>
             </a:r>
           </a:p>
         </p:txBody>
@@ -17349,62 +16895,57 @@
           <a:lstStyle/>
           <a:p>
             <a:r>
-              <a:rPr lang="zh-CN" altLang="en-US" dirty="0" smtClean="0"/>
+              <a:rPr lang="zh-CN" altLang="en-US" dirty="0"/>
               <a:t>第三章 系统需求分析和总体设计</a:t>
             </a:r>
-            <a:endParaRPr lang="en-US" altLang="zh-CN" dirty="0" smtClean="0"/>
+            <a:endParaRPr lang="en-US" altLang="zh-CN" dirty="0"/>
           </a:p>
           <a:p>
             <a:pPr lvl="1"/>
             <a:r>
-              <a:rPr lang="en-US" altLang="zh-CN" dirty="0" smtClean="0"/>
+              <a:rPr lang="en-US" altLang="zh-CN" dirty="0"/>
               <a:t>3.1 </a:t>
             </a:r>
             <a:r>
               <a:rPr lang="zh-CN" altLang="en-US" dirty="0"/>
-              <a:t>项目</a:t>
-            </a:r>
-            <a:r>
-              <a:rPr lang="zh-CN" altLang="en-US" dirty="0" smtClean="0"/>
-              <a:t>背景介绍</a:t>
-            </a:r>
-            <a:endParaRPr lang="en-US" altLang="zh-CN" dirty="0" smtClean="0"/>
+              <a:t>项目背景介绍</a:t>
+            </a:r>
+            <a:endParaRPr lang="en-US" altLang="zh-CN" dirty="0"/>
           </a:p>
           <a:p>
             <a:pPr lvl="1"/>
             <a:r>
-              <a:rPr lang="en-US" altLang="zh-CN" dirty="0" smtClean="0"/>
+              <a:rPr lang="en-US" altLang="zh-CN" dirty="0"/>
               <a:t>3.2 </a:t>
             </a:r>
             <a:r>
-              <a:rPr lang="zh-CN" altLang="en-US" dirty="0" smtClean="0"/>
+              <a:rPr lang="zh-CN" altLang="en-US" dirty="0"/>
               <a:t>系统需求分析</a:t>
             </a:r>
-            <a:endParaRPr lang="en-US" altLang="zh-CN" dirty="0" smtClean="0"/>
+            <a:endParaRPr lang="en-US" altLang="zh-CN" dirty="0"/>
           </a:p>
           <a:p>
             <a:pPr lvl="1"/>
             <a:r>
-              <a:rPr lang="en-US" altLang="zh-CN" dirty="0" smtClean="0"/>
+              <a:rPr lang="en-US" altLang="zh-CN" dirty="0"/>
               <a:t>3.3 </a:t>
             </a:r>
             <a:r>
-              <a:rPr lang="zh-CN" altLang="en-US" dirty="0" smtClean="0"/>
+              <a:rPr lang="zh-CN" altLang="en-US" dirty="0"/>
               <a:t>系统总体设计</a:t>
             </a:r>
-            <a:endParaRPr lang="en-US" altLang="zh-CN" dirty="0" smtClean="0"/>
+            <a:endParaRPr lang="en-US" altLang="zh-CN" dirty="0"/>
           </a:p>
           <a:p>
             <a:pPr lvl="1"/>
             <a:r>
-              <a:rPr lang="en-US" altLang="zh-CN" dirty="0" smtClean="0"/>
+              <a:rPr lang="en-US" altLang="zh-CN" dirty="0"/>
               <a:t>6-8</a:t>
             </a:r>
             <a:r>
-              <a:rPr lang="zh-CN" altLang="en-US" dirty="0" smtClean="0"/>
+              <a:rPr lang="zh-CN" altLang="en-US" dirty="0"/>
               <a:t>页</a:t>
             </a:r>
-            <a:endParaRPr lang="zh-CN" altLang="en-US" dirty="0"/>
           </a:p>
         </p:txBody>
       </p:sp>
